--- a/ppt/머지라이프 화면 구성 기획.pptx
+++ b/ppt/머지라이프 화면 구성 기획.pptx
@@ -8,7 +8,8 @@
     <p:sldId id="257" r:id="rId2"/>
     <p:sldId id="256" r:id="rId3"/>
     <p:sldId id="258" r:id="rId4"/>
-    <p:sldId id="259" r:id="rId5"/>
+    <p:sldId id="260" r:id="rId5"/>
+    <p:sldId id="259" r:id="rId6"/>
   </p:sldIdLst>
   <p:sldSz cx="25920700" cy="46080363"/>
   <p:notesSz cx="6858000" cy="9144000"/>
@@ -246,7 +247,7 @@
           <a:p>
             <a:fld id="{15CC93D1-B3EB-4BCA-A7D4-541A6BC115A5}" type="datetimeFigureOut">
               <a:rPr lang="ko-KR" altLang="en-US" smtClean="0"/>
-              <a:t>2024-05-29</a:t>
+              <a:t>2024-06-02</a:t>
             </a:fld>
             <a:endParaRPr lang="ko-KR" altLang="en-US"/>
           </a:p>
@@ -416,7 +417,7 @@
           <a:p>
             <a:fld id="{15CC93D1-B3EB-4BCA-A7D4-541A6BC115A5}" type="datetimeFigureOut">
               <a:rPr lang="ko-KR" altLang="en-US" smtClean="0"/>
-              <a:t>2024-05-29</a:t>
+              <a:t>2024-06-02</a:t>
             </a:fld>
             <a:endParaRPr lang="ko-KR" altLang="en-US"/>
           </a:p>
@@ -596,7 +597,7 @@
           <a:p>
             <a:fld id="{15CC93D1-B3EB-4BCA-A7D4-541A6BC115A5}" type="datetimeFigureOut">
               <a:rPr lang="ko-KR" altLang="en-US" smtClean="0"/>
-              <a:t>2024-05-29</a:t>
+              <a:t>2024-06-02</a:t>
             </a:fld>
             <a:endParaRPr lang="ko-KR" altLang="en-US"/>
           </a:p>
@@ -766,7 +767,7 @@
           <a:p>
             <a:fld id="{15CC93D1-B3EB-4BCA-A7D4-541A6BC115A5}" type="datetimeFigureOut">
               <a:rPr lang="ko-KR" altLang="en-US" smtClean="0"/>
-              <a:t>2024-05-29</a:t>
+              <a:t>2024-06-02</a:t>
             </a:fld>
             <a:endParaRPr lang="ko-KR" altLang="en-US"/>
           </a:p>
@@ -1012,7 +1013,7 @@
           <a:p>
             <a:fld id="{15CC93D1-B3EB-4BCA-A7D4-541A6BC115A5}" type="datetimeFigureOut">
               <a:rPr lang="ko-KR" altLang="en-US" smtClean="0"/>
-              <a:t>2024-05-29</a:t>
+              <a:t>2024-06-02</a:t>
             </a:fld>
             <a:endParaRPr lang="ko-KR" altLang="en-US"/>
           </a:p>
@@ -1244,7 +1245,7 @@
           <a:p>
             <a:fld id="{15CC93D1-B3EB-4BCA-A7D4-541A6BC115A5}" type="datetimeFigureOut">
               <a:rPr lang="ko-KR" altLang="en-US" smtClean="0"/>
-              <a:t>2024-05-29</a:t>
+              <a:t>2024-06-02</a:t>
             </a:fld>
             <a:endParaRPr lang="ko-KR" altLang="en-US"/>
           </a:p>
@@ -1611,7 +1612,7 @@
           <a:p>
             <a:fld id="{15CC93D1-B3EB-4BCA-A7D4-541A6BC115A5}" type="datetimeFigureOut">
               <a:rPr lang="ko-KR" altLang="en-US" smtClean="0"/>
-              <a:t>2024-05-29</a:t>
+              <a:t>2024-06-02</a:t>
             </a:fld>
             <a:endParaRPr lang="ko-KR" altLang="en-US"/>
           </a:p>
@@ -1729,7 +1730,7 @@
           <a:p>
             <a:fld id="{15CC93D1-B3EB-4BCA-A7D4-541A6BC115A5}" type="datetimeFigureOut">
               <a:rPr lang="ko-KR" altLang="en-US" smtClean="0"/>
-              <a:t>2024-05-29</a:t>
+              <a:t>2024-06-02</a:t>
             </a:fld>
             <a:endParaRPr lang="ko-KR" altLang="en-US"/>
           </a:p>
@@ -1824,7 +1825,7 @@
           <a:p>
             <a:fld id="{15CC93D1-B3EB-4BCA-A7D4-541A6BC115A5}" type="datetimeFigureOut">
               <a:rPr lang="ko-KR" altLang="en-US" smtClean="0"/>
-              <a:t>2024-05-29</a:t>
+              <a:t>2024-06-02</a:t>
             </a:fld>
             <a:endParaRPr lang="ko-KR" altLang="en-US"/>
           </a:p>
@@ -2101,7 +2102,7 @@
           <a:p>
             <a:fld id="{15CC93D1-B3EB-4BCA-A7D4-541A6BC115A5}" type="datetimeFigureOut">
               <a:rPr lang="ko-KR" altLang="en-US" smtClean="0"/>
-              <a:t>2024-05-29</a:t>
+              <a:t>2024-06-02</a:t>
             </a:fld>
             <a:endParaRPr lang="ko-KR" altLang="en-US"/>
           </a:p>
@@ -2358,7 +2359,7 @@
           <a:p>
             <a:fld id="{15CC93D1-B3EB-4BCA-A7D4-541A6BC115A5}" type="datetimeFigureOut">
               <a:rPr lang="ko-KR" altLang="en-US" smtClean="0"/>
-              <a:t>2024-05-29</a:t>
+              <a:t>2024-06-02</a:t>
             </a:fld>
             <a:endParaRPr lang="ko-KR" altLang="en-US"/>
           </a:p>
@@ -2571,7 +2572,7 @@
           <a:p>
             <a:fld id="{15CC93D1-B3EB-4BCA-A7D4-541A6BC115A5}" type="datetimeFigureOut">
               <a:rPr lang="ko-KR" altLang="en-US" smtClean="0"/>
-              <a:t>2024-05-29</a:t>
+              <a:t>2024-06-02</a:t>
             </a:fld>
             <a:endParaRPr lang="ko-KR" altLang="en-US"/>
           </a:p>
@@ -3070,7 +3071,7 @@
         </p:nvSpPr>
         <p:spPr>
           <a:xfrm>
-            <a:off x="17092246" y="0"/>
+            <a:off x="17092246" y="-145499"/>
             <a:ext cx="10118408" cy="3305908"/>
           </a:xfrm>
           <a:prstGeom prst="rect">
@@ -3126,8 +3127,8 @@
         </p:nvSpPr>
         <p:spPr>
           <a:xfrm>
-            <a:off x="-261460" y="-211015"/>
-            <a:ext cx="10118408" cy="3305908"/>
+            <a:off x="-261460" y="-165777"/>
+            <a:ext cx="17279831" cy="3305908"/>
           </a:xfrm>
           <a:prstGeom prst="rect">
             <a:avLst/>
@@ -3170,7 +3171,15 @@
             </a:r>
             <a:r>
               <a:rPr lang="en-US" altLang="ko-KR" sz="10000" dirty="0"/>
-              <a:t>/ 5</a:t>
+              <a:t>/ </a:t>
+            </a:r>
+            <a:r>
+              <a:rPr lang="ko-KR" altLang="en-US" sz="10000" dirty="0"/>
+              <a:t>현재나이</a:t>
+            </a:r>
+            <a:r>
+              <a:rPr lang="en-US" altLang="ko-KR" sz="10000" dirty="0"/>
+              <a:t>: 5</a:t>
             </a:r>
             <a:r>
               <a:rPr lang="ko-KR" altLang="en-US" sz="10000" dirty="0"/>
@@ -3182,10 +3191,10 @@
       </p:sp>
       <p:pic>
         <p:nvPicPr>
-          <p:cNvPr id="1026" name="Picture 2" descr="달력 날짜 이미지 - Freepik에서 무료 다운로드">
-            <a:extLst>
-              <a:ext uri="{FF2B5EF4-FFF2-40B4-BE49-F238E27FC236}">
-                <a16:creationId xmlns:a16="http://schemas.microsoft.com/office/drawing/2014/main" id="{BA5A8500-5552-7CC0-0BFF-C6B89750166E}"/>
+          <p:cNvPr id="1028" name="Picture 4" descr="아기 일러스트 PNG, AI 무료 다운로드 (2023년) - 리틀딥">
+            <a:extLst>
+              <a:ext uri="{FF2B5EF4-FFF2-40B4-BE49-F238E27FC236}">
+                <a16:creationId xmlns:a16="http://schemas.microsoft.com/office/drawing/2014/main" id="{517A7BD6-564D-86D0-E7AE-DF5B10712C80}"/>
               </a:ext>
             </a:extLst>
           </p:cNvPr>
@@ -3209,8 +3218,8 @@
         </p:blipFill>
         <p:spPr bwMode="auto">
           <a:xfrm>
-            <a:off x="11350002" y="0"/>
-            <a:ext cx="4249189" cy="3478167"/>
+            <a:off x="8126931" y="4589811"/>
+            <a:ext cx="10695329" cy="10695329"/>
           </a:xfrm>
           <a:prstGeom prst="rect">
             <a:avLst/>
@@ -3227,98 +3236,6 @@
           </a:extLst>
         </p:spPr>
       </p:pic>
-      <p:pic>
-        <p:nvPicPr>
-          <p:cNvPr id="1028" name="Picture 4" descr="아기 일러스트 PNG, AI 무료 다운로드 (2023년) - 리틀딥">
-            <a:extLst>
-              <a:ext uri="{FF2B5EF4-FFF2-40B4-BE49-F238E27FC236}">
-                <a16:creationId xmlns:a16="http://schemas.microsoft.com/office/drawing/2014/main" id="{517A7BD6-564D-86D0-E7AE-DF5B10712C80}"/>
-              </a:ext>
-            </a:extLst>
-          </p:cNvPr>
-          <p:cNvPicPr>
-            <a:picLocks noChangeAspect="1" noChangeArrowheads="1"/>
-          </p:cNvPicPr>
-          <p:nvPr/>
-        </p:nvPicPr>
-        <p:blipFill>
-          <a:blip r:embed="rId4">
-            <a:extLst>
-              <a:ext uri="{28A0092B-C50C-407E-A947-70E740481C1C}">
-                <a14:useLocalDpi xmlns:a14="http://schemas.microsoft.com/office/drawing/2010/main" val="0"/>
-              </a:ext>
-            </a:extLst>
-          </a:blip>
-          <a:srcRect/>
-          <a:stretch>
-            <a:fillRect/>
-          </a:stretch>
-        </p:blipFill>
-        <p:spPr bwMode="auto">
-          <a:xfrm>
-            <a:off x="8126931" y="4589811"/>
-            <a:ext cx="10695329" cy="10695329"/>
-          </a:xfrm>
-          <a:prstGeom prst="rect">
-            <a:avLst/>
-          </a:prstGeom>
-          <a:noFill/>
-          <a:extLst>
-            <a:ext uri="{909E8E84-426E-40DD-AFC4-6F175D3DCCD1}">
-              <a14:hiddenFill xmlns:a14="http://schemas.microsoft.com/office/drawing/2010/main">
-                <a:solidFill>
-                  <a:srgbClr val="FFFFFF"/>
-                </a:solidFill>
-              </a14:hiddenFill>
-            </a:ext>
-          </a:extLst>
-        </p:spPr>
-      </p:pic>
-      <p:pic>
-        <p:nvPicPr>
-          <p:cNvPr id="11" name="Picture 2" descr="상점 로고 아이콘 일러스트 ai 무료 다운로드 - 로고요고">
-            <a:extLst>
-              <a:ext uri="{FF2B5EF4-FFF2-40B4-BE49-F238E27FC236}">
-                <a16:creationId xmlns:a16="http://schemas.microsoft.com/office/drawing/2014/main" id="{8B6E9BA7-CDB0-895F-C7B2-55133CD3777E}"/>
-              </a:ext>
-            </a:extLst>
-          </p:cNvPr>
-          <p:cNvPicPr>
-            <a:picLocks noChangeAspect="1" noChangeArrowheads="1"/>
-          </p:cNvPicPr>
-          <p:nvPr/>
-        </p:nvPicPr>
-        <p:blipFill rotWithShape="1">
-          <a:blip r:embed="rId5">
-            <a:extLst>
-              <a:ext uri="{28A0092B-C50C-407E-A947-70E740481C1C}">
-                <a14:useLocalDpi xmlns:a14="http://schemas.microsoft.com/office/drawing/2010/main" val="0"/>
-              </a:ext>
-            </a:extLst>
-          </a:blip>
-          <a:srcRect l="31881" t="35272" r="28533" b="31773"/>
-          <a:stretch/>
-        </p:blipFill>
-        <p:spPr bwMode="auto">
-          <a:xfrm>
-            <a:off x="955541" y="18065902"/>
-            <a:ext cx="5696204" cy="5024865"/>
-          </a:xfrm>
-          <a:prstGeom prst="rect">
-            <a:avLst/>
-          </a:prstGeom>
-          <a:noFill/>
-          <a:extLst>
-            <a:ext uri="{909E8E84-426E-40DD-AFC4-6F175D3DCCD1}">
-              <a14:hiddenFill xmlns:a14="http://schemas.microsoft.com/office/drawing/2010/main">
-                <a:solidFill>
-                  <a:srgbClr val="FFFFFF"/>
-                </a:solidFill>
-              </a14:hiddenFill>
-            </a:ext>
-          </a:extLst>
-        </p:spPr>
-      </p:pic>
       <p:sp>
         <p:nvSpPr>
           <p:cNvPr id="23" name="TextBox 22">
@@ -3347,10 +3264,10 @@
           </a:bodyPr>
           <a:lstStyle/>
           <a:p>
-            <a:pPr>
-              <a:buFont typeface="+mj-lt"/>
-              <a:buAutoNum type="arabicPeriod" startAt="2"/>
-            </a:pPr>
+            <a:r>
+              <a:rPr lang="en-US" altLang="ko-KR" sz="13500" dirty="0"/>
+              <a:t>3. </a:t>
+            </a:r>
             <a:r>
               <a:rPr lang="ko-KR" altLang="en-US" sz="13500" dirty="0"/>
               <a:t>날짜</a:t>
@@ -3389,8 +3306,8 @@
         </p:nvSpPr>
         <p:spPr>
           <a:xfrm>
-            <a:off x="31610167" y="5460173"/>
-            <a:ext cx="28625144" cy="21867525"/>
+            <a:off x="31700948" y="6046929"/>
+            <a:ext cx="27206487" cy="21867525"/>
           </a:xfrm>
           <a:prstGeom prst="rect">
             <a:avLst/>
@@ -3403,20 +3320,16 @@
           </a:bodyPr>
           <a:lstStyle/>
           <a:p>
-            <a:pPr>
-              <a:buFont typeface="+mj-lt"/>
-              <a:buAutoNum type="arabicPeriod"/>
-            </a:pPr>
+            <a:r>
+              <a:rPr lang="en-US" altLang="ko-KR" sz="13500" dirty="0"/>
+              <a:t>1.</a:t>
+            </a:r>
             <a:r>
               <a:rPr lang="ko-KR" altLang="en-US" sz="13500" dirty="0"/>
               <a:t>캐릭터 일러스트</a:t>
             </a:r>
           </a:p>
           <a:p>
-            <a:pPr>
-              <a:buFont typeface="+mj-lt"/>
-              <a:buAutoNum type="arabicPeriod"/>
-            </a:pPr>
             <a:r>
               <a:rPr lang="ko-KR" altLang="en-US" sz="13500" dirty="0"/>
               <a:t>나이를 먹을수록 일러스트가 바뀐다</a:t>
@@ -3568,7 +3481,7 @@
           <a:p>
             <a:r>
               <a:rPr lang="en-US" altLang="ko-KR" sz="13500" dirty="0"/>
-              <a:t>3. </a:t>
+              <a:t>2. </a:t>
             </a:r>
             <a:r>
               <a:rPr lang="ko-KR" altLang="en-US" sz="13500" dirty="0"/>
@@ -3579,10 +3492,10 @@
       </p:sp>
       <p:sp>
         <p:nvSpPr>
-          <p:cNvPr id="4" name="TextBox 3">
-            <a:extLst>
-              <a:ext uri="{FF2B5EF4-FFF2-40B4-BE49-F238E27FC236}">
-                <a16:creationId xmlns:a16="http://schemas.microsoft.com/office/drawing/2014/main" id="{421AD5F3-622B-D9D2-35E9-030CBBE5E948}"/>
+          <p:cNvPr id="7" name="TextBox 6">
+            <a:extLst>
+              <a:ext uri="{FF2B5EF4-FFF2-40B4-BE49-F238E27FC236}">
+                <a16:creationId xmlns:a16="http://schemas.microsoft.com/office/drawing/2014/main" id="{39FF5112-1DFA-EE3F-368A-14EA9D68A8C0}"/>
               </a:ext>
             </a:extLst>
           </p:cNvPr>
@@ -3591,59 +3504,8 @@
         </p:nvSpPr>
         <p:spPr>
           <a:xfrm>
-            <a:off x="-16567876" y="11015674"/>
-            <a:ext cx="22363814" cy="4247317"/>
-          </a:xfrm>
-          <a:prstGeom prst="rect">
-            <a:avLst/>
-          </a:prstGeom>
-          <a:noFill/>
-        </p:spPr>
-        <p:txBody>
-          <a:bodyPr wrap="none" rtlCol="0">
-            <a:spAutoFit/>
-          </a:bodyPr>
-          <a:lstStyle/>
-          <a:p>
-            <a:r>
-              <a:rPr lang="en-US" altLang="ko-KR" sz="13500" dirty="0"/>
-              <a:t>4. </a:t>
-            </a:r>
-            <a:r>
-              <a:rPr lang="ko-KR" altLang="en-US" sz="13500" dirty="0"/>
-              <a:t>달력 </a:t>
-            </a:r>
-            <a:endParaRPr lang="en-US" altLang="ko-KR" sz="13500" dirty="0"/>
-          </a:p>
-          <a:p>
-            <a:r>
-              <a:rPr lang="ko-KR" altLang="en-US" sz="13500" dirty="0"/>
-              <a:t>시간이 지나갈 때마다  </a:t>
-            </a:r>
-            <a:r>
-              <a:rPr lang="ko-KR" altLang="en-US" sz="13500" dirty="0" err="1"/>
-              <a:t>넘어감</a:t>
-            </a:r>
-            <a:endParaRPr lang="ko-KR" altLang="en-US" sz="13500" dirty="0"/>
-          </a:p>
-        </p:txBody>
-      </p:sp>
-      <p:sp>
-        <p:nvSpPr>
-          <p:cNvPr id="7" name="TextBox 6">
-            <a:extLst>
-              <a:ext uri="{FF2B5EF4-FFF2-40B4-BE49-F238E27FC236}">
-                <a16:creationId xmlns:a16="http://schemas.microsoft.com/office/drawing/2014/main" id="{39FF5112-1DFA-EE3F-368A-14EA9D68A8C0}"/>
-              </a:ext>
-            </a:extLst>
-          </p:cNvPr>
-          <p:cNvSpPr txBox="1"/>
-          <p:nvPr/>
-        </p:nvSpPr>
-        <p:spPr>
-          <a:xfrm>
-            <a:off x="-25314952" y="21623391"/>
-            <a:ext cx="24041025" cy="9402574"/>
+            <a:off x="-25981448" y="22010812"/>
+            <a:ext cx="24041025" cy="11480066"/>
           </a:xfrm>
           <a:prstGeom prst="rect">
             <a:avLst/>
@@ -3656,10 +3518,10 @@
           </a:bodyPr>
           <a:lstStyle/>
           <a:p>
-            <a:pPr>
-              <a:buFont typeface="+mj-lt"/>
-              <a:buAutoNum type="arabicPeriod" startAt="5"/>
-            </a:pPr>
+            <a:r>
+              <a:rPr lang="en-US" altLang="ko-KR" sz="13500" dirty="0"/>
+              <a:t>4. </a:t>
+            </a:r>
             <a:r>
               <a:rPr lang="ko-KR" altLang="en-US" sz="13500" dirty="0"/>
               <a:t>상점</a:t>
@@ -3668,7 +3530,15 @@
           <a:p>
             <a:r>
               <a:rPr lang="ko-KR" altLang="en-US" sz="13500" dirty="0"/>
-              <a:t>클릭 시 상점 화면으로 이동하며 원하는 직업 아이템 구매 가능</a:t>
+              <a:t>클릭 시 상점 화면으로 이동하며 원하는 직업 혹은 </a:t>
+            </a:r>
+            <a:r>
+              <a:rPr lang="ko-KR" altLang="en-US" sz="13500" dirty="0" err="1"/>
+              <a:t>머지</a:t>
+            </a:r>
+            <a:r>
+              <a:rPr lang="ko-KR" altLang="en-US" sz="13500" dirty="0"/>
+              <a:t> 아이템 구매 가능</a:t>
             </a:r>
           </a:p>
           <a:p>
@@ -3706,7 +3576,7 @@
           <a:p>
             <a:r>
               <a:rPr lang="en-US" altLang="ko-KR" sz="13500" dirty="0"/>
-              <a:t>6. </a:t>
+              <a:t>5. </a:t>
             </a:r>
             <a:r>
               <a:rPr lang="ko-KR" altLang="en-US" sz="13500" dirty="0"/>
@@ -3877,10 +3747,10 @@
       </p:sp>
       <p:sp>
         <p:nvSpPr>
-          <p:cNvPr id="15" name="화살표: 아래쪽 14">
-            <a:extLst>
-              <a:ext uri="{FF2B5EF4-FFF2-40B4-BE49-F238E27FC236}">
-                <a16:creationId xmlns:a16="http://schemas.microsoft.com/office/drawing/2014/main" id="{5A295E9C-3C2F-E122-2EAC-4E842830BD31}"/>
+          <p:cNvPr id="17" name="화살표: 아래쪽 16">
+            <a:extLst>
+              <a:ext uri="{FF2B5EF4-FFF2-40B4-BE49-F238E27FC236}">
+                <a16:creationId xmlns:a16="http://schemas.microsoft.com/office/drawing/2014/main" id="{61230A72-32A9-CFC1-7561-5E5021654F61}"/>
               </a:ext>
             </a:extLst>
           </p:cNvPr>
@@ -3888,9 +3758,9 @@
           <p:nvPr/>
         </p:nvSpPr>
         <p:spPr>
-          <a:xfrm rot="14331701">
-            <a:off x="2522437" y="-926453"/>
-            <a:ext cx="2019150" cy="16062667"/>
+          <a:xfrm rot="6164774">
+            <a:off x="22490873" y="22315486"/>
+            <a:ext cx="3170100" cy="8018383"/>
           </a:xfrm>
           <a:prstGeom prst="downArrow">
             <a:avLst/>
@@ -3917,16 +3787,16 @@
           <a:lstStyle/>
           <a:p>
             <a:pPr algn="ctr"/>
-            <a:endParaRPr lang="ko-KR" altLang="en-US"/>
-          </a:p>
-        </p:txBody>
-      </p:sp>
-      <p:sp>
-        <p:nvSpPr>
-          <p:cNvPr id="16" name="화살표: 아래쪽 15">
-            <a:extLst>
-              <a:ext uri="{FF2B5EF4-FFF2-40B4-BE49-F238E27FC236}">
-                <a16:creationId xmlns:a16="http://schemas.microsoft.com/office/drawing/2014/main" id="{8ABA02CA-562C-9F32-8723-B4AAFE8F6C3E}"/>
+            <a:endParaRPr lang="ko-KR" altLang="en-US" dirty="0"/>
+          </a:p>
+        </p:txBody>
+      </p:sp>
+      <p:sp>
+        <p:nvSpPr>
+          <p:cNvPr id="18" name="화살표: 아래쪽 17">
+            <a:extLst>
+              <a:ext uri="{FF2B5EF4-FFF2-40B4-BE49-F238E27FC236}">
+                <a16:creationId xmlns:a16="http://schemas.microsoft.com/office/drawing/2014/main" id="{66A984A3-46CA-FCDA-15F1-4C9CD24DEED2}"/>
               </a:ext>
             </a:extLst>
           </p:cNvPr>
@@ -3935,8 +3805,8 @@
         </p:nvSpPr>
         <p:spPr>
           <a:xfrm rot="16200000">
-            <a:off x="-6544561" y="17224651"/>
-            <a:ext cx="2949980" cy="7650712"/>
+            <a:off x="-1131476" y="38399252"/>
+            <a:ext cx="2781620" cy="8539727"/>
           </a:xfrm>
           <a:prstGeom prst="downArrow">
             <a:avLst/>
@@ -3969,10 +3839,150 @@
       </p:sp>
       <p:sp>
         <p:nvSpPr>
-          <p:cNvPr id="17" name="화살표: 아래쪽 16">
-            <a:extLst>
-              <a:ext uri="{FF2B5EF4-FFF2-40B4-BE49-F238E27FC236}">
-                <a16:creationId xmlns:a16="http://schemas.microsoft.com/office/drawing/2014/main" id="{61230A72-32A9-CFC1-7561-5E5021654F61}"/>
+          <p:cNvPr id="19" name="TextBox 18">
+            <a:extLst>
+              <a:ext uri="{FF2B5EF4-FFF2-40B4-BE49-F238E27FC236}">
+                <a16:creationId xmlns:a16="http://schemas.microsoft.com/office/drawing/2014/main" id="{1757BF84-C22C-6A7D-89B2-459EFA56F09C}"/>
+              </a:ext>
+            </a:extLst>
+          </p:cNvPr>
+          <p:cNvSpPr txBox="1"/>
+          <p:nvPr/>
+        </p:nvSpPr>
+        <p:spPr>
+          <a:xfrm>
+            <a:off x="-31993070" y="36038409"/>
+            <a:ext cx="30850387" cy="10479792"/>
+          </a:xfrm>
+          <a:prstGeom prst="rect">
+            <a:avLst/>
+          </a:prstGeom>
+          <a:noFill/>
+        </p:spPr>
+        <p:txBody>
+          <a:bodyPr wrap="square" rtlCol="0">
+            <a:spAutoFit/>
+          </a:bodyPr>
+          <a:lstStyle/>
+          <a:p>
+            <a:r>
+              <a:rPr lang="en-US" altLang="ko-KR" sz="13500" dirty="0"/>
+              <a:t>6. </a:t>
+            </a:r>
+            <a:r>
+              <a:rPr lang="ko-KR" altLang="en-US" sz="13500" dirty="0" err="1"/>
+              <a:t>머지</a:t>
+            </a:r>
+            <a:endParaRPr lang="en-US" altLang="ko-KR" sz="13500" dirty="0"/>
+          </a:p>
+          <a:p>
+            <a:r>
+              <a:rPr lang="en-US" altLang="ko-KR" sz="13500" dirty="0"/>
+              <a:t>4X4 </a:t>
+            </a:r>
+            <a:r>
+              <a:rPr lang="ko-KR" altLang="en-US" sz="13500" dirty="0" err="1"/>
+              <a:t>머지칸이</a:t>
+            </a:r>
+            <a:r>
+              <a:rPr lang="ko-KR" altLang="en-US" sz="13500" dirty="0"/>
+              <a:t> 꽉 채워 지게 소환되거나</a:t>
+            </a:r>
+            <a:endParaRPr lang="en-US" altLang="ko-KR" sz="13500" dirty="0"/>
+          </a:p>
+          <a:p>
+            <a:r>
+              <a:rPr lang="en-US" altLang="ko-KR" sz="13500" dirty="0"/>
+              <a:t>2031</a:t>
+            </a:r>
+            <a:r>
+              <a:rPr lang="ko-KR" altLang="en-US" sz="13500" dirty="0"/>
+              <a:t>년 </a:t>
+            </a:r>
+            <a:r>
+              <a:rPr lang="en-US" altLang="ko-KR" sz="13500" dirty="0"/>
+              <a:t>1</a:t>
+            </a:r>
+            <a:r>
+              <a:rPr lang="ko-KR" altLang="en-US" sz="13500" dirty="0"/>
+              <a:t>월</a:t>
+            </a:r>
+            <a:r>
+              <a:rPr lang="en-US" altLang="ko-KR" sz="13500" dirty="0"/>
+              <a:t>(27</a:t>
+            </a:r>
+            <a:r>
+              <a:rPr lang="ko-KR" altLang="en-US" sz="13500" dirty="0"/>
+              <a:t>살</a:t>
+            </a:r>
+            <a:r>
+              <a:rPr lang="en-US" altLang="ko-KR" sz="13500" dirty="0"/>
+              <a:t>)</a:t>
+            </a:r>
+            <a:r>
+              <a:rPr lang="ko-KR" altLang="en-US" sz="13500" dirty="0"/>
+              <a:t>까지 직업 아이템 중</a:t>
+            </a:r>
+            <a:endParaRPr lang="en-US" altLang="ko-KR" sz="13500" dirty="0"/>
+          </a:p>
+          <a:p>
+            <a:r>
+              <a:rPr lang="ko-KR" altLang="en-US" sz="13500" dirty="0"/>
+              <a:t>하나를 </a:t>
+            </a:r>
+            <a:r>
+              <a:rPr lang="en-US" altLang="ko-KR" sz="13500" dirty="0"/>
+              <a:t>5</a:t>
+            </a:r>
+            <a:r>
+              <a:rPr lang="ko-KR" altLang="en-US" sz="13500" dirty="0"/>
+              <a:t>단계까지 올리지 못한다면</a:t>
+            </a:r>
+            <a:endParaRPr lang="en-US" altLang="ko-KR" sz="13500" dirty="0"/>
+          </a:p>
+          <a:p>
+            <a:r>
+              <a:rPr lang="en-US" altLang="ko-KR" sz="13500" dirty="0"/>
+              <a:t>‘</a:t>
+            </a:r>
+            <a:r>
+              <a:rPr lang="ko-KR" altLang="en-US" sz="13500" dirty="0" err="1"/>
+              <a:t>노멀</a:t>
+            </a:r>
+            <a:r>
+              <a:rPr lang="en-US" altLang="ko-KR" sz="13500" dirty="0"/>
+              <a:t>’</a:t>
+            </a:r>
+            <a:r>
+              <a:rPr lang="ko-KR" altLang="en-US" sz="13500" dirty="0"/>
+              <a:t>엔딩</a:t>
+            </a:r>
+            <a:r>
+              <a:rPr lang="en-US" altLang="ko-KR" sz="13500" dirty="0"/>
+              <a:t>(</a:t>
+            </a:r>
+            <a:r>
+              <a:rPr lang="ko-KR" altLang="en-US" sz="13500" dirty="0"/>
+              <a:t>회사원</a:t>
+            </a:r>
+            <a:r>
+              <a:rPr lang="en-US" altLang="ko-KR" sz="13500" dirty="0"/>
+              <a:t>)</a:t>
+            </a:r>
+            <a:r>
+              <a:rPr lang="ko-KR" altLang="en-US" sz="13500" dirty="0"/>
+              <a:t>엔딩이 나오게 된다 </a:t>
+            </a:r>
+            <a:endParaRPr lang="en-US" altLang="ko-KR" sz="13500" dirty="0"/>
+          </a:p>
+        </p:txBody>
+      </p:sp>
+      <p:sp>
+        <p:nvSpPr>
+          <p:cNvPr id="20" name="화살표: 아래쪽 19">
+            <a:extLst>
+              <a:ext uri="{FF2B5EF4-FFF2-40B4-BE49-F238E27FC236}">
+                <a16:creationId xmlns:a16="http://schemas.microsoft.com/office/drawing/2014/main" id="{11AE1E9D-B508-C27C-C5FC-B67CF7B843F4}"/>
               </a:ext>
             </a:extLst>
           </p:cNvPr>
@@ -3980,9 +3990,53 @@
           <p:nvPr/>
         </p:nvSpPr>
         <p:spPr>
-          <a:xfrm rot="6164774">
-            <a:off x="22490873" y="22315486"/>
-            <a:ext cx="3170100" cy="8018383"/>
+          <a:xfrm rot="5400000">
+            <a:off x="182339" y="34223356"/>
+            <a:ext cx="3799334" cy="3645345"/>
+          </a:xfrm>
+          <a:prstGeom prst="downArrow">
+            <a:avLst/>
+          </a:prstGeom>
+        </p:spPr>
+        <p:style>
+          <a:lnRef idx="2">
+            <a:schemeClr val="dk1"/>
+          </a:lnRef>
+          <a:fillRef idx="1">
+            <a:schemeClr val="lt1"/>
+          </a:fillRef>
+          <a:effectRef idx="0">
+            <a:schemeClr val="dk1"/>
+          </a:effectRef>
+          <a:fontRef idx="minor">
+            <a:schemeClr val="dk1"/>
+          </a:fontRef>
+        </p:style>
+        <p:txBody>
+          <a:bodyPr rtlCol="0" anchor="ctr"/>
+          <a:lstStyle/>
+          <a:p>
+            <a:pPr algn="ctr"/>
+            <a:endParaRPr lang="ko-KR" altLang="en-US" dirty="0"/>
+          </a:p>
+        </p:txBody>
+      </p:sp>
+      <p:sp>
+        <p:nvSpPr>
+          <p:cNvPr id="21" name="화살표: 아래쪽 20">
+            <a:extLst>
+              <a:ext uri="{FF2B5EF4-FFF2-40B4-BE49-F238E27FC236}">
+                <a16:creationId xmlns:a16="http://schemas.microsoft.com/office/drawing/2014/main" id="{07432A2F-329C-CAAA-5824-2E2EB497A585}"/>
+              </a:ext>
+            </a:extLst>
+          </p:cNvPr>
+          <p:cNvSpPr/>
+          <p:nvPr/>
+        </p:nvSpPr>
+        <p:spPr>
+          <a:xfrm rot="17218902">
+            <a:off x="-5905499" y="30458015"/>
+            <a:ext cx="2314988" cy="7292552"/>
           </a:xfrm>
           <a:prstGeom prst="downArrow">
             <a:avLst/>
@@ -4009,193 +4063,7 @@
           <a:lstStyle/>
           <a:p>
             <a:pPr algn="ctr"/>
-            <a:endParaRPr lang="ko-KR" altLang="en-US" dirty="0"/>
-          </a:p>
-        </p:txBody>
-      </p:sp>
-      <p:sp>
-        <p:nvSpPr>
-          <p:cNvPr id="18" name="화살표: 아래쪽 17">
-            <a:extLst>
-              <a:ext uri="{FF2B5EF4-FFF2-40B4-BE49-F238E27FC236}">
-                <a16:creationId xmlns:a16="http://schemas.microsoft.com/office/drawing/2014/main" id="{66A984A3-46CA-FCDA-15F1-4C9CD24DEED2}"/>
-              </a:ext>
-            </a:extLst>
-          </p:cNvPr>
-          <p:cNvSpPr/>
-          <p:nvPr/>
-        </p:nvSpPr>
-        <p:spPr>
-          <a:xfrm rot="16200000">
-            <a:off x="-2480230" y="30844057"/>
-            <a:ext cx="3461041" cy="9623577"/>
-          </a:xfrm>
-          <a:prstGeom prst="downArrow">
-            <a:avLst/>
-          </a:prstGeom>
-        </p:spPr>
-        <p:style>
-          <a:lnRef idx="2">
-            <a:schemeClr val="accent1">
-              <a:shade val="15000"/>
-            </a:schemeClr>
-          </a:lnRef>
-          <a:fillRef idx="1">
-            <a:schemeClr val="accent1"/>
-          </a:fillRef>
-          <a:effectRef idx="0">
-            <a:schemeClr val="accent1"/>
-          </a:effectRef>
-          <a:fontRef idx="minor">
-            <a:schemeClr val="lt1"/>
-          </a:fontRef>
-        </p:style>
-        <p:txBody>
-          <a:bodyPr rtlCol="0" anchor="ctr"/>
-          <a:lstStyle/>
-          <a:p>
-            <a:pPr algn="ctr"/>
             <a:endParaRPr lang="ko-KR" altLang="en-US"/>
-          </a:p>
-        </p:txBody>
-      </p:sp>
-      <p:sp>
-        <p:nvSpPr>
-          <p:cNvPr id="19" name="TextBox 18">
-            <a:extLst>
-              <a:ext uri="{FF2B5EF4-FFF2-40B4-BE49-F238E27FC236}">
-                <a16:creationId xmlns:a16="http://schemas.microsoft.com/office/drawing/2014/main" id="{1757BF84-C22C-6A7D-89B2-459EFA56F09C}"/>
-              </a:ext>
-            </a:extLst>
-          </p:cNvPr>
-          <p:cNvSpPr txBox="1"/>
-          <p:nvPr/>
-        </p:nvSpPr>
-        <p:spPr>
-          <a:xfrm>
-            <a:off x="-31993070" y="36038409"/>
-            <a:ext cx="30850387" cy="10479792"/>
-          </a:xfrm>
-          <a:prstGeom prst="rect">
-            <a:avLst/>
-          </a:prstGeom>
-          <a:noFill/>
-        </p:spPr>
-        <p:txBody>
-          <a:bodyPr wrap="square" rtlCol="0">
-            <a:spAutoFit/>
-          </a:bodyPr>
-          <a:lstStyle/>
-          <a:p>
-            <a:r>
-              <a:rPr lang="en-US" altLang="ko-KR" sz="13500" dirty="0"/>
-              <a:t>7. </a:t>
-            </a:r>
-            <a:r>
-              <a:rPr lang="ko-KR" altLang="en-US" sz="13500" dirty="0" err="1"/>
-              <a:t>머지</a:t>
-            </a:r>
-            <a:endParaRPr lang="en-US" altLang="ko-KR" sz="13500" dirty="0"/>
-          </a:p>
-          <a:p>
-            <a:r>
-              <a:rPr lang="en-US" altLang="ko-KR" sz="13500" dirty="0"/>
-              <a:t>4X4 </a:t>
-            </a:r>
-            <a:r>
-              <a:rPr lang="ko-KR" altLang="en-US" sz="13500" dirty="0" err="1"/>
-              <a:t>머지칸이</a:t>
-            </a:r>
-            <a:r>
-              <a:rPr lang="ko-KR" altLang="en-US" sz="13500" dirty="0"/>
-              <a:t> 꽉 채워 지게 소환되거나</a:t>
-            </a:r>
-            <a:endParaRPr lang="en-US" altLang="ko-KR" sz="13500" dirty="0"/>
-          </a:p>
-          <a:p>
-            <a:r>
-              <a:rPr lang="en-US" altLang="ko-KR" sz="13500" dirty="0"/>
-              <a:t>2031</a:t>
-            </a:r>
-            <a:r>
-              <a:rPr lang="ko-KR" altLang="en-US" sz="13500" dirty="0"/>
-              <a:t>년 </a:t>
-            </a:r>
-            <a:r>
-              <a:rPr lang="en-US" altLang="ko-KR" sz="13500" dirty="0"/>
-              <a:t>1</a:t>
-            </a:r>
-            <a:r>
-              <a:rPr lang="ko-KR" altLang="en-US" sz="13500" dirty="0"/>
-              <a:t>월</a:t>
-            </a:r>
-            <a:r>
-              <a:rPr lang="en-US" altLang="ko-KR" sz="13500" dirty="0"/>
-              <a:t>(27</a:t>
-            </a:r>
-            <a:r>
-              <a:rPr lang="ko-KR" altLang="en-US" sz="13500" dirty="0"/>
-              <a:t>살</a:t>
-            </a:r>
-            <a:r>
-              <a:rPr lang="en-US" altLang="ko-KR" sz="13500" dirty="0"/>
-              <a:t>)</a:t>
-            </a:r>
-            <a:r>
-              <a:rPr lang="ko-KR" altLang="en-US" sz="13500" dirty="0"/>
-              <a:t>까지 직업 아이템 중</a:t>
-            </a:r>
-            <a:endParaRPr lang="en-US" altLang="ko-KR" sz="13500" dirty="0"/>
-          </a:p>
-          <a:p>
-            <a:r>
-              <a:rPr lang="ko-KR" altLang="en-US" sz="13500" dirty="0"/>
-              <a:t>하나를 </a:t>
-            </a:r>
-            <a:r>
-              <a:rPr lang="en-US" altLang="ko-KR" sz="13500" dirty="0"/>
-              <a:t>5</a:t>
-            </a:r>
-            <a:r>
-              <a:rPr lang="ko-KR" altLang="en-US" sz="13500" dirty="0"/>
-              <a:t>단계까지 올리지 못한다면</a:t>
-            </a:r>
-            <a:endParaRPr lang="en-US" altLang="ko-KR" sz="13500" dirty="0"/>
-          </a:p>
-          <a:p>
-            <a:r>
-              <a:rPr lang="en-US" altLang="ko-KR" sz="13500" dirty="0"/>
-              <a:t>‘</a:t>
-            </a:r>
-            <a:r>
-              <a:rPr lang="ko-KR" altLang="en-US" sz="13500" dirty="0" err="1"/>
-              <a:t>노멀</a:t>
-            </a:r>
-            <a:r>
-              <a:rPr lang="en-US" altLang="ko-KR" sz="13500" dirty="0"/>
-              <a:t>’</a:t>
-            </a:r>
-            <a:r>
-              <a:rPr lang="ko-KR" altLang="en-US" sz="13500" dirty="0"/>
-              <a:t>엔딩</a:t>
-            </a:r>
-            <a:r>
-              <a:rPr lang="en-US" altLang="ko-KR" sz="13500" dirty="0"/>
-              <a:t>(</a:t>
-            </a:r>
-            <a:r>
-              <a:rPr lang="ko-KR" altLang="en-US" sz="13500" dirty="0"/>
-              <a:t>회사원</a:t>
-            </a:r>
-            <a:r>
-              <a:rPr lang="en-US" altLang="ko-KR" sz="13500" dirty="0"/>
-              <a:t>)</a:t>
-            </a:r>
-            <a:r>
-              <a:rPr lang="ko-KR" altLang="en-US" sz="13500" dirty="0"/>
-              <a:t>엔딩이 나오게 된다 </a:t>
-            </a:r>
-            <a:endParaRPr lang="en-US" altLang="ko-KR" sz="13500" dirty="0"/>
           </a:p>
         </p:txBody>
       </p:sp>
@@ -4347,10 +4215,10 @@
       </p:sp>
       <p:sp>
         <p:nvSpPr>
-          <p:cNvPr id="36" name="직사각형 35">
-            <a:extLst>
-              <a:ext uri="{FF2B5EF4-FFF2-40B4-BE49-F238E27FC236}">
-                <a16:creationId xmlns:a16="http://schemas.microsoft.com/office/drawing/2014/main" id="{E87ACC69-D8DF-3B06-E531-3C42170E98B3}"/>
+          <p:cNvPr id="37" name="직사각형 36">
+            <a:extLst>
+              <a:ext uri="{FF2B5EF4-FFF2-40B4-BE49-F238E27FC236}">
+                <a16:creationId xmlns:a16="http://schemas.microsoft.com/office/drawing/2014/main" id="{42EC31AA-39E8-73C6-7562-B260CBCB24DD}"/>
               </a:ext>
             </a:extLst>
           </p:cNvPr>
@@ -4359,7 +4227,7 @@
         </p:nvSpPr>
         <p:spPr>
           <a:xfrm>
-            <a:off x="0" y="-667520"/>
+            <a:off x="17154842" y="-667520"/>
             <a:ext cx="10118408" cy="3305908"/>
           </a:xfrm>
           <a:prstGeom prst="rect">
@@ -4387,66 +4255,6 @@
             <a:pPr algn="ctr"/>
             <a:r>
               <a:rPr lang="en-US" altLang="ko-KR" sz="10000" dirty="0"/>
-              <a:t>2009</a:t>
-            </a:r>
-            <a:r>
-              <a:rPr lang="ko-KR" altLang="en-US" sz="10000" dirty="0"/>
-              <a:t>년 </a:t>
-            </a:r>
-            <a:r>
-              <a:rPr lang="en-US" altLang="ko-KR" sz="10000" dirty="0"/>
-              <a:t>3</a:t>
-            </a:r>
-            <a:r>
-              <a:rPr lang="ko-KR" altLang="en-US" sz="10000" dirty="0"/>
-              <a:t>월</a:t>
-            </a:r>
-            <a:endParaRPr lang="ko-KR" altLang="en-US" dirty="0"/>
-          </a:p>
-        </p:txBody>
-      </p:sp>
-      <p:sp>
-        <p:nvSpPr>
-          <p:cNvPr id="37" name="직사각형 36">
-            <a:extLst>
-              <a:ext uri="{FF2B5EF4-FFF2-40B4-BE49-F238E27FC236}">
-                <a16:creationId xmlns:a16="http://schemas.microsoft.com/office/drawing/2014/main" id="{42EC31AA-39E8-73C6-7562-B260CBCB24DD}"/>
-              </a:ext>
-            </a:extLst>
-          </p:cNvPr>
-          <p:cNvSpPr/>
-          <p:nvPr/>
-        </p:nvSpPr>
-        <p:spPr>
-          <a:xfrm>
-            <a:off x="17154842" y="-667520"/>
-            <a:ext cx="10118408" cy="3305908"/>
-          </a:xfrm>
-          <a:prstGeom prst="rect">
-            <a:avLst/>
-          </a:prstGeom>
-        </p:spPr>
-        <p:style>
-          <a:lnRef idx="2">
-            <a:schemeClr val="accent6"/>
-          </a:lnRef>
-          <a:fillRef idx="1">
-            <a:schemeClr val="lt1"/>
-          </a:fillRef>
-          <a:effectRef idx="0">
-            <a:schemeClr val="accent6"/>
-          </a:effectRef>
-          <a:fontRef idx="minor">
-            <a:schemeClr val="dk1"/>
-          </a:fontRef>
-        </p:style>
-        <p:txBody>
-          <a:bodyPr rtlCol="0" anchor="ctr"/>
-          <a:lstStyle/>
-          <a:p>
-            <a:pPr algn="ctr"/>
-            <a:r>
-              <a:rPr lang="en-US" altLang="ko-KR" sz="10000" dirty="0"/>
               <a:t>100000</a:t>
             </a:r>
             <a:r>
@@ -4463,10 +4271,10 @@
       </p:sp>
       <p:pic>
         <p:nvPicPr>
-          <p:cNvPr id="38" name="Picture 2" descr="달력 날짜 이미지 - Freepik에서 무료 다운로드">
-            <a:extLst>
-              <a:ext uri="{FF2B5EF4-FFF2-40B4-BE49-F238E27FC236}">
-                <a16:creationId xmlns:a16="http://schemas.microsoft.com/office/drawing/2014/main" id="{7C69D805-5DA9-6B3A-5BF1-00EC7B6ABE9F}"/>
+          <p:cNvPr id="39" name="Picture 4" descr="아기 일러스트 PNG, AI 무료 다운로드 (2023년) - 리틀딥">
+            <a:extLst>
+              <a:ext uri="{FF2B5EF4-FFF2-40B4-BE49-F238E27FC236}">
+                <a16:creationId xmlns:a16="http://schemas.microsoft.com/office/drawing/2014/main" id="{58ADBEC9-5F9D-FB11-39DC-36ACD5A31143}"/>
               </a:ext>
             </a:extLst>
           </p:cNvPr>
@@ -4490,8 +4298,8 @@
         </p:blipFill>
         <p:spPr bwMode="auto">
           <a:xfrm>
-            <a:off x="11611461" y="-215446"/>
-            <a:ext cx="4249189" cy="3478167"/>
+            <a:off x="8388390" y="4027103"/>
+            <a:ext cx="10695329" cy="10695329"/>
           </a:xfrm>
           <a:prstGeom prst="rect">
             <a:avLst/>
@@ -4510,10 +4318,10 @@
       </p:pic>
       <p:pic>
         <p:nvPicPr>
-          <p:cNvPr id="39" name="Picture 4" descr="아기 일러스트 PNG, AI 무료 다운로드 (2023년) - 리틀딥">
-            <a:extLst>
-              <a:ext uri="{FF2B5EF4-FFF2-40B4-BE49-F238E27FC236}">
-                <a16:creationId xmlns:a16="http://schemas.microsoft.com/office/drawing/2014/main" id="{58ADBEC9-5F9D-FB11-39DC-36ACD5A31143}"/>
+          <p:cNvPr id="40" name="Picture 4" descr="은행 PNG, SVG">
+            <a:extLst>
+              <a:ext uri="{FF2B5EF4-FFF2-40B4-BE49-F238E27FC236}">
+                <a16:creationId xmlns:a16="http://schemas.microsoft.com/office/drawing/2014/main" id="{8C0E9794-7B65-B170-DEB6-EE5C1EE0EF0D}"/>
               </a:ext>
             </a:extLst>
           </p:cNvPr>
@@ -4522,7 +4330,7 @@
           </p:cNvPicPr>
           <p:nvPr/>
         </p:nvPicPr>
-        <p:blipFill>
+        <p:blipFill rotWithShape="1">
           <a:blip r:embed="rId5">
             <a:extLst>
               <a:ext uri="{28A0092B-C50C-407E-A947-70E740481C1C}">
@@ -4530,15 +4338,13 @@
               </a:ext>
             </a:extLst>
           </a:blip>
-          <a:srcRect/>
-          <a:stretch>
-            <a:fillRect/>
-          </a:stretch>
+          <a:srcRect l="16663" t="11522" r="19107" b="24857"/>
+          <a:stretch/>
         </p:blipFill>
         <p:spPr bwMode="auto">
           <a:xfrm>
-            <a:off x="8388390" y="4027103"/>
-            <a:ext cx="10695329" cy="10695329"/>
+            <a:off x="20332605" y="17505136"/>
+            <a:ext cx="5588095" cy="5535044"/>
           </a:xfrm>
           <a:prstGeom prst="rect">
             <a:avLst/>
@@ -4555,12 +4361,142 @@
           </a:extLst>
         </p:spPr>
       </p:pic>
+      <p:sp>
+        <p:nvSpPr>
+          <p:cNvPr id="3" name="TextBox 2">
+            <a:extLst>
+              <a:ext uri="{FF2B5EF4-FFF2-40B4-BE49-F238E27FC236}">
+                <a16:creationId xmlns:a16="http://schemas.microsoft.com/office/drawing/2014/main" id="{21699AEF-958E-72F5-E127-4DEC79ACABD8}"/>
+              </a:ext>
+            </a:extLst>
+          </p:cNvPr>
+          <p:cNvSpPr txBox="1"/>
+          <p:nvPr/>
+        </p:nvSpPr>
+        <p:spPr>
+          <a:xfrm>
+            <a:off x="37467839" y="15048941"/>
+            <a:ext cx="22570645" cy="6324808"/>
+          </a:xfrm>
+          <a:prstGeom prst="rect">
+            <a:avLst/>
+          </a:prstGeom>
+          <a:noFill/>
+        </p:spPr>
+        <p:txBody>
+          <a:bodyPr wrap="square" rtlCol="0">
+            <a:spAutoFit/>
+          </a:bodyPr>
+          <a:lstStyle/>
+          <a:p>
+            <a:r>
+              <a:rPr lang="en-US" altLang="ko-KR" sz="13500" dirty="0"/>
+              <a:t>2.</a:t>
+            </a:r>
+            <a:r>
+              <a:rPr lang="ko-KR" altLang="en-US" sz="13500" dirty="0"/>
+              <a:t>은행</a:t>
+            </a:r>
+            <a:endParaRPr lang="en-US" altLang="ko-KR" sz="13500" dirty="0"/>
+          </a:p>
+          <a:p>
+            <a:r>
+              <a:rPr lang="ko-KR" altLang="en-US" sz="13500" dirty="0"/>
+              <a:t>돈 아이템을 끌어서 판매 가능</a:t>
+            </a:r>
+            <a:endParaRPr lang="en-US" altLang="ko-KR" sz="13500" dirty="0"/>
+          </a:p>
+          <a:p>
+            <a:r>
+              <a:rPr lang="ko-KR" altLang="en-US" sz="13500" dirty="0"/>
+              <a:t>판매 시 아이템은 삭제</a:t>
+            </a:r>
+          </a:p>
+        </p:txBody>
+      </p:sp>
+      <p:sp>
+        <p:nvSpPr>
+          <p:cNvPr id="4" name="TextBox 3">
+            <a:extLst>
+              <a:ext uri="{FF2B5EF4-FFF2-40B4-BE49-F238E27FC236}">
+                <a16:creationId xmlns:a16="http://schemas.microsoft.com/office/drawing/2014/main" id="{10A76386-8CCB-117E-79D3-F5754140648B}"/>
+              </a:ext>
+            </a:extLst>
+          </p:cNvPr>
+          <p:cNvSpPr txBox="1"/>
+          <p:nvPr/>
+        </p:nvSpPr>
+        <p:spPr>
+          <a:xfrm>
+            <a:off x="-26591898" y="24876386"/>
+            <a:ext cx="22614001" cy="8402300"/>
+          </a:xfrm>
+          <a:prstGeom prst="rect">
+            <a:avLst/>
+          </a:prstGeom>
+          <a:noFill/>
+        </p:spPr>
+        <p:txBody>
+          <a:bodyPr wrap="square" rtlCol="0">
+            <a:spAutoFit/>
+          </a:bodyPr>
+          <a:lstStyle/>
+          <a:p>
+            <a:pPr marL="1371600" indent="-1371600">
+              <a:buAutoNum type="arabicPeriod"/>
+            </a:pPr>
+            <a:r>
+              <a:rPr lang="ko-KR" altLang="en-US" sz="13500" dirty="0"/>
+              <a:t>아이템 생성</a:t>
+            </a:r>
+            <a:endParaRPr lang="en-US" altLang="ko-KR" sz="13500" dirty="0"/>
+          </a:p>
+          <a:p>
+            <a:r>
+              <a:rPr lang="en-US" altLang="ko-KR" sz="13500" dirty="0"/>
+              <a:t>5</a:t>
+            </a:r>
+            <a:r>
+              <a:rPr lang="ko-KR" altLang="en-US" sz="13500" dirty="0"/>
+              <a:t>회 터치 시 </a:t>
+            </a:r>
+            <a:r>
+              <a:rPr lang="en-US" altLang="ko-KR" sz="13500" dirty="0"/>
+              <a:t>3</a:t>
+            </a:r>
+            <a:r>
+              <a:rPr lang="ko-KR" altLang="en-US" sz="13500" dirty="0"/>
+              <a:t>개월이 흐름</a:t>
+            </a:r>
+            <a:endParaRPr lang="en-US" altLang="ko-KR" sz="13500" dirty="0"/>
+          </a:p>
+          <a:p>
+            <a:r>
+              <a:rPr lang="ko-KR" altLang="en-US" sz="13500" dirty="0"/>
+              <a:t>터치 시 </a:t>
+            </a:r>
+            <a:r>
+              <a:rPr lang="en-US" altLang="ko-KR" sz="13500" dirty="0"/>
+              <a:t>1~2</a:t>
+            </a:r>
+            <a:r>
+              <a:rPr lang="ko-KR" altLang="en-US" sz="13500" dirty="0"/>
+              <a:t>단계의 돈 아이템 생성 </a:t>
+            </a:r>
+            <a:r>
+              <a:rPr lang="en-US" altLang="ko-KR" sz="13500" dirty="0"/>
+              <a:t> </a:t>
+            </a:r>
+            <a:endParaRPr lang="ko-KR" altLang="en-US" sz="13500" dirty="0"/>
+          </a:p>
+        </p:txBody>
+      </p:sp>
       <p:pic>
         <p:nvPicPr>
-          <p:cNvPr id="40" name="Picture 4" descr="은행 PNG, SVG">
-            <a:extLst>
-              <a:ext uri="{FF2B5EF4-FFF2-40B4-BE49-F238E27FC236}">
-                <a16:creationId xmlns:a16="http://schemas.microsoft.com/office/drawing/2014/main" id="{8C0E9794-7B65-B170-DEB6-EE5C1EE0EF0D}"/>
+          <p:cNvPr id="1026" name="Picture 2" descr="돈, 돈일러스트, 돈png, 지폐일러스트, 지폐, 사진,이미지,일러스트,캘리그라피 - 일러리아작가">
+            <a:extLst>
+              <a:ext uri="{FF2B5EF4-FFF2-40B4-BE49-F238E27FC236}">
+                <a16:creationId xmlns:a16="http://schemas.microsoft.com/office/drawing/2014/main" id="{8C0E52FB-5BBC-904A-907D-7756D4A7A2B9}"/>
               </a:ext>
             </a:extLst>
           </p:cNvPr>
@@ -4577,13 +4513,13 @@
               </a:ext>
             </a:extLst>
           </a:blip>
-          <a:srcRect l="16663" t="11522" r="19107" b="24857"/>
+          <a:srcRect l="4624" t="7513" r="53497" b="59902"/>
           <a:stretch/>
         </p:blipFill>
         <p:spPr bwMode="auto">
           <a:xfrm>
-            <a:off x="20332605" y="17505136"/>
-            <a:ext cx="5588095" cy="5535044"/>
+            <a:off x="4421020" y="28398401"/>
+            <a:ext cx="4864207" cy="2671105"/>
           </a:xfrm>
           <a:prstGeom prst="rect">
             <a:avLst/>
@@ -4600,142 +4536,12 @@
           </a:extLst>
         </p:spPr>
       </p:pic>
-      <p:sp>
-        <p:nvSpPr>
-          <p:cNvPr id="3" name="TextBox 2">
-            <a:extLst>
-              <a:ext uri="{FF2B5EF4-FFF2-40B4-BE49-F238E27FC236}">
-                <a16:creationId xmlns:a16="http://schemas.microsoft.com/office/drawing/2014/main" id="{21699AEF-958E-72F5-E127-4DEC79ACABD8}"/>
-              </a:ext>
-            </a:extLst>
-          </p:cNvPr>
-          <p:cNvSpPr txBox="1"/>
-          <p:nvPr/>
-        </p:nvSpPr>
-        <p:spPr>
-          <a:xfrm>
-            <a:off x="37467839" y="15048941"/>
-            <a:ext cx="22570645" cy="6324808"/>
-          </a:xfrm>
-          <a:prstGeom prst="rect">
-            <a:avLst/>
-          </a:prstGeom>
-          <a:noFill/>
-        </p:spPr>
-        <p:txBody>
-          <a:bodyPr wrap="square" rtlCol="0">
-            <a:spAutoFit/>
-          </a:bodyPr>
-          <a:lstStyle/>
-          <a:p>
-            <a:r>
-              <a:rPr lang="en-US" altLang="ko-KR" sz="13500" dirty="0"/>
-              <a:t>2.</a:t>
-            </a:r>
-            <a:r>
-              <a:rPr lang="ko-KR" altLang="en-US" sz="13500" dirty="0"/>
-              <a:t>은행</a:t>
-            </a:r>
-            <a:endParaRPr lang="en-US" altLang="ko-KR" sz="13500" dirty="0"/>
-          </a:p>
-          <a:p>
-            <a:r>
-              <a:rPr lang="ko-KR" altLang="en-US" sz="13500" dirty="0"/>
-              <a:t>돈 아이템을 끌어서 판매 가능</a:t>
-            </a:r>
-            <a:endParaRPr lang="en-US" altLang="ko-KR" sz="13500" dirty="0"/>
-          </a:p>
-          <a:p>
-            <a:r>
-              <a:rPr lang="ko-KR" altLang="en-US" sz="13500" dirty="0"/>
-              <a:t>판매 시 아이템은 삭제</a:t>
-            </a:r>
-          </a:p>
-        </p:txBody>
-      </p:sp>
-      <p:sp>
-        <p:nvSpPr>
-          <p:cNvPr id="4" name="TextBox 3">
-            <a:extLst>
-              <a:ext uri="{FF2B5EF4-FFF2-40B4-BE49-F238E27FC236}">
-                <a16:creationId xmlns:a16="http://schemas.microsoft.com/office/drawing/2014/main" id="{10A76386-8CCB-117E-79D3-F5754140648B}"/>
-              </a:ext>
-            </a:extLst>
-          </p:cNvPr>
-          <p:cNvSpPr txBox="1"/>
-          <p:nvPr/>
-        </p:nvSpPr>
-        <p:spPr>
-          <a:xfrm>
-            <a:off x="-26591898" y="24876386"/>
-            <a:ext cx="22614001" cy="8402300"/>
-          </a:xfrm>
-          <a:prstGeom prst="rect">
-            <a:avLst/>
-          </a:prstGeom>
-          <a:noFill/>
-        </p:spPr>
-        <p:txBody>
-          <a:bodyPr wrap="square" rtlCol="0">
-            <a:spAutoFit/>
-          </a:bodyPr>
-          <a:lstStyle/>
-          <a:p>
-            <a:pPr marL="1371600" indent="-1371600">
-              <a:buAutoNum type="arabicPeriod"/>
-            </a:pPr>
-            <a:r>
-              <a:rPr lang="ko-KR" altLang="en-US" sz="13500" dirty="0"/>
-              <a:t>아이템 생성</a:t>
-            </a:r>
-            <a:endParaRPr lang="en-US" altLang="ko-KR" sz="13500" dirty="0"/>
-          </a:p>
-          <a:p>
-            <a:r>
-              <a:rPr lang="en-US" altLang="ko-KR" sz="13500" dirty="0"/>
-              <a:t>5</a:t>
-            </a:r>
-            <a:r>
-              <a:rPr lang="ko-KR" altLang="en-US" sz="13500" dirty="0"/>
-              <a:t>회 터치 시 </a:t>
-            </a:r>
-            <a:r>
-              <a:rPr lang="en-US" altLang="ko-KR" sz="13500" dirty="0"/>
-              <a:t>3</a:t>
-            </a:r>
-            <a:r>
-              <a:rPr lang="ko-KR" altLang="en-US" sz="13500" dirty="0"/>
-              <a:t>개월이 흐름</a:t>
-            </a:r>
-            <a:endParaRPr lang="en-US" altLang="ko-KR" sz="13500" dirty="0"/>
-          </a:p>
-          <a:p>
-            <a:r>
-              <a:rPr lang="ko-KR" altLang="en-US" sz="13500" dirty="0"/>
-              <a:t>터치 시 </a:t>
-            </a:r>
-            <a:r>
-              <a:rPr lang="en-US" altLang="ko-KR" sz="13500" dirty="0"/>
-              <a:t>1~2</a:t>
-            </a:r>
-            <a:r>
-              <a:rPr lang="ko-KR" altLang="en-US" sz="13500" dirty="0"/>
-              <a:t>단계의 돈 아이템 생성 </a:t>
-            </a:r>
-            <a:r>
-              <a:rPr lang="en-US" altLang="ko-KR" sz="13500" dirty="0"/>
-              <a:t> </a:t>
-            </a:r>
-            <a:endParaRPr lang="ko-KR" altLang="en-US" sz="13500" dirty="0"/>
-          </a:p>
-        </p:txBody>
-      </p:sp>
       <p:pic>
         <p:nvPicPr>
-          <p:cNvPr id="1026" name="Picture 2" descr="돈, 돈일러스트, 돈png, 지폐일러스트, 지폐, 사진,이미지,일러스트,캘리그라피 - 일러리아작가">
-            <a:extLst>
-              <a:ext uri="{FF2B5EF4-FFF2-40B4-BE49-F238E27FC236}">
-                <a16:creationId xmlns:a16="http://schemas.microsoft.com/office/drawing/2014/main" id="{8C0E52FB-5BBC-904A-907D-7756D4A7A2B9}"/>
+          <p:cNvPr id="5" name="Picture 2" descr="돈, 돈일러스트, 돈png, 지폐일러스트, 지폐, 사진,이미지,일러스트,캘리그라피 - 일러리아작가">
+            <a:extLst>
+              <a:ext uri="{FF2B5EF4-FFF2-40B4-BE49-F238E27FC236}">
+                <a16:creationId xmlns:a16="http://schemas.microsoft.com/office/drawing/2014/main" id="{9230AA80-C316-C127-1DF6-DBF8D9BF5331}"/>
               </a:ext>
             </a:extLst>
           </p:cNvPr>
@@ -4745,7 +4551,7 @@
           <p:nvPr/>
         </p:nvPicPr>
         <p:blipFill rotWithShape="1">
-          <a:blip r:embed="rId7">
+          <a:blip r:embed="rId6">
             <a:extLst>
               <a:ext uri="{28A0092B-C50C-407E-A947-70E740481C1C}">
                 <a14:useLocalDpi xmlns:a14="http://schemas.microsoft.com/office/drawing/2010/main" val="0"/>
@@ -4757,7 +4563,7 @@
         </p:blipFill>
         <p:spPr bwMode="auto">
           <a:xfrm>
-            <a:off x="4421020" y="28398401"/>
+            <a:off x="13111349" y="29643521"/>
             <a:ext cx="4864207" cy="2671105"/>
           </a:xfrm>
           <a:prstGeom prst="rect">
@@ -4777,10 +4583,10 @@
       </p:pic>
       <p:pic>
         <p:nvPicPr>
-          <p:cNvPr id="5" name="Picture 2" descr="돈, 돈일러스트, 돈png, 지폐일러스트, 지폐, 사진,이미지,일러스트,캘리그라피 - 일러리아작가">
-            <a:extLst>
-              <a:ext uri="{FF2B5EF4-FFF2-40B4-BE49-F238E27FC236}">
-                <a16:creationId xmlns:a16="http://schemas.microsoft.com/office/drawing/2014/main" id="{9230AA80-C316-C127-1DF6-DBF8D9BF5331}"/>
+          <p:cNvPr id="6" name="Picture 2" descr="돈, 돈일러스트, 돈png, 지폐일러스트, 지폐, 사진,이미지,일러스트,캘리그라피 - 일러리아작가">
+            <a:extLst>
+              <a:ext uri="{FF2B5EF4-FFF2-40B4-BE49-F238E27FC236}">
+                <a16:creationId xmlns:a16="http://schemas.microsoft.com/office/drawing/2014/main" id="{B2922672-2A64-4B77-3EFF-47F0E46AC74F}"/>
               </a:ext>
             </a:extLst>
           </p:cNvPr>
@@ -4790,7 +4596,7 @@
           <p:nvPr/>
         </p:nvPicPr>
         <p:blipFill rotWithShape="1">
-          <a:blip r:embed="rId7">
+          <a:blip r:embed="rId6">
             <a:extLst>
               <a:ext uri="{28A0092B-C50C-407E-A947-70E740481C1C}">
                 <a14:useLocalDpi xmlns:a14="http://schemas.microsoft.com/office/drawing/2010/main" val="0"/>
@@ -4802,7 +4608,7 @@
         </p:blipFill>
         <p:spPr bwMode="auto">
           <a:xfrm>
-            <a:off x="13111349" y="29643521"/>
+            <a:off x="13223640" y="27062848"/>
             <a:ext cx="4864207" cy="2671105"/>
           </a:xfrm>
           <a:prstGeom prst="rect">
@@ -4822,10 +4628,10 @@
       </p:pic>
       <p:pic>
         <p:nvPicPr>
-          <p:cNvPr id="6" name="Picture 2" descr="돈, 돈일러스트, 돈png, 지폐일러스트, 지폐, 사진,이미지,일러스트,캘리그라피 - 일러리아작가">
-            <a:extLst>
-              <a:ext uri="{FF2B5EF4-FFF2-40B4-BE49-F238E27FC236}">
-                <a16:creationId xmlns:a16="http://schemas.microsoft.com/office/drawing/2014/main" id="{B2922672-2A64-4B77-3EFF-47F0E46AC74F}"/>
+          <p:cNvPr id="1028" name="Picture 4" descr="돈, 돈일러스트, 돈png, 지폐일러스트, 지폐, 사진,이미지,일러스트,캘리그라피 - 일러리아작가">
+            <a:extLst>
+              <a:ext uri="{FF2B5EF4-FFF2-40B4-BE49-F238E27FC236}">
+                <a16:creationId xmlns:a16="http://schemas.microsoft.com/office/drawing/2014/main" id="{68DE8541-F57B-730F-8C9D-86E74E4A609E}"/>
               </a:ext>
             </a:extLst>
           </p:cNvPr>
@@ -4835,52 +4641,7 @@
           <p:nvPr/>
         </p:nvPicPr>
         <p:blipFill rotWithShape="1">
-          <a:blip r:embed="rId7">
-            <a:extLst>
-              <a:ext uri="{28A0092B-C50C-407E-A947-70E740481C1C}">
-                <a14:useLocalDpi xmlns:a14="http://schemas.microsoft.com/office/drawing/2010/main" val="0"/>
-              </a:ext>
-            </a:extLst>
-          </a:blip>
-          <a:srcRect l="4624" t="7513" r="53497" b="59902"/>
-          <a:stretch/>
-        </p:blipFill>
-        <p:spPr bwMode="auto">
-          <a:xfrm>
-            <a:off x="13223640" y="27062848"/>
-            <a:ext cx="4864207" cy="2671105"/>
-          </a:xfrm>
-          <a:prstGeom prst="rect">
-            <a:avLst/>
-          </a:prstGeom>
-          <a:noFill/>
-          <a:extLst>
-            <a:ext uri="{909E8E84-426E-40DD-AFC4-6F175D3DCCD1}">
-              <a14:hiddenFill xmlns:a14="http://schemas.microsoft.com/office/drawing/2010/main">
-                <a:solidFill>
-                  <a:srgbClr val="FFFFFF"/>
-                </a:solidFill>
-              </a14:hiddenFill>
-            </a:ext>
-          </a:extLst>
-        </p:spPr>
-      </p:pic>
-      <p:pic>
-        <p:nvPicPr>
-          <p:cNvPr id="1028" name="Picture 4" descr="돈, 돈일러스트, 돈png, 지폐일러스트, 지폐, 사진,이미지,일러스트,캘리그라피 - 일러리아작가">
-            <a:extLst>
-              <a:ext uri="{FF2B5EF4-FFF2-40B4-BE49-F238E27FC236}">
-                <a16:creationId xmlns:a16="http://schemas.microsoft.com/office/drawing/2014/main" id="{68DE8541-F57B-730F-8C9D-86E74E4A609E}"/>
-              </a:ext>
-            </a:extLst>
-          </p:cNvPr>
-          <p:cNvPicPr>
-            <a:picLocks noChangeAspect="1" noChangeArrowheads="1"/>
-          </p:cNvPicPr>
-          <p:nvPr/>
-        </p:nvPicPr>
-        <p:blipFill rotWithShape="1">
-          <a:blip r:embed="rId7">
+          <a:blip r:embed="rId6">
             <a:extLst>
               <a:ext uri="{28A0092B-C50C-407E-A947-70E740481C1C}">
                 <a14:useLocalDpi xmlns:a14="http://schemas.microsoft.com/office/drawing/2010/main" val="0"/>
@@ -5208,6 +4969,82 @@
           <a:p>
             <a:pPr algn="ctr"/>
             <a:endParaRPr lang="ko-KR" altLang="en-US"/>
+          </a:p>
+        </p:txBody>
+      </p:sp>
+      <p:sp>
+        <p:nvSpPr>
+          <p:cNvPr id="11" name="직사각형 10">
+            <a:extLst>
+              <a:ext uri="{FF2B5EF4-FFF2-40B4-BE49-F238E27FC236}">
+                <a16:creationId xmlns:a16="http://schemas.microsoft.com/office/drawing/2014/main" id="{41D905F0-04EA-EED9-D2CC-6E4128037B2B}"/>
+              </a:ext>
+            </a:extLst>
+          </p:cNvPr>
+          <p:cNvSpPr/>
+          <p:nvPr/>
+        </p:nvSpPr>
+        <p:spPr>
+          <a:xfrm>
+            <a:off x="-198863" y="-618683"/>
+            <a:ext cx="17279831" cy="3305908"/>
+          </a:xfrm>
+          <a:prstGeom prst="rect">
+            <a:avLst/>
+          </a:prstGeom>
+        </p:spPr>
+        <p:style>
+          <a:lnRef idx="2">
+            <a:schemeClr val="accent6"/>
+          </a:lnRef>
+          <a:fillRef idx="1">
+            <a:schemeClr val="lt1"/>
+          </a:fillRef>
+          <a:effectRef idx="0">
+            <a:schemeClr val="accent6"/>
+          </a:effectRef>
+          <a:fontRef idx="minor">
+            <a:schemeClr val="dk1"/>
+          </a:fontRef>
+        </p:style>
+        <p:txBody>
+          <a:bodyPr rtlCol="0" anchor="ctr"/>
+          <a:lstStyle/>
+          <a:p>
+            <a:pPr algn="ctr"/>
+            <a:r>
+              <a:rPr lang="en-US" altLang="ko-KR" sz="10000" dirty="0"/>
+              <a:t>2009</a:t>
+            </a:r>
+            <a:r>
+              <a:rPr lang="ko-KR" altLang="en-US" sz="10000" dirty="0"/>
+              <a:t>년 </a:t>
+            </a:r>
+            <a:r>
+              <a:rPr lang="en-US" altLang="ko-KR" sz="10000" dirty="0"/>
+              <a:t>3</a:t>
+            </a:r>
+            <a:r>
+              <a:rPr lang="ko-KR" altLang="en-US" sz="10000" dirty="0"/>
+              <a:t>월</a:t>
+            </a:r>
+            <a:r>
+              <a:rPr lang="en-US" altLang="ko-KR" sz="10000" dirty="0"/>
+              <a:t>/ </a:t>
+            </a:r>
+            <a:r>
+              <a:rPr lang="ko-KR" altLang="en-US" sz="10000" dirty="0"/>
+              <a:t>현재나이</a:t>
+            </a:r>
+            <a:r>
+              <a:rPr lang="en-US" altLang="ko-KR" sz="10000" dirty="0"/>
+              <a:t>: 5</a:t>
+            </a:r>
+            <a:r>
+              <a:rPr lang="ko-KR" altLang="en-US" sz="10000" dirty="0"/>
+              <a:t>살</a:t>
+            </a:r>
+            <a:endParaRPr lang="ko-KR" altLang="en-US" dirty="0"/>
           </a:p>
         </p:txBody>
       </p:sp>
@@ -5590,8 +5427,362 @@
         </p:nvSpPr>
         <p:spPr>
           <a:xfrm>
-            <a:off x="955542" y="9695626"/>
-            <a:ext cx="24965158" cy="26790282"/>
+            <a:off x="-261462" y="3094894"/>
+            <a:ext cx="27700213" cy="42985470"/>
+          </a:xfrm>
+          <a:prstGeom prst="rect">
+            <a:avLst/>
+          </a:prstGeom>
+        </p:spPr>
+        <p:style>
+          <a:lnRef idx="1">
+            <a:schemeClr val="accent1"/>
+          </a:lnRef>
+          <a:fillRef idx="2">
+            <a:schemeClr val="accent1"/>
+          </a:fillRef>
+          <a:effectRef idx="1">
+            <a:schemeClr val="accent1"/>
+          </a:effectRef>
+          <a:fontRef idx="minor">
+            <a:schemeClr val="dk1"/>
+          </a:fontRef>
+        </p:style>
+        <p:txBody>
+          <a:bodyPr rtlCol="0" anchor="ctr"/>
+          <a:lstStyle/>
+          <a:p>
+            <a:pPr algn="ctr"/>
+            <a:endParaRPr lang="ko-KR" altLang="en-US" dirty="0"/>
+          </a:p>
+        </p:txBody>
+      </p:sp>
+      <p:sp>
+        <p:nvSpPr>
+          <p:cNvPr id="7" name="직사각형 6">
+            <a:extLst>
+              <a:ext uri="{FF2B5EF4-FFF2-40B4-BE49-F238E27FC236}">
+                <a16:creationId xmlns:a16="http://schemas.microsoft.com/office/drawing/2014/main" id="{4F3E6146-7BF7-4790-81B4-E7AFDF72F1A0}"/>
+              </a:ext>
+            </a:extLst>
+          </p:cNvPr>
+          <p:cNvSpPr/>
+          <p:nvPr/>
+        </p:nvSpPr>
+        <p:spPr>
+          <a:xfrm>
+            <a:off x="538310" y="6556741"/>
+            <a:ext cx="8162606" cy="6112247"/>
+          </a:xfrm>
+          <a:prstGeom prst="rect">
+            <a:avLst/>
+          </a:prstGeom>
+        </p:spPr>
+        <p:style>
+          <a:lnRef idx="1">
+            <a:schemeClr val="accent4"/>
+          </a:lnRef>
+          <a:fillRef idx="2">
+            <a:schemeClr val="accent4"/>
+          </a:fillRef>
+          <a:effectRef idx="1">
+            <a:schemeClr val="accent4"/>
+          </a:effectRef>
+          <a:fontRef idx="minor">
+            <a:schemeClr val="dk1"/>
+          </a:fontRef>
+        </p:style>
+        <p:txBody>
+          <a:bodyPr rtlCol="0" anchor="ctr"/>
+          <a:lstStyle/>
+          <a:p>
+            <a:pPr algn="ctr"/>
+            <a:r>
+              <a:rPr lang="ko-KR" altLang="en-US" sz="10000" dirty="0"/>
+              <a:t>운동선수</a:t>
+            </a:r>
+            <a:endParaRPr lang="en-US" altLang="ko-KR" sz="10000" dirty="0"/>
+          </a:p>
+          <a:p>
+            <a:pPr algn="ctr"/>
+            <a:r>
+              <a:rPr lang="ko-KR" altLang="en-US" sz="10000" dirty="0"/>
+              <a:t>아이템</a:t>
+            </a:r>
+          </a:p>
+        </p:txBody>
+      </p:sp>
+      <p:sp>
+        <p:nvSpPr>
+          <p:cNvPr id="17" name="직사각형 16">
+            <a:extLst>
+              <a:ext uri="{FF2B5EF4-FFF2-40B4-BE49-F238E27FC236}">
+                <a16:creationId xmlns:a16="http://schemas.microsoft.com/office/drawing/2014/main" id="{8E4136FC-454E-1C2C-7BA8-5F291BD64E13}"/>
+              </a:ext>
+            </a:extLst>
+          </p:cNvPr>
+          <p:cNvSpPr/>
+          <p:nvPr/>
+        </p:nvSpPr>
+        <p:spPr>
+          <a:xfrm>
+            <a:off x="5725053" y="13762259"/>
+            <a:ext cx="8162606" cy="6112247"/>
+          </a:xfrm>
+          <a:prstGeom prst="rect">
+            <a:avLst/>
+          </a:prstGeom>
+        </p:spPr>
+        <p:style>
+          <a:lnRef idx="1">
+            <a:schemeClr val="accent4"/>
+          </a:lnRef>
+          <a:fillRef idx="2">
+            <a:schemeClr val="accent4"/>
+          </a:fillRef>
+          <a:effectRef idx="1">
+            <a:schemeClr val="accent4"/>
+          </a:effectRef>
+          <a:fontRef idx="minor">
+            <a:schemeClr val="dk1"/>
+          </a:fontRef>
+        </p:style>
+        <p:txBody>
+          <a:bodyPr rtlCol="0" anchor="ctr"/>
+          <a:lstStyle/>
+          <a:p>
+            <a:pPr algn="ctr"/>
+            <a:r>
+              <a:rPr lang="ko-KR" altLang="en-US" sz="10000" dirty="0"/>
+              <a:t>경찰</a:t>
+            </a:r>
+            <a:endParaRPr lang="en-US" altLang="ko-KR" sz="10000" dirty="0"/>
+          </a:p>
+          <a:p>
+            <a:pPr algn="ctr"/>
+            <a:r>
+              <a:rPr lang="ko-KR" altLang="en-US" sz="10000" dirty="0"/>
+              <a:t>아이템</a:t>
+            </a:r>
+          </a:p>
+        </p:txBody>
+      </p:sp>
+      <p:sp>
+        <p:nvSpPr>
+          <p:cNvPr id="18" name="직사각형 17">
+            <a:extLst>
+              <a:ext uri="{FF2B5EF4-FFF2-40B4-BE49-F238E27FC236}">
+                <a16:creationId xmlns:a16="http://schemas.microsoft.com/office/drawing/2014/main" id="{43241D98-5944-585F-0306-6FA10B5673DA}"/>
+              </a:ext>
+            </a:extLst>
+          </p:cNvPr>
+          <p:cNvSpPr/>
+          <p:nvPr/>
+        </p:nvSpPr>
+        <p:spPr>
+          <a:xfrm>
+            <a:off x="14853851" y="13649833"/>
+            <a:ext cx="8162606" cy="6112247"/>
+          </a:xfrm>
+          <a:prstGeom prst="rect">
+            <a:avLst/>
+          </a:prstGeom>
+        </p:spPr>
+        <p:style>
+          <a:lnRef idx="1">
+            <a:schemeClr val="accent4"/>
+          </a:lnRef>
+          <a:fillRef idx="2">
+            <a:schemeClr val="accent4"/>
+          </a:fillRef>
+          <a:effectRef idx="1">
+            <a:schemeClr val="accent4"/>
+          </a:effectRef>
+          <a:fontRef idx="minor">
+            <a:schemeClr val="dk1"/>
+          </a:fontRef>
+        </p:style>
+        <p:txBody>
+          <a:bodyPr rtlCol="0" anchor="ctr"/>
+          <a:lstStyle/>
+          <a:p>
+            <a:pPr algn="ctr"/>
+            <a:r>
+              <a:rPr lang="ko-KR" altLang="en-US" sz="10000" dirty="0"/>
+              <a:t>의사</a:t>
+            </a:r>
+            <a:endParaRPr lang="en-US" altLang="ko-KR" sz="10000" dirty="0"/>
+          </a:p>
+          <a:p>
+            <a:pPr algn="ctr"/>
+            <a:r>
+              <a:rPr lang="ko-KR" altLang="en-US" sz="10000" dirty="0"/>
+              <a:t>아이템</a:t>
+            </a:r>
+          </a:p>
+        </p:txBody>
+      </p:sp>
+      <p:sp>
+        <p:nvSpPr>
+          <p:cNvPr id="19" name="직사각형 18">
+            <a:extLst>
+              <a:ext uri="{FF2B5EF4-FFF2-40B4-BE49-F238E27FC236}">
+                <a16:creationId xmlns:a16="http://schemas.microsoft.com/office/drawing/2014/main" id="{AD8BFB98-78B3-B693-2F40-D2B8D3BAF2FF}"/>
+              </a:ext>
+            </a:extLst>
+          </p:cNvPr>
+          <p:cNvSpPr/>
+          <p:nvPr/>
+        </p:nvSpPr>
+        <p:spPr>
+          <a:xfrm>
+            <a:off x="9644049" y="6493574"/>
+            <a:ext cx="8162606" cy="6112247"/>
+          </a:xfrm>
+          <a:prstGeom prst="rect">
+            <a:avLst/>
+          </a:prstGeom>
+        </p:spPr>
+        <p:style>
+          <a:lnRef idx="1">
+            <a:schemeClr val="accent4"/>
+          </a:lnRef>
+          <a:fillRef idx="2">
+            <a:schemeClr val="accent4"/>
+          </a:fillRef>
+          <a:effectRef idx="1">
+            <a:schemeClr val="accent4"/>
+          </a:effectRef>
+          <a:fontRef idx="minor">
+            <a:schemeClr val="dk1"/>
+          </a:fontRef>
+        </p:style>
+        <p:txBody>
+          <a:bodyPr rtlCol="0" anchor="ctr"/>
+          <a:lstStyle/>
+          <a:p>
+            <a:pPr algn="ctr"/>
+            <a:r>
+              <a:rPr lang="ko-KR" altLang="en-US" sz="10000" dirty="0"/>
+              <a:t>음악가</a:t>
+            </a:r>
+            <a:endParaRPr lang="en-US" altLang="ko-KR" sz="10000" dirty="0"/>
+          </a:p>
+          <a:p>
+            <a:pPr algn="ctr"/>
+            <a:r>
+              <a:rPr lang="ko-KR" altLang="en-US" sz="10000" dirty="0"/>
+              <a:t>아이템</a:t>
+            </a:r>
+          </a:p>
+        </p:txBody>
+      </p:sp>
+      <p:sp>
+        <p:nvSpPr>
+          <p:cNvPr id="20" name="직사각형 19">
+            <a:extLst>
+              <a:ext uri="{FF2B5EF4-FFF2-40B4-BE49-F238E27FC236}">
+                <a16:creationId xmlns:a16="http://schemas.microsoft.com/office/drawing/2014/main" id="{D0EEABFE-5203-58E3-BBA1-32297C33E201}"/>
+              </a:ext>
+            </a:extLst>
+          </p:cNvPr>
+          <p:cNvSpPr/>
+          <p:nvPr/>
+        </p:nvSpPr>
+        <p:spPr>
+          <a:xfrm>
+            <a:off x="18749788" y="6556740"/>
+            <a:ext cx="8162606" cy="6112247"/>
+          </a:xfrm>
+          <a:prstGeom prst="rect">
+            <a:avLst/>
+          </a:prstGeom>
+        </p:spPr>
+        <p:style>
+          <a:lnRef idx="1">
+            <a:schemeClr val="accent4"/>
+          </a:lnRef>
+          <a:fillRef idx="2">
+            <a:schemeClr val="accent4"/>
+          </a:fillRef>
+          <a:effectRef idx="1">
+            <a:schemeClr val="accent4"/>
+          </a:effectRef>
+          <a:fontRef idx="minor">
+            <a:schemeClr val="dk1"/>
+          </a:fontRef>
+        </p:style>
+        <p:txBody>
+          <a:bodyPr rtlCol="0" anchor="ctr"/>
+          <a:lstStyle/>
+          <a:p>
+            <a:pPr algn="ctr"/>
+            <a:r>
+              <a:rPr lang="ko-KR" altLang="en-US" sz="10000" dirty="0"/>
+              <a:t>요리사</a:t>
+            </a:r>
+            <a:endParaRPr lang="en-US" altLang="ko-KR" sz="10000" dirty="0"/>
+          </a:p>
+          <a:p>
+            <a:pPr algn="ctr"/>
+            <a:r>
+              <a:rPr lang="ko-KR" altLang="en-US" sz="10000" dirty="0"/>
+              <a:t>아이템</a:t>
+            </a:r>
+          </a:p>
+        </p:txBody>
+      </p:sp>
+      <p:sp>
+        <p:nvSpPr>
+          <p:cNvPr id="21" name="TextBox 20">
+            <a:extLst>
+              <a:ext uri="{FF2B5EF4-FFF2-40B4-BE49-F238E27FC236}">
+                <a16:creationId xmlns:a16="http://schemas.microsoft.com/office/drawing/2014/main" id="{41593289-10CA-5E89-46A9-4EF95B83D60B}"/>
+              </a:ext>
+            </a:extLst>
+          </p:cNvPr>
+          <p:cNvSpPr txBox="1"/>
+          <p:nvPr/>
+        </p:nvSpPr>
+        <p:spPr>
+          <a:xfrm>
+            <a:off x="8628444" y="3785542"/>
+            <a:ext cx="10193816" cy="2400657"/>
+          </a:xfrm>
+          <a:prstGeom prst="rect">
+            <a:avLst/>
+          </a:prstGeom>
+          <a:noFill/>
+        </p:spPr>
+        <p:txBody>
+          <a:bodyPr wrap="none" rtlCol="0">
+            <a:spAutoFit/>
+          </a:bodyPr>
+          <a:lstStyle/>
+          <a:p>
+            <a:r>
+              <a:rPr lang="ko-KR" altLang="en-US" sz="15000" dirty="0"/>
+              <a:t>직업 아이템</a:t>
+            </a:r>
+          </a:p>
+        </p:txBody>
+      </p:sp>
+      <p:sp>
+        <p:nvSpPr>
+          <p:cNvPr id="3" name="직사각형 2">
+            <a:extLst>
+              <a:ext uri="{FF2B5EF4-FFF2-40B4-BE49-F238E27FC236}">
+                <a16:creationId xmlns:a16="http://schemas.microsoft.com/office/drawing/2014/main" id="{8A17D64D-4C7C-52ED-83D9-CCCB844C72DA}"/>
+              </a:ext>
+            </a:extLst>
+          </p:cNvPr>
+          <p:cNvSpPr/>
+          <p:nvPr/>
+        </p:nvSpPr>
+        <p:spPr>
+          <a:xfrm>
+            <a:off x="-261459" y="-105507"/>
+            <a:ext cx="27472113" cy="3305908"/>
           </a:xfrm>
           <a:prstGeom prst="rect">
             <a:avLst/>
@@ -5616,16 +5807,16 @@
           <a:lstStyle/>
           <a:p>
             <a:pPr algn="ctr"/>
-            <a:endParaRPr lang="ko-KR" altLang="en-US" dirty="0"/>
-          </a:p>
-        </p:txBody>
-      </p:sp>
-      <p:sp>
-        <p:nvSpPr>
-          <p:cNvPr id="4" name="직사각형 3">
-            <a:extLst>
-              <a:ext uri="{FF2B5EF4-FFF2-40B4-BE49-F238E27FC236}">
-                <a16:creationId xmlns:a16="http://schemas.microsoft.com/office/drawing/2014/main" id="{E0F7721E-5B40-2FCD-B259-BE190BF4DE65}"/>
+            <a:endParaRPr lang="ko-KR" altLang="en-US"/>
+          </a:p>
+        </p:txBody>
+      </p:sp>
+      <p:sp>
+        <p:nvSpPr>
+          <p:cNvPr id="9" name="직사각형 8">
+            <a:extLst>
+              <a:ext uri="{FF2B5EF4-FFF2-40B4-BE49-F238E27FC236}">
+                <a16:creationId xmlns:a16="http://schemas.microsoft.com/office/drawing/2014/main" id="{FD59D6AB-7FBE-2EF4-D627-CD8D3209EDA5}"/>
               </a:ext>
             </a:extLst>
           </p:cNvPr>
@@ -5634,7 +5825,7 @@
         </p:nvSpPr>
         <p:spPr>
           <a:xfrm>
-            <a:off x="8415391" y="6389718"/>
+            <a:off x="8828455" y="-137089"/>
             <a:ext cx="10118408" cy="3305908"/>
           </a:xfrm>
           <a:prstGeom prst="rect">
@@ -5661,18 +5852,211 @@
           <a:p>
             <a:pPr algn="ctr"/>
             <a:r>
+              <a:rPr lang="ko-KR" altLang="en-US" sz="12000" dirty="0"/>
+              <a:t>상점</a:t>
+            </a:r>
+            <a:r>
+              <a:rPr lang="ko-KR" altLang="en-US" sz="10000" dirty="0"/>
+              <a:t> </a:t>
+            </a:r>
+            <a:r>
+              <a:rPr lang="en-US" altLang="ko-KR" dirty="0"/>
+              <a:t>111</a:t>
+            </a:r>
+            <a:endParaRPr lang="ko-KR" altLang="en-US" dirty="0"/>
+          </a:p>
+        </p:txBody>
+      </p:sp>
+      <p:sp>
+        <p:nvSpPr>
+          <p:cNvPr id="14" name="TextBox 13">
+            <a:extLst>
+              <a:ext uri="{FF2B5EF4-FFF2-40B4-BE49-F238E27FC236}">
+                <a16:creationId xmlns:a16="http://schemas.microsoft.com/office/drawing/2014/main" id="{764E4755-C4BC-576B-7318-69693EEBA2EB}"/>
+              </a:ext>
+            </a:extLst>
+          </p:cNvPr>
+          <p:cNvSpPr txBox="1"/>
+          <p:nvPr/>
+        </p:nvSpPr>
+        <p:spPr>
+          <a:xfrm>
+            <a:off x="18717657" y="20963670"/>
+            <a:ext cx="6867586" cy="1785104"/>
+          </a:xfrm>
+          <a:prstGeom prst="rect">
+            <a:avLst/>
+          </a:prstGeom>
+          <a:noFill/>
+        </p:spPr>
+        <p:txBody>
+          <a:bodyPr wrap="none" rtlCol="0">
+            <a:spAutoFit/>
+          </a:bodyPr>
+          <a:lstStyle/>
+          <a:p>
+            <a:r>
+              <a:rPr lang="ko-KR" altLang="en-US" sz="11000" dirty="0"/>
+              <a:t>개당 </a:t>
+            </a:r>
+            <a:r>
+              <a:rPr lang="en-US" altLang="ko-KR" sz="11000" dirty="0"/>
+              <a:t>3</a:t>
+            </a:r>
+            <a:r>
+              <a:rPr lang="ko-KR" altLang="en-US" sz="11000" dirty="0"/>
+              <a:t>만원</a:t>
+            </a:r>
+          </a:p>
+        </p:txBody>
+      </p:sp>
+      <p:sp>
+        <p:nvSpPr>
+          <p:cNvPr id="15" name="TextBox 14">
+            <a:extLst>
+              <a:ext uri="{FF2B5EF4-FFF2-40B4-BE49-F238E27FC236}">
+                <a16:creationId xmlns:a16="http://schemas.microsoft.com/office/drawing/2014/main" id="{90D8E973-FBD6-A558-393E-57EAB34BCADC}"/>
+              </a:ext>
+            </a:extLst>
+          </p:cNvPr>
+          <p:cNvSpPr txBox="1"/>
+          <p:nvPr/>
+        </p:nvSpPr>
+        <p:spPr>
+          <a:xfrm>
+            <a:off x="9948119" y="24019793"/>
+            <a:ext cx="7879080" cy="2400657"/>
+          </a:xfrm>
+          <a:prstGeom prst="rect">
+            <a:avLst/>
+          </a:prstGeom>
+          <a:noFill/>
+        </p:spPr>
+        <p:txBody>
+          <a:bodyPr wrap="none" rtlCol="0">
+            <a:spAutoFit/>
+          </a:bodyPr>
+          <a:lstStyle/>
+          <a:p>
+            <a:r>
               <a:rPr lang="ko-KR" altLang="en-US" sz="15000" dirty="0"/>
-              <a:t>상점</a:t>
-            </a:r>
-          </a:p>
-        </p:txBody>
-      </p:sp>
-      <p:sp>
-        <p:nvSpPr>
-          <p:cNvPr id="7" name="직사각형 6">
-            <a:extLst>
-              <a:ext uri="{FF2B5EF4-FFF2-40B4-BE49-F238E27FC236}">
-                <a16:creationId xmlns:a16="http://schemas.microsoft.com/office/drawing/2014/main" id="{4F3E6146-7BF7-4790-81B4-E7AFDF72F1A0}"/>
+              <a:t>랜덤박스</a:t>
+            </a:r>
+          </a:p>
+        </p:txBody>
+      </p:sp>
+      <p:pic>
+        <p:nvPicPr>
+          <p:cNvPr id="25" name="Picture 2" descr="로켓 리그에서 랜덤박스 없애고 대안 제시한다! : 네이버 블로그">
+            <a:extLst>
+              <a:ext uri="{FF2B5EF4-FFF2-40B4-BE49-F238E27FC236}">
+                <a16:creationId xmlns:a16="http://schemas.microsoft.com/office/drawing/2014/main" id="{47081724-DB38-889A-AC5A-A66A9CA90377}"/>
+              </a:ext>
+            </a:extLst>
+          </p:cNvPr>
+          <p:cNvPicPr>
+            <a:picLocks noChangeAspect="1" noChangeArrowheads="1"/>
+          </p:cNvPicPr>
+          <p:nvPr/>
+        </p:nvPicPr>
+        <p:blipFill rotWithShape="1">
+          <a:blip r:embed="rId6">
+            <a:extLst>
+              <a:ext uri="{28A0092B-C50C-407E-A947-70E740481C1C}">
+                <a14:useLocalDpi xmlns:a14="http://schemas.microsoft.com/office/drawing/2010/main" val="0"/>
+              </a:ext>
+            </a:extLst>
+          </a:blip>
+          <a:srcRect l="36324" t="22318" r="35547" b="20151"/>
+          <a:stretch/>
+        </p:blipFill>
+        <p:spPr bwMode="auto">
+          <a:xfrm>
+            <a:off x="-10674" y="26657208"/>
+            <a:ext cx="8162606" cy="9328023"/>
+          </a:xfrm>
+          <a:prstGeom prst="rect">
+            <a:avLst/>
+          </a:prstGeom>
+          <a:noFill/>
+          <a:extLst>
+            <a:ext uri="{909E8E84-426E-40DD-AFC4-6F175D3DCCD1}">
+              <a14:hiddenFill xmlns:a14="http://schemas.microsoft.com/office/drawing/2010/main">
+                <a:solidFill>
+                  <a:srgbClr val="FFFFFF"/>
+                </a:solidFill>
+              </a14:hiddenFill>
+            </a:ext>
+          </a:extLst>
+        </p:spPr>
+      </p:pic>
+      <p:sp>
+        <p:nvSpPr>
+          <p:cNvPr id="27" name="TextBox 26">
+            <a:extLst>
+              <a:ext uri="{FF2B5EF4-FFF2-40B4-BE49-F238E27FC236}">
+                <a16:creationId xmlns:a16="http://schemas.microsoft.com/office/drawing/2014/main" id="{BBBDA6E0-0AC2-8EAB-C534-8147263047B8}"/>
+              </a:ext>
+            </a:extLst>
+          </p:cNvPr>
+          <p:cNvSpPr txBox="1"/>
+          <p:nvPr/>
+        </p:nvSpPr>
+        <p:spPr>
+          <a:xfrm>
+            <a:off x="9166350" y="28803940"/>
+            <a:ext cx="27700213" cy="6093976"/>
+          </a:xfrm>
+          <a:prstGeom prst="rect">
+            <a:avLst/>
+          </a:prstGeom>
+          <a:noFill/>
+        </p:spPr>
+        <p:txBody>
+          <a:bodyPr wrap="square" rtlCol="0">
+            <a:spAutoFit/>
+          </a:bodyPr>
+          <a:lstStyle/>
+          <a:p>
+            <a:r>
+              <a:rPr lang="ko-KR" altLang="en-US" sz="13000" dirty="0"/>
+              <a:t>구매 시 무작위의 버프를 </a:t>
+            </a:r>
+            <a:endParaRPr lang="en-US" altLang="ko-KR" sz="13000" dirty="0"/>
+          </a:p>
+          <a:p>
+            <a:r>
+              <a:rPr lang="ko-KR" altLang="en-US" sz="13000" dirty="0"/>
+              <a:t>획득한다</a:t>
+            </a:r>
+            <a:r>
+              <a:rPr lang="en-US" altLang="ko-KR" sz="13000" dirty="0"/>
+              <a:t>  </a:t>
+            </a:r>
+          </a:p>
+          <a:p>
+            <a:r>
+              <a:rPr lang="ko-KR" altLang="en-US" sz="13000" dirty="0"/>
+              <a:t>가격</a:t>
+            </a:r>
+            <a:r>
+              <a:rPr lang="en-US" altLang="ko-KR" sz="13000" dirty="0"/>
+              <a:t>: 4</a:t>
+            </a:r>
+            <a:r>
+              <a:rPr lang="ko-KR" altLang="en-US" sz="13000" dirty="0"/>
+              <a:t>만원 </a:t>
+            </a:r>
+            <a:endParaRPr lang="en-US" altLang="ko-KR" sz="13000" dirty="0"/>
+          </a:p>
+        </p:txBody>
+      </p:sp>
+      <p:sp>
+        <p:nvSpPr>
+          <p:cNvPr id="28" name="직사각형 27">
+            <a:extLst>
+              <a:ext uri="{FF2B5EF4-FFF2-40B4-BE49-F238E27FC236}">
+                <a16:creationId xmlns:a16="http://schemas.microsoft.com/office/drawing/2014/main" id="{BE1FF2C1-F0F9-46E7-9B5E-67A9AC5BE9A2}"/>
               </a:ext>
             </a:extLst>
           </p:cNvPr>
@@ -5681,22 +6065,22 @@
         </p:nvSpPr>
         <p:spPr>
           <a:xfrm>
-            <a:off x="9600293" y="11282405"/>
-            <a:ext cx="8162606" cy="6112247"/>
+            <a:off x="12383112" y="35587618"/>
+            <a:ext cx="11182291" cy="4651886"/>
           </a:xfrm>
           <a:prstGeom prst="rect">
             <a:avLst/>
           </a:prstGeom>
         </p:spPr>
         <p:style>
-          <a:lnRef idx="1">
-            <a:schemeClr val="accent4"/>
+          <a:lnRef idx="2">
+            <a:schemeClr val="dk1"/>
           </a:lnRef>
-          <a:fillRef idx="2">
-            <a:schemeClr val="accent4"/>
+          <a:fillRef idx="1">
+            <a:schemeClr val="lt1"/>
           </a:fillRef>
-          <a:effectRef idx="1">
-            <a:schemeClr val="accent4"/>
+          <a:effectRef idx="0">
+            <a:schemeClr val="dk1"/>
           </a:effectRef>
           <a:fontRef idx="minor">
             <a:schemeClr val="dk1"/>
@@ -5708,26 +6092,27 @@
           <a:p>
             <a:pPr algn="ctr"/>
             <a:r>
+              <a:rPr lang="ko-KR" altLang="en-US" sz="12000" dirty="0"/>
+              <a:t>구매하기</a:t>
+            </a:r>
+            <a:r>
               <a:rPr lang="ko-KR" altLang="en-US" sz="10000" dirty="0"/>
-              <a:t>운동선수</a:t>
-            </a:r>
-            <a:endParaRPr lang="en-US" altLang="ko-KR" sz="10000" dirty="0"/>
-          </a:p>
-          <a:p>
-            <a:pPr algn="ctr"/>
-            <a:r>
-              <a:rPr lang="ko-KR" altLang="en-US" sz="10000" dirty="0"/>
-              <a:t>아이템</a:t>
-            </a:r>
-          </a:p>
-        </p:txBody>
-      </p:sp>
-      <p:sp>
-        <p:nvSpPr>
-          <p:cNvPr id="17" name="직사각형 16">
-            <a:extLst>
-              <a:ext uri="{FF2B5EF4-FFF2-40B4-BE49-F238E27FC236}">
-                <a16:creationId xmlns:a16="http://schemas.microsoft.com/office/drawing/2014/main" id="{8E4136FC-454E-1C2C-7BA8-5F291BD64E13}"/>
+              <a:t> </a:t>
+            </a:r>
+            <a:r>
+              <a:rPr lang="en-US" altLang="ko-KR" dirty="0"/>
+              <a:t>111</a:t>
+            </a:r>
+            <a:endParaRPr lang="ko-KR" altLang="en-US" dirty="0"/>
+          </a:p>
+        </p:txBody>
+      </p:sp>
+      <p:sp>
+        <p:nvSpPr>
+          <p:cNvPr id="34" name="직사각형 33">
+            <a:extLst>
+              <a:ext uri="{FF2B5EF4-FFF2-40B4-BE49-F238E27FC236}">
+                <a16:creationId xmlns:a16="http://schemas.microsoft.com/office/drawing/2014/main" id="{5694A5DE-3035-8925-DDDB-F34B18CAA3B4}"/>
               </a:ext>
             </a:extLst>
           </p:cNvPr>
@@ -5736,22 +6121,22 @@
         </p:nvSpPr>
         <p:spPr>
           <a:xfrm>
-            <a:off x="13888830" y="18981427"/>
-            <a:ext cx="8162606" cy="6112247"/>
+            <a:off x="955541" y="36880782"/>
+            <a:ext cx="6063816" cy="2171283"/>
           </a:xfrm>
           <a:prstGeom prst="rect">
             <a:avLst/>
           </a:prstGeom>
         </p:spPr>
         <p:style>
-          <a:lnRef idx="1">
-            <a:schemeClr val="accent4"/>
+          <a:lnRef idx="2">
+            <a:schemeClr val="accent6"/>
           </a:lnRef>
-          <a:fillRef idx="2">
-            <a:schemeClr val="accent4"/>
+          <a:fillRef idx="1">
+            <a:schemeClr val="lt1"/>
           </a:fillRef>
-          <a:effectRef idx="1">
-            <a:schemeClr val="accent4"/>
+          <a:effectRef idx="0">
+            <a:schemeClr val="accent6"/>
           </a:effectRef>
           <a:fontRef idx="minor">
             <a:schemeClr val="dk1"/>
@@ -5763,225 +6148,14 @@
           <a:p>
             <a:pPr algn="ctr"/>
             <a:r>
-              <a:rPr lang="ko-KR" altLang="en-US" sz="10000" dirty="0"/>
-              <a:t>경찰</a:t>
-            </a:r>
-            <a:endParaRPr lang="en-US" altLang="ko-KR" sz="10000" dirty="0"/>
-          </a:p>
-          <a:p>
-            <a:pPr algn="ctr"/>
-            <a:r>
-              <a:rPr lang="ko-KR" altLang="en-US" sz="10000" dirty="0"/>
-              <a:t>아이템</a:t>
-            </a:r>
-          </a:p>
-        </p:txBody>
-      </p:sp>
-      <p:sp>
-        <p:nvSpPr>
-          <p:cNvPr id="18" name="직사각형 17">
-            <a:extLst>
-              <a:ext uri="{FF2B5EF4-FFF2-40B4-BE49-F238E27FC236}">
-                <a16:creationId xmlns:a16="http://schemas.microsoft.com/office/drawing/2014/main" id="{43241D98-5944-585F-0306-6FA10B5673DA}"/>
-              </a:ext>
-            </a:extLst>
-          </p:cNvPr>
-          <p:cNvSpPr/>
-          <p:nvPr/>
-        </p:nvSpPr>
-        <p:spPr>
-          <a:xfrm>
-            <a:off x="1196615" y="11282404"/>
-            <a:ext cx="8162606" cy="6112247"/>
-          </a:xfrm>
-          <a:prstGeom prst="rect">
-            <a:avLst/>
-          </a:prstGeom>
-        </p:spPr>
-        <p:style>
-          <a:lnRef idx="1">
-            <a:schemeClr val="accent4"/>
-          </a:lnRef>
-          <a:fillRef idx="2">
-            <a:schemeClr val="accent4"/>
-          </a:fillRef>
-          <a:effectRef idx="1">
-            <a:schemeClr val="accent4"/>
-          </a:effectRef>
-          <a:fontRef idx="minor">
-            <a:schemeClr val="dk1"/>
-          </a:fontRef>
-        </p:style>
-        <p:txBody>
-          <a:bodyPr rtlCol="0" anchor="ctr"/>
-          <a:lstStyle/>
-          <a:p>
-            <a:pPr algn="ctr"/>
-            <a:r>
-              <a:rPr lang="ko-KR" altLang="en-US" sz="10000" dirty="0"/>
-              <a:t>의사</a:t>
-            </a:r>
-            <a:endParaRPr lang="en-US" altLang="ko-KR" sz="10000" dirty="0"/>
-          </a:p>
-          <a:p>
-            <a:pPr algn="ctr"/>
-            <a:r>
-              <a:rPr lang="ko-KR" altLang="en-US" sz="10000" dirty="0"/>
-              <a:t>아이템</a:t>
-            </a:r>
-          </a:p>
-        </p:txBody>
-      </p:sp>
-      <p:sp>
-        <p:nvSpPr>
-          <p:cNvPr id="19" name="직사각형 18">
-            <a:extLst>
-              <a:ext uri="{FF2B5EF4-FFF2-40B4-BE49-F238E27FC236}">
-                <a16:creationId xmlns:a16="http://schemas.microsoft.com/office/drawing/2014/main" id="{AD8BFB98-78B3-B693-2F40-D2B8D3BAF2FF}"/>
-              </a:ext>
-            </a:extLst>
-          </p:cNvPr>
-          <p:cNvSpPr/>
-          <p:nvPr/>
-        </p:nvSpPr>
-        <p:spPr>
-          <a:xfrm>
-            <a:off x="17999166" y="11282403"/>
-            <a:ext cx="8162606" cy="6112247"/>
-          </a:xfrm>
-          <a:prstGeom prst="rect">
-            <a:avLst/>
-          </a:prstGeom>
-        </p:spPr>
-        <p:style>
-          <a:lnRef idx="1">
-            <a:schemeClr val="accent4"/>
-          </a:lnRef>
-          <a:fillRef idx="2">
-            <a:schemeClr val="accent4"/>
-          </a:fillRef>
-          <a:effectRef idx="1">
-            <a:schemeClr val="accent4"/>
-          </a:effectRef>
-          <a:fontRef idx="minor">
-            <a:schemeClr val="dk1"/>
-          </a:fontRef>
-        </p:style>
-        <p:txBody>
-          <a:bodyPr rtlCol="0" anchor="ctr"/>
-          <a:lstStyle/>
-          <a:p>
-            <a:pPr algn="ctr"/>
-            <a:r>
-              <a:rPr lang="ko-KR" altLang="en-US" sz="10000" dirty="0"/>
-              <a:t>음악가</a:t>
-            </a:r>
-            <a:endParaRPr lang="en-US" altLang="ko-KR" sz="10000" dirty="0"/>
-          </a:p>
-          <a:p>
-            <a:pPr algn="ctr"/>
-            <a:r>
-              <a:rPr lang="ko-KR" altLang="en-US" sz="10000" dirty="0"/>
-              <a:t>아이템</a:t>
-            </a:r>
-          </a:p>
-        </p:txBody>
-      </p:sp>
-      <p:sp>
-        <p:nvSpPr>
-          <p:cNvPr id="20" name="직사각형 19">
-            <a:extLst>
-              <a:ext uri="{FF2B5EF4-FFF2-40B4-BE49-F238E27FC236}">
-                <a16:creationId xmlns:a16="http://schemas.microsoft.com/office/drawing/2014/main" id="{D0EEABFE-5203-58E3-BBA1-32297C33E201}"/>
-              </a:ext>
-            </a:extLst>
-          </p:cNvPr>
-          <p:cNvSpPr/>
-          <p:nvPr/>
-        </p:nvSpPr>
-        <p:spPr>
-          <a:xfrm>
-            <a:off x="4334088" y="18926587"/>
-            <a:ext cx="8162606" cy="6112247"/>
-          </a:xfrm>
-          <a:prstGeom prst="rect">
-            <a:avLst/>
-          </a:prstGeom>
-        </p:spPr>
-        <p:style>
-          <a:lnRef idx="1">
-            <a:schemeClr val="accent4"/>
-          </a:lnRef>
-          <a:fillRef idx="2">
-            <a:schemeClr val="accent4"/>
-          </a:fillRef>
-          <a:effectRef idx="1">
-            <a:schemeClr val="accent4"/>
-          </a:effectRef>
-          <a:fontRef idx="minor">
-            <a:schemeClr val="dk1"/>
-          </a:fontRef>
-        </p:style>
-        <p:txBody>
-          <a:bodyPr rtlCol="0" anchor="ctr"/>
-          <a:lstStyle/>
-          <a:p>
-            <a:pPr algn="ctr"/>
-            <a:r>
-              <a:rPr lang="ko-KR" altLang="en-US" sz="10000" dirty="0"/>
-              <a:t>요리사</a:t>
-            </a:r>
-            <a:endParaRPr lang="en-US" altLang="ko-KR" sz="10000" dirty="0"/>
-          </a:p>
-          <a:p>
-            <a:pPr algn="ctr"/>
-            <a:r>
-              <a:rPr lang="ko-KR" altLang="en-US" sz="10000" dirty="0"/>
-              <a:t>아이템</a:t>
-            </a:r>
-          </a:p>
-        </p:txBody>
-      </p:sp>
-      <p:sp>
-        <p:nvSpPr>
-          <p:cNvPr id="21" name="TextBox 20">
-            <a:extLst>
-              <a:ext uri="{FF2B5EF4-FFF2-40B4-BE49-F238E27FC236}">
-                <a16:creationId xmlns:a16="http://schemas.microsoft.com/office/drawing/2014/main" id="{41593289-10CA-5E89-46A9-4EF95B83D60B}"/>
-              </a:ext>
-            </a:extLst>
-          </p:cNvPr>
-          <p:cNvSpPr txBox="1"/>
-          <p:nvPr/>
-        </p:nvSpPr>
-        <p:spPr>
-          <a:xfrm>
-            <a:off x="9856948" y="33597629"/>
-            <a:ext cx="15459681" cy="2400657"/>
-          </a:xfrm>
-          <a:prstGeom prst="rect">
-            <a:avLst/>
-          </a:prstGeom>
-          <a:noFill/>
-        </p:spPr>
-        <p:txBody>
-          <a:bodyPr wrap="none" rtlCol="0">
-            <a:spAutoFit/>
-          </a:bodyPr>
-          <a:lstStyle/>
-          <a:p>
-            <a:r>
-              <a:rPr lang="ko-KR" altLang="en-US" sz="15000" dirty="0"/>
-              <a:t>아이템 개당 </a:t>
-            </a:r>
-            <a:r>
-              <a:rPr lang="en-US" altLang="ko-KR" sz="15000" dirty="0"/>
-              <a:t>3</a:t>
-            </a:r>
-            <a:r>
-              <a:rPr lang="ko-KR" altLang="en-US" sz="15000" dirty="0"/>
-              <a:t>만원</a:t>
-            </a:r>
+              <a:rPr lang="ko-KR" altLang="en-US" sz="12000" dirty="0" err="1"/>
+              <a:t>확률표</a:t>
+            </a:r>
+            <a:r>
+              <a:rPr lang="en-US" altLang="ko-KR" dirty="0"/>
+              <a:t>111</a:t>
+            </a:r>
+            <a:endParaRPr lang="ko-KR" altLang="en-US" dirty="0"/>
           </a:p>
         </p:txBody>
       </p:sp>
@@ -6193,7 +6367,7 @@
             <a:pPr algn="ctr"/>
             <a:r>
               <a:rPr lang="en-US" altLang="ko-KR" sz="10000" dirty="0"/>
-              <a:t>2031</a:t>
+              <a:t>2009</a:t>
             </a:r>
             <a:r>
               <a:rPr lang="ko-KR" altLang="en-US" sz="10000" dirty="0"/>
@@ -6201,7 +6375,7 @@
             </a:r>
             <a:r>
               <a:rPr lang="en-US" altLang="ko-KR" sz="10000" dirty="0"/>
-              <a:t>1</a:t>
+              <a:t>3</a:t>
             </a:r>
             <a:r>
               <a:rPr lang="ko-KR" altLang="en-US" sz="10000" dirty="0"/>
@@ -6321,6 +6495,1765 @@
         </p:nvPicPr>
         <p:blipFill rotWithShape="1">
           <a:blip r:embed="rId5">
+            <a:extLst>
+              <a:ext uri="{28A0092B-C50C-407E-A947-70E740481C1C}">
+                <a14:useLocalDpi xmlns:a14="http://schemas.microsoft.com/office/drawing/2010/main" val="0"/>
+              </a:ext>
+            </a:extLst>
+          </a:blip>
+          <a:srcRect l="31881" t="35272" r="28533" b="31773"/>
+          <a:stretch/>
+        </p:blipFill>
+        <p:spPr bwMode="auto">
+          <a:xfrm>
+            <a:off x="955541" y="18065902"/>
+            <a:ext cx="5696204" cy="5024865"/>
+          </a:xfrm>
+          <a:prstGeom prst="rect">
+            <a:avLst/>
+          </a:prstGeom>
+          <a:noFill/>
+          <a:extLst>
+            <a:ext uri="{909E8E84-426E-40DD-AFC4-6F175D3DCCD1}">
+              <a14:hiddenFill xmlns:a14="http://schemas.microsoft.com/office/drawing/2010/main">
+                <a:solidFill>
+                  <a:srgbClr val="FFFFFF"/>
+                </a:solidFill>
+              </a14:hiddenFill>
+            </a:ext>
+          </a:extLst>
+        </p:spPr>
+      </p:pic>
+      <p:sp>
+        <p:nvSpPr>
+          <p:cNvPr id="7" name="직사각형 6">
+            <a:extLst>
+              <a:ext uri="{FF2B5EF4-FFF2-40B4-BE49-F238E27FC236}">
+                <a16:creationId xmlns:a16="http://schemas.microsoft.com/office/drawing/2014/main" id="{4F3E6146-7BF7-4790-81B4-E7AFDF72F1A0}"/>
+              </a:ext>
+            </a:extLst>
+          </p:cNvPr>
+          <p:cNvSpPr/>
+          <p:nvPr/>
+        </p:nvSpPr>
+        <p:spPr>
+          <a:xfrm>
+            <a:off x="538310" y="6556741"/>
+            <a:ext cx="8162606" cy="6112247"/>
+          </a:xfrm>
+          <a:prstGeom prst="rect">
+            <a:avLst/>
+          </a:prstGeom>
+        </p:spPr>
+        <p:style>
+          <a:lnRef idx="1">
+            <a:schemeClr val="accent4"/>
+          </a:lnRef>
+          <a:fillRef idx="2">
+            <a:schemeClr val="accent4"/>
+          </a:fillRef>
+          <a:effectRef idx="1">
+            <a:schemeClr val="accent4"/>
+          </a:effectRef>
+          <a:fontRef idx="minor">
+            <a:schemeClr val="dk1"/>
+          </a:fontRef>
+        </p:style>
+        <p:txBody>
+          <a:bodyPr rtlCol="0" anchor="ctr"/>
+          <a:lstStyle/>
+          <a:p>
+            <a:pPr algn="ctr"/>
+            <a:r>
+              <a:rPr lang="ko-KR" altLang="en-US" sz="10000" dirty="0"/>
+              <a:t>운동선수</a:t>
+            </a:r>
+            <a:endParaRPr lang="en-US" altLang="ko-KR" sz="10000" dirty="0"/>
+          </a:p>
+          <a:p>
+            <a:pPr algn="ctr"/>
+            <a:r>
+              <a:rPr lang="ko-KR" altLang="en-US" sz="10000" dirty="0"/>
+              <a:t>아이템</a:t>
+            </a:r>
+          </a:p>
+        </p:txBody>
+      </p:sp>
+      <p:sp>
+        <p:nvSpPr>
+          <p:cNvPr id="17" name="직사각형 16">
+            <a:extLst>
+              <a:ext uri="{FF2B5EF4-FFF2-40B4-BE49-F238E27FC236}">
+                <a16:creationId xmlns:a16="http://schemas.microsoft.com/office/drawing/2014/main" id="{8E4136FC-454E-1C2C-7BA8-5F291BD64E13}"/>
+              </a:ext>
+            </a:extLst>
+          </p:cNvPr>
+          <p:cNvSpPr/>
+          <p:nvPr/>
+        </p:nvSpPr>
+        <p:spPr>
+          <a:xfrm>
+            <a:off x="5725053" y="13762259"/>
+            <a:ext cx="8162606" cy="6112247"/>
+          </a:xfrm>
+          <a:prstGeom prst="rect">
+            <a:avLst/>
+          </a:prstGeom>
+        </p:spPr>
+        <p:style>
+          <a:lnRef idx="1">
+            <a:schemeClr val="accent4"/>
+          </a:lnRef>
+          <a:fillRef idx="2">
+            <a:schemeClr val="accent4"/>
+          </a:fillRef>
+          <a:effectRef idx="1">
+            <a:schemeClr val="accent4"/>
+          </a:effectRef>
+          <a:fontRef idx="minor">
+            <a:schemeClr val="dk1"/>
+          </a:fontRef>
+        </p:style>
+        <p:txBody>
+          <a:bodyPr rtlCol="0" anchor="ctr"/>
+          <a:lstStyle/>
+          <a:p>
+            <a:pPr algn="ctr"/>
+            <a:r>
+              <a:rPr lang="ko-KR" altLang="en-US" sz="10000" dirty="0"/>
+              <a:t>경찰</a:t>
+            </a:r>
+            <a:endParaRPr lang="en-US" altLang="ko-KR" sz="10000" dirty="0"/>
+          </a:p>
+          <a:p>
+            <a:pPr algn="ctr"/>
+            <a:r>
+              <a:rPr lang="ko-KR" altLang="en-US" sz="10000" dirty="0"/>
+              <a:t>아이템</a:t>
+            </a:r>
+          </a:p>
+        </p:txBody>
+      </p:sp>
+      <p:sp>
+        <p:nvSpPr>
+          <p:cNvPr id="18" name="직사각형 17">
+            <a:extLst>
+              <a:ext uri="{FF2B5EF4-FFF2-40B4-BE49-F238E27FC236}">
+                <a16:creationId xmlns:a16="http://schemas.microsoft.com/office/drawing/2014/main" id="{43241D98-5944-585F-0306-6FA10B5673DA}"/>
+              </a:ext>
+            </a:extLst>
+          </p:cNvPr>
+          <p:cNvSpPr/>
+          <p:nvPr/>
+        </p:nvSpPr>
+        <p:spPr>
+          <a:xfrm>
+            <a:off x="14853851" y="13649833"/>
+            <a:ext cx="8162606" cy="6112247"/>
+          </a:xfrm>
+          <a:prstGeom prst="rect">
+            <a:avLst/>
+          </a:prstGeom>
+        </p:spPr>
+        <p:style>
+          <a:lnRef idx="1">
+            <a:schemeClr val="accent4"/>
+          </a:lnRef>
+          <a:fillRef idx="2">
+            <a:schemeClr val="accent4"/>
+          </a:fillRef>
+          <a:effectRef idx="1">
+            <a:schemeClr val="accent4"/>
+          </a:effectRef>
+          <a:fontRef idx="minor">
+            <a:schemeClr val="dk1"/>
+          </a:fontRef>
+        </p:style>
+        <p:txBody>
+          <a:bodyPr rtlCol="0" anchor="ctr"/>
+          <a:lstStyle/>
+          <a:p>
+            <a:pPr algn="ctr"/>
+            <a:r>
+              <a:rPr lang="ko-KR" altLang="en-US" sz="10000" dirty="0"/>
+              <a:t>의사</a:t>
+            </a:r>
+            <a:endParaRPr lang="en-US" altLang="ko-KR" sz="10000" dirty="0"/>
+          </a:p>
+          <a:p>
+            <a:pPr algn="ctr"/>
+            <a:r>
+              <a:rPr lang="ko-KR" altLang="en-US" sz="10000" dirty="0"/>
+              <a:t>아이템</a:t>
+            </a:r>
+          </a:p>
+        </p:txBody>
+      </p:sp>
+      <p:sp>
+        <p:nvSpPr>
+          <p:cNvPr id="19" name="직사각형 18">
+            <a:extLst>
+              <a:ext uri="{FF2B5EF4-FFF2-40B4-BE49-F238E27FC236}">
+                <a16:creationId xmlns:a16="http://schemas.microsoft.com/office/drawing/2014/main" id="{AD8BFB98-78B3-B693-2F40-D2B8D3BAF2FF}"/>
+              </a:ext>
+            </a:extLst>
+          </p:cNvPr>
+          <p:cNvSpPr/>
+          <p:nvPr/>
+        </p:nvSpPr>
+        <p:spPr>
+          <a:xfrm>
+            <a:off x="9644049" y="6493574"/>
+            <a:ext cx="8162606" cy="6112247"/>
+          </a:xfrm>
+          <a:prstGeom prst="rect">
+            <a:avLst/>
+          </a:prstGeom>
+        </p:spPr>
+        <p:style>
+          <a:lnRef idx="1">
+            <a:schemeClr val="accent4"/>
+          </a:lnRef>
+          <a:fillRef idx="2">
+            <a:schemeClr val="accent4"/>
+          </a:fillRef>
+          <a:effectRef idx="1">
+            <a:schemeClr val="accent4"/>
+          </a:effectRef>
+          <a:fontRef idx="minor">
+            <a:schemeClr val="dk1"/>
+          </a:fontRef>
+        </p:style>
+        <p:txBody>
+          <a:bodyPr rtlCol="0" anchor="ctr"/>
+          <a:lstStyle/>
+          <a:p>
+            <a:pPr algn="ctr"/>
+            <a:r>
+              <a:rPr lang="ko-KR" altLang="en-US" sz="10000" dirty="0"/>
+              <a:t>음악가</a:t>
+            </a:r>
+            <a:endParaRPr lang="en-US" altLang="ko-KR" sz="10000" dirty="0"/>
+          </a:p>
+          <a:p>
+            <a:pPr algn="ctr"/>
+            <a:r>
+              <a:rPr lang="ko-KR" altLang="en-US" sz="10000" dirty="0"/>
+              <a:t>아이템</a:t>
+            </a:r>
+          </a:p>
+        </p:txBody>
+      </p:sp>
+      <p:sp>
+        <p:nvSpPr>
+          <p:cNvPr id="20" name="직사각형 19">
+            <a:extLst>
+              <a:ext uri="{FF2B5EF4-FFF2-40B4-BE49-F238E27FC236}">
+                <a16:creationId xmlns:a16="http://schemas.microsoft.com/office/drawing/2014/main" id="{D0EEABFE-5203-58E3-BBA1-32297C33E201}"/>
+              </a:ext>
+            </a:extLst>
+          </p:cNvPr>
+          <p:cNvSpPr/>
+          <p:nvPr/>
+        </p:nvSpPr>
+        <p:spPr>
+          <a:xfrm>
+            <a:off x="18749788" y="6556740"/>
+            <a:ext cx="8162606" cy="6112247"/>
+          </a:xfrm>
+          <a:prstGeom prst="rect">
+            <a:avLst/>
+          </a:prstGeom>
+        </p:spPr>
+        <p:style>
+          <a:lnRef idx="1">
+            <a:schemeClr val="accent4"/>
+          </a:lnRef>
+          <a:fillRef idx="2">
+            <a:schemeClr val="accent4"/>
+          </a:fillRef>
+          <a:effectRef idx="1">
+            <a:schemeClr val="accent4"/>
+          </a:effectRef>
+          <a:fontRef idx="minor">
+            <a:schemeClr val="dk1"/>
+          </a:fontRef>
+        </p:style>
+        <p:txBody>
+          <a:bodyPr rtlCol="0" anchor="ctr"/>
+          <a:lstStyle/>
+          <a:p>
+            <a:pPr algn="ctr"/>
+            <a:r>
+              <a:rPr lang="ko-KR" altLang="en-US" sz="10000" dirty="0"/>
+              <a:t>요리사</a:t>
+            </a:r>
+            <a:endParaRPr lang="en-US" altLang="ko-KR" sz="10000" dirty="0"/>
+          </a:p>
+          <a:p>
+            <a:pPr algn="ctr"/>
+            <a:r>
+              <a:rPr lang="ko-KR" altLang="en-US" sz="10000" dirty="0"/>
+              <a:t>아이템</a:t>
+            </a:r>
+          </a:p>
+        </p:txBody>
+      </p:sp>
+      <p:sp>
+        <p:nvSpPr>
+          <p:cNvPr id="21" name="TextBox 20">
+            <a:extLst>
+              <a:ext uri="{FF2B5EF4-FFF2-40B4-BE49-F238E27FC236}">
+                <a16:creationId xmlns:a16="http://schemas.microsoft.com/office/drawing/2014/main" id="{41593289-10CA-5E89-46A9-4EF95B83D60B}"/>
+              </a:ext>
+            </a:extLst>
+          </p:cNvPr>
+          <p:cNvSpPr txBox="1"/>
+          <p:nvPr/>
+        </p:nvSpPr>
+        <p:spPr>
+          <a:xfrm>
+            <a:off x="8628444" y="3785542"/>
+            <a:ext cx="10193816" cy="2400657"/>
+          </a:xfrm>
+          <a:prstGeom prst="rect">
+            <a:avLst/>
+          </a:prstGeom>
+          <a:noFill/>
+        </p:spPr>
+        <p:txBody>
+          <a:bodyPr wrap="none" rtlCol="0">
+            <a:spAutoFit/>
+          </a:bodyPr>
+          <a:lstStyle/>
+          <a:p>
+            <a:r>
+              <a:rPr lang="ko-KR" altLang="en-US" sz="15000" dirty="0"/>
+              <a:t>직업 아이템</a:t>
+            </a:r>
+          </a:p>
+        </p:txBody>
+      </p:sp>
+      <p:sp>
+        <p:nvSpPr>
+          <p:cNvPr id="3" name="직사각형 2">
+            <a:extLst>
+              <a:ext uri="{FF2B5EF4-FFF2-40B4-BE49-F238E27FC236}">
+                <a16:creationId xmlns:a16="http://schemas.microsoft.com/office/drawing/2014/main" id="{8A17D64D-4C7C-52ED-83D9-CCCB844C72DA}"/>
+              </a:ext>
+            </a:extLst>
+          </p:cNvPr>
+          <p:cNvSpPr/>
+          <p:nvPr/>
+        </p:nvSpPr>
+        <p:spPr>
+          <a:xfrm>
+            <a:off x="-261459" y="-105507"/>
+            <a:ext cx="27472113" cy="3305908"/>
+          </a:xfrm>
+          <a:prstGeom prst="rect">
+            <a:avLst/>
+          </a:prstGeom>
+        </p:spPr>
+        <p:style>
+          <a:lnRef idx="1">
+            <a:schemeClr val="dk1"/>
+          </a:lnRef>
+          <a:fillRef idx="2">
+            <a:schemeClr val="dk1"/>
+          </a:fillRef>
+          <a:effectRef idx="1">
+            <a:schemeClr val="dk1"/>
+          </a:effectRef>
+          <a:fontRef idx="minor">
+            <a:schemeClr val="dk1"/>
+          </a:fontRef>
+        </p:style>
+        <p:txBody>
+          <a:bodyPr rtlCol="0" anchor="ctr"/>
+          <a:lstStyle/>
+          <a:p>
+            <a:pPr algn="ctr"/>
+            <a:endParaRPr lang="ko-KR" altLang="en-US"/>
+          </a:p>
+        </p:txBody>
+      </p:sp>
+      <p:sp>
+        <p:nvSpPr>
+          <p:cNvPr id="9" name="직사각형 8">
+            <a:extLst>
+              <a:ext uri="{FF2B5EF4-FFF2-40B4-BE49-F238E27FC236}">
+                <a16:creationId xmlns:a16="http://schemas.microsoft.com/office/drawing/2014/main" id="{FD59D6AB-7FBE-2EF4-D627-CD8D3209EDA5}"/>
+              </a:ext>
+            </a:extLst>
+          </p:cNvPr>
+          <p:cNvSpPr/>
+          <p:nvPr/>
+        </p:nvSpPr>
+        <p:spPr>
+          <a:xfrm>
+            <a:off x="8828455" y="-137089"/>
+            <a:ext cx="10118408" cy="3305908"/>
+          </a:xfrm>
+          <a:prstGeom prst="rect">
+            <a:avLst/>
+          </a:prstGeom>
+        </p:spPr>
+        <p:style>
+          <a:lnRef idx="2">
+            <a:schemeClr val="accent6"/>
+          </a:lnRef>
+          <a:fillRef idx="1">
+            <a:schemeClr val="lt1"/>
+          </a:fillRef>
+          <a:effectRef idx="0">
+            <a:schemeClr val="accent6"/>
+          </a:effectRef>
+          <a:fontRef idx="minor">
+            <a:schemeClr val="dk1"/>
+          </a:fontRef>
+        </p:style>
+        <p:txBody>
+          <a:bodyPr rtlCol="0" anchor="ctr"/>
+          <a:lstStyle/>
+          <a:p>
+            <a:pPr algn="ctr"/>
+            <a:r>
+              <a:rPr lang="ko-KR" altLang="en-US" sz="10000" dirty="0" err="1"/>
+              <a:t>확률표</a:t>
+            </a:r>
+            <a:r>
+              <a:rPr lang="ko-KR" altLang="en-US" sz="10000" dirty="0"/>
+              <a:t> </a:t>
+            </a:r>
+            <a:r>
+              <a:rPr lang="en-US" altLang="ko-KR" dirty="0"/>
+              <a:t>111</a:t>
+            </a:r>
+            <a:endParaRPr lang="ko-KR" altLang="en-US" dirty="0"/>
+          </a:p>
+        </p:txBody>
+      </p:sp>
+      <p:sp>
+        <p:nvSpPr>
+          <p:cNvPr id="14" name="TextBox 13">
+            <a:extLst>
+              <a:ext uri="{FF2B5EF4-FFF2-40B4-BE49-F238E27FC236}">
+                <a16:creationId xmlns:a16="http://schemas.microsoft.com/office/drawing/2014/main" id="{764E4755-C4BC-576B-7318-69693EEBA2EB}"/>
+              </a:ext>
+            </a:extLst>
+          </p:cNvPr>
+          <p:cNvSpPr txBox="1"/>
+          <p:nvPr/>
+        </p:nvSpPr>
+        <p:spPr>
+          <a:xfrm>
+            <a:off x="18717657" y="20963670"/>
+            <a:ext cx="6867586" cy="1785104"/>
+          </a:xfrm>
+          <a:prstGeom prst="rect">
+            <a:avLst/>
+          </a:prstGeom>
+          <a:noFill/>
+        </p:spPr>
+        <p:txBody>
+          <a:bodyPr wrap="none" rtlCol="0">
+            <a:spAutoFit/>
+          </a:bodyPr>
+          <a:lstStyle/>
+          <a:p>
+            <a:r>
+              <a:rPr lang="ko-KR" altLang="en-US" sz="11000" dirty="0"/>
+              <a:t>개당 </a:t>
+            </a:r>
+            <a:r>
+              <a:rPr lang="en-US" altLang="ko-KR" sz="11000" dirty="0"/>
+              <a:t>3</a:t>
+            </a:r>
+            <a:r>
+              <a:rPr lang="ko-KR" altLang="en-US" sz="11000" dirty="0"/>
+              <a:t>만원</a:t>
+            </a:r>
+          </a:p>
+        </p:txBody>
+      </p:sp>
+      <p:sp>
+        <p:nvSpPr>
+          <p:cNvPr id="15" name="TextBox 14">
+            <a:extLst>
+              <a:ext uri="{FF2B5EF4-FFF2-40B4-BE49-F238E27FC236}">
+                <a16:creationId xmlns:a16="http://schemas.microsoft.com/office/drawing/2014/main" id="{90D8E973-FBD6-A558-393E-57EAB34BCADC}"/>
+              </a:ext>
+            </a:extLst>
+          </p:cNvPr>
+          <p:cNvSpPr txBox="1"/>
+          <p:nvPr/>
+        </p:nvSpPr>
+        <p:spPr>
+          <a:xfrm>
+            <a:off x="9948119" y="24019793"/>
+            <a:ext cx="7879080" cy="2400657"/>
+          </a:xfrm>
+          <a:prstGeom prst="rect">
+            <a:avLst/>
+          </a:prstGeom>
+          <a:noFill/>
+        </p:spPr>
+        <p:txBody>
+          <a:bodyPr wrap="none" rtlCol="0">
+            <a:spAutoFit/>
+          </a:bodyPr>
+          <a:lstStyle/>
+          <a:p>
+            <a:r>
+              <a:rPr lang="ko-KR" altLang="en-US" sz="15000" dirty="0"/>
+              <a:t>랜덤박스</a:t>
+            </a:r>
+          </a:p>
+        </p:txBody>
+      </p:sp>
+      <p:pic>
+        <p:nvPicPr>
+          <p:cNvPr id="25" name="Picture 2" descr="로켓 리그에서 랜덤박스 없애고 대안 제시한다! : 네이버 블로그">
+            <a:extLst>
+              <a:ext uri="{FF2B5EF4-FFF2-40B4-BE49-F238E27FC236}">
+                <a16:creationId xmlns:a16="http://schemas.microsoft.com/office/drawing/2014/main" id="{47081724-DB38-889A-AC5A-A66A9CA90377}"/>
+              </a:ext>
+            </a:extLst>
+          </p:cNvPr>
+          <p:cNvPicPr>
+            <a:picLocks noChangeAspect="1" noChangeArrowheads="1"/>
+          </p:cNvPicPr>
+          <p:nvPr/>
+        </p:nvPicPr>
+        <p:blipFill rotWithShape="1">
+          <a:blip r:embed="rId6">
+            <a:extLst>
+              <a:ext uri="{28A0092B-C50C-407E-A947-70E740481C1C}">
+                <a14:useLocalDpi xmlns:a14="http://schemas.microsoft.com/office/drawing/2010/main" val="0"/>
+              </a:ext>
+            </a:extLst>
+          </a:blip>
+          <a:srcRect l="36324" t="22318" r="35547" b="20151"/>
+          <a:stretch/>
+        </p:blipFill>
+        <p:spPr bwMode="auto">
+          <a:xfrm>
+            <a:off x="-10674" y="26657208"/>
+            <a:ext cx="8162606" cy="9328023"/>
+          </a:xfrm>
+          <a:prstGeom prst="rect">
+            <a:avLst/>
+          </a:prstGeom>
+          <a:noFill/>
+          <a:extLst>
+            <a:ext uri="{909E8E84-426E-40DD-AFC4-6F175D3DCCD1}">
+              <a14:hiddenFill xmlns:a14="http://schemas.microsoft.com/office/drawing/2010/main">
+                <a:solidFill>
+                  <a:srgbClr val="FFFFFF"/>
+                </a:solidFill>
+              </a14:hiddenFill>
+            </a:ext>
+          </a:extLst>
+        </p:spPr>
+      </p:pic>
+      <p:sp>
+        <p:nvSpPr>
+          <p:cNvPr id="27" name="TextBox 26">
+            <a:extLst>
+              <a:ext uri="{FF2B5EF4-FFF2-40B4-BE49-F238E27FC236}">
+                <a16:creationId xmlns:a16="http://schemas.microsoft.com/office/drawing/2014/main" id="{BBBDA6E0-0AC2-8EAB-C534-8147263047B8}"/>
+              </a:ext>
+            </a:extLst>
+          </p:cNvPr>
+          <p:cNvSpPr txBox="1"/>
+          <p:nvPr/>
+        </p:nvSpPr>
+        <p:spPr>
+          <a:xfrm>
+            <a:off x="9166350" y="28803940"/>
+            <a:ext cx="27700213" cy="6093976"/>
+          </a:xfrm>
+          <a:prstGeom prst="rect">
+            <a:avLst/>
+          </a:prstGeom>
+          <a:noFill/>
+        </p:spPr>
+        <p:txBody>
+          <a:bodyPr wrap="square" rtlCol="0">
+            <a:spAutoFit/>
+          </a:bodyPr>
+          <a:lstStyle/>
+          <a:p>
+            <a:r>
+              <a:rPr lang="ko-KR" altLang="en-US" sz="13000" dirty="0"/>
+              <a:t>구매 시 무작위의 버프를 </a:t>
+            </a:r>
+            <a:endParaRPr lang="en-US" altLang="ko-KR" sz="13000" dirty="0"/>
+          </a:p>
+          <a:p>
+            <a:r>
+              <a:rPr lang="ko-KR" altLang="en-US" sz="13000" dirty="0"/>
+              <a:t>획득한다</a:t>
+            </a:r>
+            <a:r>
+              <a:rPr lang="en-US" altLang="ko-KR" sz="13000" dirty="0"/>
+              <a:t>  </a:t>
+            </a:r>
+          </a:p>
+          <a:p>
+            <a:r>
+              <a:rPr lang="ko-KR" altLang="en-US" sz="13000" dirty="0"/>
+              <a:t>가격</a:t>
+            </a:r>
+            <a:r>
+              <a:rPr lang="en-US" altLang="ko-KR" sz="13000" dirty="0"/>
+              <a:t>: 4</a:t>
+            </a:r>
+            <a:r>
+              <a:rPr lang="ko-KR" altLang="en-US" sz="13000" dirty="0"/>
+              <a:t>만원 </a:t>
+            </a:r>
+            <a:endParaRPr lang="en-US" altLang="ko-KR" sz="13000" dirty="0"/>
+          </a:p>
+        </p:txBody>
+      </p:sp>
+      <p:sp>
+        <p:nvSpPr>
+          <p:cNvPr id="28" name="직사각형 27">
+            <a:extLst>
+              <a:ext uri="{FF2B5EF4-FFF2-40B4-BE49-F238E27FC236}">
+                <a16:creationId xmlns:a16="http://schemas.microsoft.com/office/drawing/2014/main" id="{BE1FF2C1-F0F9-46E7-9B5E-67A9AC5BE9A2}"/>
+              </a:ext>
+            </a:extLst>
+          </p:cNvPr>
+          <p:cNvSpPr/>
+          <p:nvPr/>
+        </p:nvSpPr>
+        <p:spPr>
+          <a:xfrm>
+            <a:off x="12383112" y="35587618"/>
+            <a:ext cx="11182291" cy="4651886"/>
+          </a:xfrm>
+          <a:prstGeom prst="rect">
+            <a:avLst/>
+          </a:prstGeom>
+        </p:spPr>
+        <p:style>
+          <a:lnRef idx="2">
+            <a:schemeClr val="dk1"/>
+          </a:lnRef>
+          <a:fillRef idx="1">
+            <a:schemeClr val="lt1"/>
+          </a:fillRef>
+          <a:effectRef idx="0">
+            <a:schemeClr val="dk1"/>
+          </a:effectRef>
+          <a:fontRef idx="minor">
+            <a:schemeClr val="dk1"/>
+          </a:fontRef>
+        </p:style>
+        <p:txBody>
+          <a:bodyPr rtlCol="0" anchor="ctr"/>
+          <a:lstStyle/>
+          <a:p>
+            <a:pPr algn="ctr"/>
+            <a:r>
+              <a:rPr lang="ko-KR" altLang="en-US" sz="12000" dirty="0"/>
+              <a:t>구매하기</a:t>
+            </a:r>
+            <a:r>
+              <a:rPr lang="ko-KR" altLang="en-US" sz="10000" dirty="0"/>
+              <a:t> </a:t>
+            </a:r>
+            <a:r>
+              <a:rPr lang="en-US" altLang="ko-KR" dirty="0"/>
+              <a:t>111</a:t>
+            </a:r>
+            <a:endParaRPr lang="ko-KR" altLang="en-US" dirty="0"/>
+          </a:p>
+        </p:txBody>
+      </p:sp>
+      <p:sp>
+        <p:nvSpPr>
+          <p:cNvPr id="34" name="직사각형 33">
+            <a:extLst>
+              <a:ext uri="{FF2B5EF4-FFF2-40B4-BE49-F238E27FC236}">
+                <a16:creationId xmlns:a16="http://schemas.microsoft.com/office/drawing/2014/main" id="{5694A5DE-3035-8925-DDDB-F34B18CAA3B4}"/>
+              </a:ext>
+            </a:extLst>
+          </p:cNvPr>
+          <p:cNvSpPr/>
+          <p:nvPr/>
+        </p:nvSpPr>
+        <p:spPr>
+          <a:xfrm>
+            <a:off x="955541" y="36880782"/>
+            <a:ext cx="6063816" cy="2171283"/>
+          </a:xfrm>
+          <a:prstGeom prst="rect">
+            <a:avLst/>
+          </a:prstGeom>
+        </p:spPr>
+        <p:style>
+          <a:lnRef idx="2">
+            <a:schemeClr val="accent6"/>
+          </a:lnRef>
+          <a:fillRef idx="1">
+            <a:schemeClr val="lt1"/>
+          </a:fillRef>
+          <a:effectRef idx="0">
+            <a:schemeClr val="accent6"/>
+          </a:effectRef>
+          <a:fontRef idx="minor">
+            <a:schemeClr val="dk1"/>
+          </a:fontRef>
+        </p:style>
+        <p:txBody>
+          <a:bodyPr rtlCol="0" anchor="ctr"/>
+          <a:lstStyle/>
+          <a:p>
+            <a:pPr algn="ctr"/>
+            <a:r>
+              <a:rPr lang="ko-KR" altLang="en-US" sz="12000" dirty="0" err="1"/>
+              <a:t>확률표</a:t>
+            </a:r>
+            <a:r>
+              <a:rPr lang="en-US" altLang="ko-KR" dirty="0"/>
+              <a:t>111</a:t>
+            </a:r>
+            <a:endParaRPr lang="ko-KR" altLang="en-US" dirty="0"/>
+          </a:p>
+        </p:txBody>
+      </p:sp>
+      <p:sp>
+        <p:nvSpPr>
+          <p:cNvPr id="4" name="직사각형 3">
+            <a:extLst>
+              <a:ext uri="{FF2B5EF4-FFF2-40B4-BE49-F238E27FC236}">
+                <a16:creationId xmlns:a16="http://schemas.microsoft.com/office/drawing/2014/main" id="{E8AD0A9E-4A7E-2A3E-9EFE-0609A6101BA0}"/>
+              </a:ext>
+            </a:extLst>
+          </p:cNvPr>
+          <p:cNvSpPr/>
+          <p:nvPr/>
+        </p:nvSpPr>
+        <p:spPr>
+          <a:xfrm>
+            <a:off x="-178421" y="3242745"/>
+            <a:ext cx="27700213" cy="42985470"/>
+          </a:xfrm>
+          <a:prstGeom prst="rect">
+            <a:avLst/>
+          </a:prstGeom>
+        </p:spPr>
+        <p:style>
+          <a:lnRef idx="1">
+            <a:schemeClr val="accent1"/>
+          </a:lnRef>
+          <a:fillRef idx="2">
+            <a:schemeClr val="accent1"/>
+          </a:fillRef>
+          <a:effectRef idx="1">
+            <a:schemeClr val="accent1"/>
+          </a:effectRef>
+          <a:fontRef idx="minor">
+            <a:schemeClr val="dk1"/>
+          </a:fontRef>
+        </p:style>
+        <p:txBody>
+          <a:bodyPr rtlCol="0" anchor="ctr"/>
+          <a:lstStyle/>
+          <a:p>
+            <a:pPr algn="ctr"/>
+            <a:endParaRPr lang="ko-KR" altLang="en-US" dirty="0"/>
+          </a:p>
+        </p:txBody>
+      </p:sp>
+      <p:sp>
+        <p:nvSpPr>
+          <p:cNvPr id="13" name="TextBox 12">
+            <a:extLst>
+              <a:ext uri="{FF2B5EF4-FFF2-40B4-BE49-F238E27FC236}">
+                <a16:creationId xmlns:a16="http://schemas.microsoft.com/office/drawing/2014/main" id="{B376664E-CBC4-383B-9A92-CD3F809F2484}"/>
+              </a:ext>
+            </a:extLst>
+          </p:cNvPr>
+          <p:cNvSpPr txBox="1"/>
+          <p:nvPr/>
+        </p:nvSpPr>
+        <p:spPr>
+          <a:xfrm>
+            <a:off x="-261460" y="4617455"/>
+            <a:ext cx="35496140" cy="6093976"/>
+          </a:xfrm>
+          <a:prstGeom prst="rect">
+            <a:avLst/>
+          </a:prstGeom>
+          <a:noFill/>
+        </p:spPr>
+        <p:txBody>
+          <a:bodyPr wrap="square" rtlCol="0">
+            <a:spAutoFit/>
+          </a:bodyPr>
+          <a:lstStyle/>
+          <a:p>
+            <a:r>
+              <a:rPr lang="ko-KR" altLang="en-US" sz="12000" dirty="0"/>
+              <a:t>직업 아이템 생성에 필요한 돈이</a:t>
+            </a:r>
+            <a:endParaRPr lang="en-US" altLang="ko-KR" sz="12000" dirty="0"/>
+          </a:p>
+          <a:p>
+            <a:r>
+              <a:rPr lang="en-US" altLang="ko-KR" sz="12000" dirty="0"/>
+              <a:t>5</a:t>
+            </a:r>
+            <a:r>
+              <a:rPr lang="ko-KR" altLang="en-US" sz="12000" dirty="0"/>
+              <a:t>회 동안 절반으로 감소한다</a:t>
+            </a:r>
+            <a:endParaRPr lang="en-US" altLang="ko-KR" sz="12000" dirty="0"/>
+          </a:p>
+          <a:p>
+            <a:endParaRPr lang="en-US" altLang="ko-KR" sz="15000" dirty="0"/>
+          </a:p>
+        </p:txBody>
+      </p:sp>
+      <p:sp>
+        <p:nvSpPr>
+          <p:cNvPr id="26" name="TextBox 25">
+            <a:extLst>
+              <a:ext uri="{FF2B5EF4-FFF2-40B4-BE49-F238E27FC236}">
+                <a16:creationId xmlns:a16="http://schemas.microsoft.com/office/drawing/2014/main" id="{BA0B0CE2-593C-31CD-C899-6DD5B5CE62E2}"/>
+              </a:ext>
+            </a:extLst>
+          </p:cNvPr>
+          <p:cNvSpPr txBox="1"/>
+          <p:nvPr/>
+        </p:nvSpPr>
+        <p:spPr>
+          <a:xfrm>
+            <a:off x="226187" y="35645049"/>
+            <a:ext cx="35496140" cy="6093976"/>
+          </a:xfrm>
+          <a:prstGeom prst="rect">
+            <a:avLst/>
+          </a:prstGeom>
+          <a:noFill/>
+        </p:spPr>
+        <p:txBody>
+          <a:bodyPr wrap="square" rtlCol="0">
+            <a:spAutoFit/>
+          </a:bodyPr>
+          <a:lstStyle/>
+          <a:p>
+            <a:r>
+              <a:rPr lang="ko-KR" altLang="en-US" sz="12000" dirty="0"/>
+              <a:t>돈 아이템 생성시 </a:t>
+            </a:r>
+            <a:endParaRPr lang="en-US" altLang="ko-KR" sz="12000" dirty="0"/>
+          </a:p>
+          <a:p>
+            <a:r>
+              <a:rPr lang="en-US" altLang="ko-KR" sz="12000" dirty="0"/>
+              <a:t>1</a:t>
+            </a:r>
+            <a:r>
+              <a:rPr lang="ko-KR" altLang="en-US" sz="12000" dirty="0"/>
+              <a:t>단계가 아닌 </a:t>
+            </a:r>
+            <a:r>
+              <a:rPr lang="en-US" altLang="ko-KR" sz="12000" dirty="0"/>
+              <a:t>2</a:t>
+            </a:r>
+            <a:r>
+              <a:rPr lang="ko-KR" altLang="en-US" sz="12000" dirty="0"/>
+              <a:t>단계의 아이템이 나온다</a:t>
+            </a:r>
+            <a:endParaRPr lang="en-US" altLang="ko-KR" sz="12000" dirty="0"/>
+          </a:p>
+          <a:p>
+            <a:endParaRPr lang="en-US" altLang="ko-KR" sz="15000" dirty="0"/>
+          </a:p>
+        </p:txBody>
+      </p:sp>
+      <p:sp>
+        <p:nvSpPr>
+          <p:cNvPr id="29" name="TextBox 28">
+            <a:extLst>
+              <a:ext uri="{FF2B5EF4-FFF2-40B4-BE49-F238E27FC236}">
+                <a16:creationId xmlns:a16="http://schemas.microsoft.com/office/drawing/2014/main" id="{B99E632F-6A89-D619-1213-0DF02289BE6C}"/>
+              </a:ext>
+            </a:extLst>
+          </p:cNvPr>
+          <p:cNvSpPr txBox="1"/>
+          <p:nvPr/>
+        </p:nvSpPr>
+        <p:spPr>
+          <a:xfrm>
+            <a:off x="-178421" y="29495968"/>
+            <a:ext cx="35496140" cy="6093976"/>
+          </a:xfrm>
+          <a:prstGeom prst="rect">
+            <a:avLst/>
+          </a:prstGeom>
+          <a:noFill/>
+        </p:spPr>
+        <p:txBody>
+          <a:bodyPr wrap="square" rtlCol="0">
+            <a:spAutoFit/>
+          </a:bodyPr>
+          <a:lstStyle/>
+          <a:p>
+            <a:r>
+              <a:rPr lang="ko-KR" altLang="en-US" sz="12000" dirty="0"/>
+              <a:t>직업 아이템 생성시 </a:t>
+            </a:r>
+            <a:endParaRPr lang="en-US" altLang="ko-KR" sz="12000" dirty="0"/>
+          </a:p>
+          <a:p>
+            <a:r>
+              <a:rPr lang="en-US" altLang="ko-KR" sz="12000" dirty="0"/>
+              <a:t>1</a:t>
+            </a:r>
+            <a:r>
+              <a:rPr lang="ko-KR" altLang="en-US" sz="12000" dirty="0"/>
+              <a:t>단계가 아닌 </a:t>
+            </a:r>
+            <a:r>
+              <a:rPr lang="en-US" altLang="ko-KR" sz="12000" dirty="0"/>
+              <a:t>2</a:t>
+            </a:r>
+            <a:r>
+              <a:rPr lang="ko-KR" altLang="en-US" sz="12000" dirty="0"/>
+              <a:t>단계의 아이템이 나온다</a:t>
+            </a:r>
+            <a:endParaRPr lang="en-US" altLang="ko-KR" sz="12000" dirty="0"/>
+          </a:p>
+          <a:p>
+            <a:endParaRPr lang="en-US" altLang="ko-KR" sz="15000" dirty="0"/>
+          </a:p>
+        </p:txBody>
+      </p:sp>
+      <p:sp>
+        <p:nvSpPr>
+          <p:cNvPr id="30" name="TextBox 29">
+            <a:extLst>
+              <a:ext uri="{FF2B5EF4-FFF2-40B4-BE49-F238E27FC236}">
+                <a16:creationId xmlns:a16="http://schemas.microsoft.com/office/drawing/2014/main" id="{6FA37E54-845B-E770-3FE0-6C42A350C0C3}"/>
+              </a:ext>
+            </a:extLst>
+          </p:cNvPr>
+          <p:cNvSpPr txBox="1"/>
+          <p:nvPr/>
+        </p:nvSpPr>
+        <p:spPr>
+          <a:xfrm>
+            <a:off x="-10674" y="26157716"/>
+            <a:ext cx="35496140" cy="4247317"/>
+          </a:xfrm>
+          <a:prstGeom prst="rect">
+            <a:avLst/>
+          </a:prstGeom>
+          <a:noFill/>
+        </p:spPr>
+        <p:txBody>
+          <a:bodyPr wrap="square" rtlCol="0">
+            <a:spAutoFit/>
+          </a:bodyPr>
+          <a:lstStyle/>
+          <a:p>
+            <a:r>
+              <a:rPr lang="en-US" altLang="ko-KR" sz="12000" dirty="0"/>
+              <a:t>7</a:t>
+            </a:r>
+            <a:r>
+              <a:rPr lang="ko-KR" altLang="en-US" sz="12000" dirty="0"/>
+              <a:t>만원을 획득한다</a:t>
+            </a:r>
+            <a:endParaRPr lang="en-US" altLang="ko-KR" sz="12000" dirty="0"/>
+          </a:p>
+          <a:p>
+            <a:endParaRPr lang="en-US" altLang="ko-KR" sz="15000" dirty="0"/>
+          </a:p>
+        </p:txBody>
+      </p:sp>
+      <p:sp>
+        <p:nvSpPr>
+          <p:cNvPr id="31" name="TextBox 30">
+            <a:extLst>
+              <a:ext uri="{FF2B5EF4-FFF2-40B4-BE49-F238E27FC236}">
+                <a16:creationId xmlns:a16="http://schemas.microsoft.com/office/drawing/2014/main" id="{E0ED86DB-700C-B16F-8795-E2DD5183E5CD}"/>
+              </a:ext>
+            </a:extLst>
+          </p:cNvPr>
+          <p:cNvSpPr txBox="1"/>
+          <p:nvPr/>
+        </p:nvSpPr>
+        <p:spPr>
+          <a:xfrm>
+            <a:off x="-10674" y="20371124"/>
+            <a:ext cx="35496140" cy="6093976"/>
+          </a:xfrm>
+          <a:prstGeom prst="rect">
+            <a:avLst/>
+          </a:prstGeom>
+          <a:noFill/>
+        </p:spPr>
+        <p:txBody>
+          <a:bodyPr wrap="square" rtlCol="0">
+            <a:spAutoFit/>
+          </a:bodyPr>
+          <a:lstStyle/>
+          <a:p>
+            <a:r>
+              <a:rPr lang="ko-KR" altLang="en-US" sz="12000" dirty="0"/>
+              <a:t>무작위 직업의 </a:t>
+            </a:r>
+            <a:r>
+              <a:rPr lang="en-US" altLang="ko-KR" sz="12000" dirty="0"/>
+              <a:t>1~3</a:t>
+            </a:r>
+            <a:r>
+              <a:rPr lang="ko-KR" altLang="en-US" sz="12000" dirty="0"/>
+              <a:t>단계 아이템을</a:t>
+            </a:r>
+            <a:endParaRPr lang="en-US" altLang="ko-KR" sz="12000" dirty="0"/>
+          </a:p>
+          <a:p>
+            <a:r>
+              <a:rPr lang="en-US" altLang="ko-KR" sz="12000" dirty="0"/>
+              <a:t>2</a:t>
+            </a:r>
+            <a:r>
+              <a:rPr lang="ko-KR" altLang="en-US" sz="12000" dirty="0"/>
+              <a:t>개 획득한다</a:t>
+            </a:r>
+            <a:endParaRPr lang="en-US" altLang="ko-KR" sz="12000" dirty="0"/>
+          </a:p>
+          <a:p>
+            <a:endParaRPr lang="en-US" altLang="ko-KR" sz="15000" dirty="0"/>
+          </a:p>
+        </p:txBody>
+      </p:sp>
+      <p:sp>
+        <p:nvSpPr>
+          <p:cNvPr id="32" name="TextBox 31">
+            <a:extLst>
+              <a:ext uri="{FF2B5EF4-FFF2-40B4-BE49-F238E27FC236}">
+                <a16:creationId xmlns:a16="http://schemas.microsoft.com/office/drawing/2014/main" id="{116DD107-62AA-09A2-ACF0-F639444FA7FD}"/>
+              </a:ext>
+            </a:extLst>
+          </p:cNvPr>
+          <p:cNvSpPr txBox="1"/>
+          <p:nvPr/>
+        </p:nvSpPr>
+        <p:spPr>
+          <a:xfrm>
+            <a:off x="-10674" y="9254896"/>
+            <a:ext cx="35496140" cy="6093976"/>
+          </a:xfrm>
+          <a:prstGeom prst="rect">
+            <a:avLst/>
+          </a:prstGeom>
+          <a:noFill/>
+        </p:spPr>
+        <p:txBody>
+          <a:bodyPr wrap="square" rtlCol="0">
+            <a:spAutoFit/>
+          </a:bodyPr>
+          <a:lstStyle/>
+          <a:p>
+            <a:r>
+              <a:rPr lang="ko-KR" altLang="en-US" sz="12000" dirty="0"/>
+              <a:t>직업 아이템 생성을</a:t>
+            </a:r>
+            <a:endParaRPr lang="en-US" altLang="ko-KR" sz="12000" dirty="0"/>
+          </a:p>
+          <a:p>
+            <a:r>
+              <a:rPr lang="en-US" altLang="ko-KR" sz="12000" dirty="0"/>
+              <a:t>5</a:t>
+            </a:r>
+            <a:r>
+              <a:rPr lang="ko-KR" altLang="en-US" sz="12000" dirty="0"/>
+              <a:t>회 동안 무료로 할 수 있다</a:t>
+            </a:r>
+            <a:endParaRPr lang="en-US" altLang="ko-KR" sz="12000" dirty="0"/>
+          </a:p>
+          <a:p>
+            <a:endParaRPr lang="en-US" altLang="ko-KR" sz="15000" dirty="0"/>
+          </a:p>
+        </p:txBody>
+      </p:sp>
+      <p:sp>
+        <p:nvSpPr>
+          <p:cNvPr id="33" name="TextBox 32">
+            <a:extLst>
+              <a:ext uri="{FF2B5EF4-FFF2-40B4-BE49-F238E27FC236}">
+                <a16:creationId xmlns:a16="http://schemas.microsoft.com/office/drawing/2014/main" id="{7F98F2B3-2BEA-4AF6-00FA-7B57C7D3089C}"/>
+              </a:ext>
+            </a:extLst>
+          </p:cNvPr>
+          <p:cNvSpPr txBox="1"/>
+          <p:nvPr/>
+        </p:nvSpPr>
+        <p:spPr>
+          <a:xfrm>
+            <a:off x="-178421" y="14391184"/>
+            <a:ext cx="35496140" cy="6093976"/>
+          </a:xfrm>
+          <a:prstGeom prst="rect">
+            <a:avLst/>
+          </a:prstGeom>
+          <a:noFill/>
+        </p:spPr>
+        <p:txBody>
+          <a:bodyPr wrap="square" rtlCol="0">
+            <a:spAutoFit/>
+          </a:bodyPr>
+          <a:lstStyle/>
+          <a:p>
+            <a:r>
+              <a:rPr lang="ko-KR" altLang="en-US" sz="12000" dirty="0"/>
+              <a:t>무작위 직업의 </a:t>
+            </a:r>
+            <a:r>
+              <a:rPr lang="en-US" altLang="ko-KR" sz="12000" dirty="0"/>
+              <a:t>1~3</a:t>
+            </a:r>
+            <a:r>
+              <a:rPr lang="ko-KR" altLang="en-US" sz="12000" dirty="0"/>
+              <a:t>단계 아이템을</a:t>
+            </a:r>
+            <a:endParaRPr lang="en-US" altLang="ko-KR" sz="12000" dirty="0"/>
+          </a:p>
+          <a:p>
+            <a:r>
+              <a:rPr lang="en-US" altLang="ko-KR" sz="12000" dirty="0"/>
+              <a:t>1</a:t>
+            </a:r>
+            <a:r>
+              <a:rPr lang="ko-KR" altLang="en-US" sz="12000" dirty="0"/>
+              <a:t>개 획득한다</a:t>
+            </a:r>
+            <a:endParaRPr lang="en-US" altLang="ko-KR" sz="12000" dirty="0"/>
+          </a:p>
+          <a:p>
+            <a:endParaRPr lang="en-US" altLang="ko-KR" sz="15000" dirty="0"/>
+          </a:p>
+        </p:txBody>
+      </p:sp>
+      <p:sp>
+        <p:nvSpPr>
+          <p:cNvPr id="35" name="TextBox 34">
+            <a:extLst>
+              <a:ext uri="{FF2B5EF4-FFF2-40B4-BE49-F238E27FC236}">
+                <a16:creationId xmlns:a16="http://schemas.microsoft.com/office/drawing/2014/main" id="{172CFC19-B7F8-811C-441B-95EBEB915AFE}"/>
+              </a:ext>
+            </a:extLst>
+          </p:cNvPr>
+          <p:cNvSpPr txBox="1"/>
+          <p:nvPr/>
+        </p:nvSpPr>
+        <p:spPr>
+          <a:xfrm>
+            <a:off x="22607755" y="5195046"/>
+            <a:ext cx="11607673" cy="1938992"/>
+          </a:xfrm>
+          <a:prstGeom prst="rect">
+            <a:avLst/>
+          </a:prstGeom>
+          <a:noFill/>
+        </p:spPr>
+        <p:txBody>
+          <a:bodyPr wrap="square" rtlCol="0">
+            <a:spAutoFit/>
+          </a:bodyPr>
+          <a:lstStyle/>
+          <a:p>
+            <a:r>
+              <a:rPr lang="en-US" altLang="ko-KR" sz="12000" dirty="0"/>
+              <a:t>30%</a:t>
+            </a:r>
+            <a:endParaRPr lang="en-US" altLang="ko-KR" sz="2400" dirty="0"/>
+          </a:p>
+        </p:txBody>
+      </p:sp>
+      <p:sp>
+        <p:nvSpPr>
+          <p:cNvPr id="36" name="TextBox 35">
+            <a:extLst>
+              <a:ext uri="{FF2B5EF4-FFF2-40B4-BE49-F238E27FC236}">
+                <a16:creationId xmlns:a16="http://schemas.microsoft.com/office/drawing/2014/main" id="{621F0B09-1DB2-735E-BE01-E78918C0537C}"/>
+              </a:ext>
+            </a:extLst>
+          </p:cNvPr>
+          <p:cNvSpPr txBox="1"/>
+          <p:nvPr/>
+        </p:nvSpPr>
+        <p:spPr>
+          <a:xfrm>
+            <a:off x="969587" y="43405051"/>
+            <a:ext cx="35496140" cy="4247317"/>
+          </a:xfrm>
+          <a:prstGeom prst="rect">
+            <a:avLst/>
+          </a:prstGeom>
+          <a:noFill/>
+        </p:spPr>
+        <p:txBody>
+          <a:bodyPr wrap="square" rtlCol="0">
+            <a:spAutoFit/>
+          </a:bodyPr>
+          <a:lstStyle/>
+          <a:p>
+            <a:r>
+              <a:rPr lang="ko-KR" altLang="en-US" sz="12000" dirty="0"/>
+              <a:t>꽝</a:t>
+            </a:r>
+            <a:endParaRPr lang="en-US" altLang="ko-KR" sz="12000" dirty="0"/>
+          </a:p>
+          <a:p>
+            <a:endParaRPr lang="en-US" altLang="ko-KR" sz="15000" dirty="0"/>
+          </a:p>
+        </p:txBody>
+      </p:sp>
+      <p:sp>
+        <p:nvSpPr>
+          <p:cNvPr id="40" name="TextBox 39">
+            <a:extLst>
+              <a:ext uri="{FF2B5EF4-FFF2-40B4-BE49-F238E27FC236}">
+                <a16:creationId xmlns:a16="http://schemas.microsoft.com/office/drawing/2014/main" id="{A3FBE49C-2C00-0075-E55D-26354B1660F8}"/>
+              </a:ext>
+            </a:extLst>
+          </p:cNvPr>
+          <p:cNvSpPr txBox="1"/>
+          <p:nvPr/>
+        </p:nvSpPr>
+        <p:spPr>
+          <a:xfrm>
+            <a:off x="22607755" y="9547757"/>
+            <a:ext cx="18991384" cy="1938992"/>
+          </a:xfrm>
+          <a:prstGeom prst="rect">
+            <a:avLst/>
+          </a:prstGeom>
+          <a:noFill/>
+        </p:spPr>
+        <p:txBody>
+          <a:bodyPr wrap="square">
+            <a:spAutoFit/>
+          </a:bodyPr>
+          <a:lstStyle/>
+          <a:p>
+            <a:r>
+              <a:rPr lang="en-US" altLang="ko-KR" sz="12000" dirty="0"/>
+              <a:t>10%</a:t>
+            </a:r>
+          </a:p>
+        </p:txBody>
+      </p:sp>
+      <p:sp>
+        <p:nvSpPr>
+          <p:cNvPr id="41" name="TextBox 40">
+            <a:extLst>
+              <a:ext uri="{FF2B5EF4-FFF2-40B4-BE49-F238E27FC236}">
+                <a16:creationId xmlns:a16="http://schemas.microsoft.com/office/drawing/2014/main" id="{22463DF4-6182-B2FE-F723-3E5B97E81429}"/>
+              </a:ext>
+            </a:extLst>
+          </p:cNvPr>
+          <p:cNvSpPr txBox="1"/>
+          <p:nvPr/>
+        </p:nvSpPr>
+        <p:spPr>
+          <a:xfrm>
+            <a:off x="22607755" y="14397646"/>
+            <a:ext cx="18991384" cy="1938992"/>
+          </a:xfrm>
+          <a:prstGeom prst="rect">
+            <a:avLst/>
+          </a:prstGeom>
+          <a:noFill/>
+        </p:spPr>
+        <p:txBody>
+          <a:bodyPr wrap="square">
+            <a:spAutoFit/>
+          </a:bodyPr>
+          <a:lstStyle/>
+          <a:p>
+            <a:r>
+              <a:rPr lang="en-US" altLang="ko-KR" sz="12000" dirty="0"/>
+              <a:t>20%</a:t>
+            </a:r>
+          </a:p>
+        </p:txBody>
+      </p:sp>
+      <p:sp>
+        <p:nvSpPr>
+          <p:cNvPr id="42" name="TextBox 41">
+            <a:extLst>
+              <a:ext uri="{FF2B5EF4-FFF2-40B4-BE49-F238E27FC236}">
+                <a16:creationId xmlns:a16="http://schemas.microsoft.com/office/drawing/2014/main" id="{860B9BD0-4B6C-AE64-08D6-CEBA0277AE90}"/>
+              </a:ext>
+            </a:extLst>
+          </p:cNvPr>
+          <p:cNvSpPr txBox="1"/>
+          <p:nvPr/>
+        </p:nvSpPr>
+        <p:spPr>
+          <a:xfrm>
+            <a:off x="22753974" y="26087026"/>
+            <a:ext cx="18991384" cy="1938992"/>
+          </a:xfrm>
+          <a:prstGeom prst="rect">
+            <a:avLst/>
+          </a:prstGeom>
+          <a:noFill/>
+        </p:spPr>
+        <p:txBody>
+          <a:bodyPr wrap="square">
+            <a:spAutoFit/>
+          </a:bodyPr>
+          <a:lstStyle/>
+          <a:p>
+            <a:r>
+              <a:rPr lang="en-US" altLang="ko-KR" sz="12000" dirty="0"/>
+              <a:t>9%</a:t>
+            </a:r>
+          </a:p>
+        </p:txBody>
+      </p:sp>
+      <p:sp>
+        <p:nvSpPr>
+          <p:cNvPr id="43" name="TextBox 42">
+            <a:extLst>
+              <a:ext uri="{FF2B5EF4-FFF2-40B4-BE49-F238E27FC236}">
+                <a16:creationId xmlns:a16="http://schemas.microsoft.com/office/drawing/2014/main" id="{330B59B0-1855-71AC-3930-4F455184F8A8}"/>
+              </a:ext>
+            </a:extLst>
+          </p:cNvPr>
+          <p:cNvSpPr txBox="1"/>
+          <p:nvPr/>
+        </p:nvSpPr>
+        <p:spPr>
+          <a:xfrm>
+            <a:off x="22338350" y="43558982"/>
+            <a:ext cx="18991384" cy="1938992"/>
+          </a:xfrm>
+          <a:prstGeom prst="rect">
+            <a:avLst/>
+          </a:prstGeom>
+          <a:noFill/>
+        </p:spPr>
+        <p:txBody>
+          <a:bodyPr wrap="square">
+            <a:spAutoFit/>
+          </a:bodyPr>
+          <a:lstStyle/>
+          <a:p>
+            <a:r>
+              <a:rPr lang="en-US" altLang="ko-KR" sz="12000" dirty="0"/>
+              <a:t>20%</a:t>
+            </a:r>
+          </a:p>
+        </p:txBody>
+      </p:sp>
+      <p:sp>
+        <p:nvSpPr>
+          <p:cNvPr id="44" name="TextBox 43">
+            <a:extLst>
+              <a:ext uri="{FF2B5EF4-FFF2-40B4-BE49-F238E27FC236}">
+                <a16:creationId xmlns:a16="http://schemas.microsoft.com/office/drawing/2014/main" id="{97FCEF05-D582-B3D4-A7E7-DC2A97AF88B4}"/>
+              </a:ext>
+            </a:extLst>
+          </p:cNvPr>
+          <p:cNvSpPr txBox="1"/>
+          <p:nvPr/>
+        </p:nvSpPr>
+        <p:spPr>
+          <a:xfrm>
+            <a:off x="22527038" y="20168627"/>
+            <a:ext cx="18991384" cy="1938992"/>
+          </a:xfrm>
+          <a:prstGeom prst="rect">
+            <a:avLst/>
+          </a:prstGeom>
+          <a:noFill/>
+        </p:spPr>
+        <p:txBody>
+          <a:bodyPr wrap="square">
+            <a:spAutoFit/>
+          </a:bodyPr>
+          <a:lstStyle/>
+          <a:p>
+            <a:r>
+              <a:rPr lang="en-US" altLang="ko-KR" sz="12000" dirty="0"/>
+              <a:t>10%</a:t>
+            </a:r>
+          </a:p>
+        </p:txBody>
+      </p:sp>
+      <p:sp>
+        <p:nvSpPr>
+          <p:cNvPr id="45" name="TextBox 44">
+            <a:extLst>
+              <a:ext uri="{FF2B5EF4-FFF2-40B4-BE49-F238E27FC236}">
+                <a16:creationId xmlns:a16="http://schemas.microsoft.com/office/drawing/2014/main" id="{A89AD6B5-77E9-79FD-F651-020AEDADD116}"/>
+              </a:ext>
+            </a:extLst>
+          </p:cNvPr>
+          <p:cNvSpPr txBox="1"/>
+          <p:nvPr/>
+        </p:nvSpPr>
+        <p:spPr>
+          <a:xfrm>
+            <a:off x="22126368" y="33253339"/>
+            <a:ext cx="18991384" cy="1938992"/>
+          </a:xfrm>
+          <a:prstGeom prst="rect">
+            <a:avLst/>
+          </a:prstGeom>
+          <a:noFill/>
+        </p:spPr>
+        <p:txBody>
+          <a:bodyPr wrap="square">
+            <a:spAutoFit/>
+          </a:bodyPr>
+          <a:lstStyle/>
+          <a:p>
+            <a:r>
+              <a:rPr lang="en-US" altLang="ko-KR" sz="12000" dirty="0"/>
+              <a:t>0.5%</a:t>
+            </a:r>
+          </a:p>
+        </p:txBody>
+      </p:sp>
+      <p:sp>
+        <p:nvSpPr>
+          <p:cNvPr id="46" name="TextBox 45">
+            <a:extLst>
+              <a:ext uri="{FF2B5EF4-FFF2-40B4-BE49-F238E27FC236}">
+                <a16:creationId xmlns:a16="http://schemas.microsoft.com/office/drawing/2014/main" id="{C5E72FA9-1C2C-DC1A-1421-2256530811A2}"/>
+              </a:ext>
+            </a:extLst>
+          </p:cNvPr>
+          <p:cNvSpPr txBox="1"/>
+          <p:nvPr/>
+        </p:nvSpPr>
+        <p:spPr>
+          <a:xfrm>
+            <a:off x="21882544" y="39216971"/>
+            <a:ext cx="18991384" cy="1938992"/>
+          </a:xfrm>
+          <a:prstGeom prst="rect">
+            <a:avLst/>
+          </a:prstGeom>
+          <a:noFill/>
+        </p:spPr>
+        <p:txBody>
+          <a:bodyPr wrap="square">
+            <a:spAutoFit/>
+          </a:bodyPr>
+          <a:lstStyle/>
+          <a:p>
+            <a:r>
+              <a:rPr lang="en-US" altLang="ko-KR" sz="12000" dirty="0"/>
+              <a:t>0.5%</a:t>
+            </a:r>
+          </a:p>
+        </p:txBody>
+      </p:sp>
+    </p:spTree>
+    <p:extLst>
+      <p:ext uri="{BB962C8B-B14F-4D97-AF65-F5344CB8AC3E}">
+        <p14:creationId xmlns:p14="http://schemas.microsoft.com/office/powerpoint/2010/main" val="917376973"/>
+      </p:ext>
+    </p:extLst>
+  </p:cSld>
+  <p:clrMapOvr>
+    <a:masterClrMapping/>
+  </p:clrMapOvr>
+</p:sld>
+</file>
+
+<file path=ppt/slides/slide5.xml><?xml version="1.0" encoding="utf-8"?>
+<p:sld xmlns:a="http://schemas.openxmlformats.org/drawingml/2006/main" xmlns:r="http://schemas.openxmlformats.org/officeDocument/2006/relationships" xmlns:p="http://schemas.openxmlformats.org/presentationml/2006/main">
+  <p:cSld>
+    <p:spTree>
+      <p:nvGrpSpPr>
+        <p:cNvPr id="1" name=""/>
+        <p:cNvGrpSpPr/>
+        <p:nvPr/>
+      </p:nvGrpSpPr>
+      <p:grpSpPr>
+        <a:xfrm>
+          <a:off x="0" y="0"/>
+          <a:ext cx="0" cy="0"/>
+          <a:chOff x="0" y="0"/>
+          <a:chExt cx="0" cy="0"/>
+        </a:xfrm>
+      </p:grpSpPr>
+      <p:pic>
+        <p:nvPicPr>
+          <p:cNvPr id="5" name="그림 4" descr="스크린샷, 직사각형, 건물, 하늘이(가) 표시된 사진&#10;&#10;자동 생성된 설명">
+            <a:extLst>
+              <a:ext uri="{FF2B5EF4-FFF2-40B4-BE49-F238E27FC236}">
+                <a16:creationId xmlns:a16="http://schemas.microsoft.com/office/drawing/2014/main" id="{4EFA6453-9A45-5EC9-E36D-EA8C452462DD}"/>
+              </a:ext>
+            </a:extLst>
+          </p:cNvPr>
+          <p:cNvPicPr>
+            <a:picLocks noChangeAspect="1"/>
+          </p:cNvPicPr>
+          <p:nvPr/>
+        </p:nvPicPr>
+        <p:blipFill>
+          <a:blip r:embed="rId2">
+            <a:extLst>
+              <a:ext uri="{28A0092B-C50C-407E-A947-70E740481C1C}">
+                <a14:useLocalDpi xmlns:a14="http://schemas.microsoft.com/office/drawing/2010/main" val="0"/>
+              </a:ext>
+            </a:extLst>
+          </a:blip>
+          <a:stretch>
+            <a:fillRect/>
+          </a:stretch>
+        </p:blipFill>
+        <p:spPr>
+          <a:xfrm>
+            <a:off x="-261458" y="0"/>
+            <a:ext cx="27472113" cy="46080363"/>
+          </a:xfrm>
+          <a:prstGeom prst="rect">
+            <a:avLst/>
+          </a:prstGeom>
+        </p:spPr>
+      </p:pic>
+      <p:sp>
+        <p:nvSpPr>
+          <p:cNvPr id="6" name="직사각형 5">
+            <a:extLst>
+              <a:ext uri="{FF2B5EF4-FFF2-40B4-BE49-F238E27FC236}">
+                <a16:creationId xmlns:a16="http://schemas.microsoft.com/office/drawing/2014/main" id="{7F404CFA-6E1D-91BD-EFCD-F0E5F602E3D8}"/>
+              </a:ext>
+            </a:extLst>
+          </p:cNvPr>
+          <p:cNvSpPr/>
+          <p:nvPr/>
+        </p:nvSpPr>
+        <p:spPr>
+          <a:xfrm>
+            <a:off x="-261459" y="0"/>
+            <a:ext cx="27472113" cy="3305908"/>
+          </a:xfrm>
+          <a:prstGeom prst="rect">
+            <a:avLst/>
+          </a:prstGeom>
+        </p:spPr>
+        <p:style>
+          <a:lnRef idx="1">
+            <a:schemeClr val="dk1"/>
+          </a:lnRef>
+          <a:fillRef idx="2">
+            <a:schemeClr val="dk1"/>
+          </a:fillRef>
+          <a:effectRef idx="1">
+            <a:schemeClr val="dk1"/>
+          </a:effectRef>
+          <a:fontRef idx="minor">
+            <a:schemeClr val="dk1"/>
+          </a:fontRef>
+        </p:style>
+        <p:txBody>
+          <a:bodyPr rtlCol="0" anchor="ctr"/>
+          <a:lstStyle/>
+          <a:p>
+            <a:pPr algn="ctr"/>
+            <a:endParaRPr lang="ko-KR" altLang="en-US"/>
+          </a:p>
+        </p:txBody>
+      </p:sp>
+      <p:sp>
+        <p:nvSpPr>
+          <p:cNvPr id="8" name="직사각형 7">
+            <a:extLst>
+              <a:ext uri="{FF2B5EF4-FFF2-40B4-BE49-F238E27FC236}">
+                <a16:creationId xmlns:a16="http://schemas.microsoft.com/office/drawing/2014/main" id="{2E453541-BF36-8047-A41B-D9B728A947D4}"/>
+              </a:ext>
+            </a:extLst>
+          </p:cNvPr>
+          <p:cNvSpPr/>
+          <p:nvPr/>
+        </p:nvSpPr>
+        <p:spPr>
+          <a:xfrm>
+            <a:off x="17092246" y="0"/>
+            <a:ext cx="10118408" cy="3305908"/>
+          </a:xfrm>
+          <a:prstGeom prst="rect">
+            <a:avLst/>
+          </a:prstGeom>
+        </p:spPr>
+        <p:style>
+          <a:lnRef idx="2">
+            <a:schemeClr val="accent6"/>
+          </a:lnRef>
+          <a:fillRef idx="1">
+            <a:schemeClr val="lt1"/>
+          </a:fillRef>
+          <a:effectRef idx="0">
+            <a:schemeClr val="accent6"/>
+          </a:effectRef>
+          <a:fontRef idx="minor">
+            <a:schemeClr val="dk1"/>
+          </a:fontRef>
+        </p:style>
+        <p:txBody>
+          <a:bodyPr rtlCol="0" anchor="ctr"/>
+          <a:lstStyle/>
+          <a:p>
+            <a:pPr algn="ctr"/>
+            <a:r>
+              <a:rPr lang="en-US" altLang="ko-KR" sz="10000" dirty="0"/>
+              <a:t>100000</a:t>
+            </a:r>
+            <a:r>
+              <a:rPr lang="ko-KR" altLang="en-US" sz="10000" dirty="0"/>
+              <a:t>원</a:t>
+            </a:r>
+            <a:r>
+              <a:rPr lang="en-US" altLang="ko-KR" dirty="0"/>
+              <a:t>111</a:t>
+            </a:r>
+            <a:endParaRPr lang="ko-KR" altLang="en-US" dirty="0"/>
+          </a:p>
+        </p:txBody>
+      </p:sp>
+      <p:sp>
+        <p:nvSpPr>
+          <p:cNvPr id="10" name="직사각형 9">
+            <a:extLst>
+              <a:ext uri="{FF2B5EF4-FFF2-40B4-BE49-F238E27FC236}">
+                <a16:creationId xmlns:a16="http://schemas.microsoft.com/office/drawing/2014/main" id="{A97C10F0-0148-6311-B819-5B3D8ABE8FBD}"/>
+              </a:ext>
+            </a:extLst>
+          </p:cNvPr>
+          <p:cNvSpPr/>
+          <p:nvPr/>
+        </p:nvSpPr>
+        <p:spPr>
+          <a:xfrm>
+            <a:off x="-261461" y="-211015"/>
+            <a:ext cx="17353705" cy="3305908"/>
+          </a:xfrm>
+          <a:prstGeom prst="rect">
+            <a:avLst/>
+          </a:prstGeom>
+        </p:spPr>
+        <p:style>
+          <a:lnRef idx="2">
+            <a:schemeClr val="accent6"/>
+          </a:lnRef>
+          <a:fillRef idx="1">
+            <a:schemeClr val="lt1"/>
+          </a:fillRef>
+          <a:effectRef idx="0">
+            <a:schemeClr val="accent6"/>
+          </a:effectRef>
+          <a:fontRef idx="minor">
+            <a:schemeClr val="dk1"/>
+          </a:fontRef>
+        </p:style>
+        <p:txBody>
+          <a:bodyPr rtlCol="0" anchor="ctr"/>
+          <a:lstStyle/>
+          <a:p>
+            <a:pPr algn="ctr"/>
+            <a:r>
+              <a:rPr lang="en-US" altLang="ko-KR" sz="10000" dirty="0"/>
+              <a:t>2031</a:t>
+            </a:r>
+            <a:r>
+              <a:rPr lang="ko-KR" altLang="en-US" sz="10000" dirty="0"/>
+              <a:t>년 </a:t>
+            </a:r>
+            <a:r>
+              <a:rPr lang="en-US" altLang="ko-KR" sz="10000" dirty="0"/>
+              <a:t>1</a:t>
+            </a:r>
+            <a:r>
+              <a:rPr lang="ko-KR" altLang="en-US" sz="10000" dirty="0"/>
+              <a:t>월</a:t>
+            </a:r>
+            <a:endParaRPr lang="ko-KR" altLang="en-US" dirty="0"/>
+          </a:p>
+        </p:txBody>
+      </p:sp>
+      <p:pic>
+        <p:nvPicPr>
+          <p:cNvPr id="1028" name="Picture 4" descr="아기 일러스트 PNG, AI 무료 다운로드 (2023년) - 리틀딥">
+            <a:extLst>
+              <a:ext uri="{FF2B5EF4-FFF2-40B4-BE49-F238E27FC236}">
+                <a16:creationId xmlns:a16="http://schemas.microsoft.com/office/drawing/2014/main" id="{517A7BD6-564D-86D0-E7AE-DF5B10712C80}"/>
+              </a:ext>
+            </a:extLst>
+          </p:cNvPr>
+          <p:cNvPicPr>
+            <a:picLocks noChangeAspect="1" noChangeArrowheads="1"/>
+          </p:cNvPicPr>
+          <p:nvPr/>
+        </p:nvPicPr>
+        <p:blipFill>
+          <a:blip r:embed="rId3">
+            <a:extLst>
+              <a:ext uri="{28A0092B-C50C-407E-A947-70E740481C1C}">
+                <a14:useLocalDpi xmlns:a14="http://schemas.microsoft.com/office/drawing/2010/main" val="0"/>
+              </a:ext>
+            </a:extLst>
+          </a:blip>
+          <a:srcRect/>
+          <a:stretch>
+            <a:fillRect/>
+          </a:stretch>
+        </p:blipFill>
+        <p:spPr bwMode="auto">
+          <a:xfrm>
+            <a:off x="8126931" y="4589811"/>
+            <a:ext cx="10695329" cy="10695329"/>
+          </a:xfrm>
+          <a:prstGeom prst="rect">
+            <a:avLst/>
+          </a:prstGeom>
+          <a:noFill/>
+          <a:extLst>
+            <a:ext uri="{909E8E84-426E-40DD-AFC4-6F175D3DCCD1}">
+              <a14:hiddenFill xmlns:a14="http://schemas.microsoft.com/office/drawing/2010/main">
+                <a:solidFill>
+                  <a:srgbClr val="FFFFFF"/>
+                </a:solidFill>
+              </a14:hiddenFill>
+            </a:ext>
+          </a:extLst>
+        </p:spPr>
+      </p:pic>
+      <p:pic>
+        <p:nvPicPr>
+          <p:cNvPr id="11" name="Picture 2" descr="상점 로고 아이콘 일러스트 ai 무료 다운로드 - 로고요고">
+            <a:extLst>
+              <a:ext uri="{FF2B5EF4-FFF2-40B4-BE49-F238E27FC236}">
+                <a16:creationId xmlns:a16="http://schemas.microsoft.com/office/drawing/2014/main" id="{8B6E9BA7-CDB0-895F-C7B2-55133CD3777E}"/>
+              </a:ext>
+            </a:extLst>
+          </p:cNvPr>
+          <p:cNvPicPr>
+            <a:picLocks noChangeAspect="1" noChangeArrowheads="1"/>
+          </p:cNvPicPr>
+          <p:nvPr/>
+        </p:nvPicPr>
+        <p:blipFill rotWithShape="1">
+          <a:blip r:embed="rId4">
             <a:extLst>
               <a:ext uri="{28A0092B-C50C-407E-A947-70E740481C1C}">
                 <a14:useLocalDpi xmlns:a14="http://schemas.microsoft.com/office/drawing/2010/main" val="0"/>
@@ -6410,7 +8343,7 @@
           <p:nvPr/>
         </p:nvPicPr>
         <p:blipFill>
-          <a:blip r:embed="rId6">
+          <a:blip r:embed="rId5">
             <a:extLst>
               <a:ext uri="{28A0092B-C50C-407E-A947-70E740481C1C}">
                 <a14:useLocalDpi xmlns:a14="http://schemas.microsoft.com/office/drawing/2010/main" val="0"/>

--- a/ppt/머지라이프 화면 구성 기획.pptx
+++ b/ppt/머지라이프 화면 구성 기획.pptx
@@ -7,9 +7,10 @@
   <p:sldIdLst>
     <p:sldId id="257" r:id="rId2"/>
     <p:sldId id="256" r:id="rId3"/>
-    <p:sldId id="258" r:id="rId4"/>
-    <p:sldId id="260" r:id="rId5"/>
-    <p:sldId id="259" r:id="rId6"/>
+    <p:sldId id="261" r:id="rId4"/>
+    <p:sldId id="259" r:id="rId5"/>
+    <p:sldId id="258" r:id="rId6"/>
+    <p:sldId id="260" r:id="rId7"/>
   </p:sldIdLst>
   <p:sldSz cx="25920700" cy="46080363"/>
   <p:notesSz cx="6858000" cy="9144000"/>
@@ -247,7 +248,7 @@
           <a:p>
             <a:fld id="{15CC93D1-B3EB-4BCA-A7D4-541A6BC115A5}" type="datetimeFigureOut">
               <a:rPr lang="ko-KR" altLang="en-US" smtClean="0"/>
-              <a:t>2024-06-02</a:t>
+              <a:t>2024-06-05</a:t>
             </a:fld>
             <a:endParaRPr lang="ko-KR" altLang="en-US"/>
           </a:p>
@@ -417,7 +418,7 @@
           <a:p>
             <a:fld id="{15CC93D1-B3EB-4BCA-A7D4-541A6BC115A5}" type="datetimeFigureOut">
               <a:rPr lang="ko-KR" altLang="en-US" smtClean="0"/>
-              <a:t>2024-06-02</a:t>
+              <a:t>2024-06-05</a:t>
             </a:fld>
             <a:endParaRPr lang="ko-KR" altLang="en-US"/>
           </a:p>
@@ -597,7 +598,7 @@
           <a:p>
             <a:fld id="{15CC93D1-B3EB-4BCA-A7D4-541A6BC115A5}" type="datetimeFigureOut">
               <a:rPr lang="ko-KR" altLang="en-US" smtClean="0"/>
-              <a:t>2024-06-02</a:t>
+              <a:t>2024-06-05</a:t>
             </a:fld>
             <a:endParaRPr lang="ko-KR" altLang="en-US"/>
           </a:p>
@@ -767,7 +768,7 @@
           <a:p>
             <a:fld id="{15CC93D1-B3EB-4BCA-A7D4-541A6BC115A5}" type="datetimeFigureOut">
               <a:rPr lang="ko-KR" altLang="en-US" smtClean="0"/>
-              <a:t>2024-06-02</a:t>
+              <a:t>2024-06-05</a:t>
             </a:fld>
             <a:endParaRPr lang="ko-KR" altLang="en-US"/>
           </a:p>
@@ -1013,7 +1014,7 @@
           <a:p>
             <a:fld id="{15CC93D1-B3EB-4BCA-A7D4-541A6BC115A5}" type="datetimeFigureOut">
               <a:rPr lang="ko-KR" altLang="en-US" smtClean="0"/>
-              <a:t>2024-06-02</a:t>
+              <a:t>2024-06-05</a:t>
             </a:fld>
             <a:endParaRPr lang="ko-KR" altLang="en-US"/>
           </a:p>
@@ -1245,7 +1246,7 @@
           <a:p>
             <a:fld id="{15CC93D1-B3EB-4BCA-A7D4-541A6BC115A5}" type="datetimeFigureOut">
               <a:rPr lang="ko-KR" altLang="en-US" smtClean="0"/>
-              <a:t>2024-06-02</a:t>
+              <a:t>2024-06-05</a:t>
             </a:fld>
             <a:endParaRPr lang="ko-KR" altLang="en-US"/>
           </a:p>
@@ -1612,7 +1613,7 @@
           <a:p>
             <a:fld id="{15CC93D1-B3EB-4BCA-A7D4-541A6BC115A5}" type="datetimeFigureOut">
               <a:rPr lang="ko-KR" altLang="en-US" smtClean="0"/>
-              <a:t>2024-06-02</a:t>
+              <a:t>2024-06-05</a:t>
             </a:fld>
             <a:endParaRPr lang="ko-KR" altLang="en-US"/>
           </a:p>
@@ -1730,7 +1731,7 @@
           <a:p>
             <a:fld id="{15CC93D1-B3EB-4BCA-A7D4-541A6BC115A5}" type="datetimeFigureOut">
               <a:rPr lang="ko-KR" altLang="en-US" smtClean="0"/>
-              <a:t>2024-06-02</a:t>
+              <a:t>2024-06-05</a:t>
             </a:fld>
             <a:endParaRPr lang="ko-KR" altLang="en-US"/>
           </a:p>
@@ -1825,7 +1826,7 @@
           <a:p>
             <a:fld id="{15CC93D1-B3EB-4BCA-A7D4-541A6BC115A5}" type="datetimeFigureOut">
               <a:rPr lang="ko-KR" altLang="en-US" smtClean="0"/>
-              <a:t>2024-06-02</a:t>
+              <a:t>2024-06-05</a:t>
             </a:fld>
             <a:endParaRPr lang="ko-KR" altLang="en-US"/>
           </a:p>
@@ -2102,7 +2103,7 @@
           <a:p>
             <a:fld id="{15CC93D1-B3EB-4BCA-A7D4-541A6BC115A5}" type="datetimeFigureOut">
               <a:rPr lang="ko-KR" altLang="en-US" smtClean="0"/>
-              <a:t>2024-06-02</a:t>
+              <a:t>2024-06-05</a:t>
             </a:fld>
             <a:endParaRPr lang="ko-KR" altLang="en-US"/>
           </a:p>
@@ -2359,7 +2360,7 @@
           <a:p>
             <a:fld id="{15CC93D1-B3EB-4BCA-A7D4-541A6BC115A5}" type="datetimeFigureOut">
               <a:rPr lang="ko-KR" altLang="en-US" smtClean="0"/>
-              <a:t>2024-06-02</a:t>
+              <a:t>2024-06-05</a:t>
             </a:fld>
             <a:endParaRPr lang="ko-KR" altLang="en-US"/>
           </a:p>
@@ -2572,7 +2573,7 @@
           <a:p>
             <a:fld id="{15CC93D1-B3EB-4BCA-A7D4-541A6BC115A5}" type="datetimeFigureOut">
               <a:rPr lang="ko-KR" altLang="en-US" smtClean="0"/>
-              <a:t>2024-06-02</a:t>
+              <a:t>2024-06-05</a:t>
             </a:fld>
             <a:endParaRPr lang="ko-KR" altLang="en-US"/>
           </a:p>
@@ -5471,7 +5472,7 @@
         </p:nvSpPr>
         <p:spPr>
           <a:xfrm>
-            <a:off x="538310" y="6556741"/>
+            <a:off x="9856948" y="9119185"/>
             <a:ext cx="8162606" cy="6112247"/>
           </a:xfrm>
           <a:prstGeom prst="rect">
@@ -5526,7 +5527,7 @@
         </p:nvSpPr>
         <p:spPr>
           <a:xfrm>
-            <a:off x="5725053" y="13762259"/>
+            <a:off x="530960" y="9016970"/>
             <a:ext cx="8162606" cy="6112247"/>
           </a:xfrm>
           <a:prstGeom prst="rect">
@@ -5581,7 +5582,7 @@
         </p:nvSpPr>
         <p:spPr>
           <a:xfrm>
-            <a:off x="14853851" y="13649833"/>
+            <a:off x="18959741" y="9080554"/>
             <a:ext cx="8162606" cy="6112247"/>
           </a:xfrm>
           <a:prstGeom prst="rect">
@@ -5636,7 +5637,7 @@
         </p:nvSpPr>
         <p:spPr>
           <a:xfrm>
-            <a:off x="9644049" y="6493574"/>
+            <a:off x="3803643" y="24648465"/>
             <a:ext cx="8162606" cy="6112247"/>
           </a:xfrm>
           <a:prstGeom prst="rect">
@@ -5691,7 +5692,7 @@
         </p:nvSpPr>
         <p:spPr>
           <a:xfrm>
-            <a:off x="18749788" y="6556740"/>
+            <a:off x="15392526" y="24524334"/>
             <a:ext cx="8162606" cy="6112247"/>
           </a:xfrm>
           <a:prstGeom prst="rect">
@@ -5746,8 +5747,8 @@
         </p:nvSpPr>
         <p:spPr>
           <a:xfrm>
-            <a:off x="8628444" y="3785542"/>
-            <a:ext cx="10193816" cy="2400657"/>
+            <a:off x="7789675" y="4762070"/>
+            <a:ext cx="12195967" cy="2862322"/>
           </a:xfrm>
           <a:prstGeom prst="rect">
             <a:avLst/>
@@ -5761,7 +5762,7 @@
           <a:lstStyle/>
           <a:p>
             <a:r>
-              <a:rPr lang="ko-KR" altLang="en-US" sz="15000" dirty="0"/>
+              <a:rPr lang="ko-KR" altLang="en-US" sz="18000" dirty="0"/>
               <a:t>직업 아이템</a:t>
             </a:r>
           </a:p>
@@ -5881,8 +5882,8 @@
         </p:nvSpPr>
         <p:spPr>
           <a:xfrm>
-            <a:off x="18717657" y="20963670"/>
-            <a:ext cx="6867586" cy="1785104"/>
+            <a:off x="17611420" y="41490552"/>
+            <a:ext cx="9297738" cy="2400657"/>
           </a:xfrm>
           <a:prstGeom prst="rect">
             <a:avLst/>
@@ -5896,15 +5897,15 @@
           <a:lstStyle/>
           <a:p>
             <a:r>
-              <a:rPr lang="ko-KR" altLang="en-US" sz="11000" dirty="0"/>
+              <a:rPr lang="ko-KR" altLang="en-US" sz="15000" dirty="0"/>
               <a:t>개당 </a:t>
             </a:r>
             <a:r>
-              <a:rPr lang="en-US" altLang="ko-KR" sz="11000" dirty="0"/>
+              <a:rPr lang="en-US" altLang="ko-KR" sz="15000" dirty="0"/>
               <a:t>3</a:t>
             </a:r>
             <a:r>
-              <a:rPr lang="ko-KR" altLang="en-US" sz="11000" dirty="0"/>
+              <a:rPr lang="ko-KR" altLang="en-US" sz="15000" dirty="0"/>
               <a:t>만원</a:t>
             </a:r>
           </a:p>
@@ -5912,147 +5913,6 @@
       </p:sp>
       <p:sp>
         <p:nvSpPr>
-          <p:cNvPr id="15" name="TextBox 14">
-            <a:extLst>
-              <a:ext uri="{FF2B5EF4-FFF2-40B4-BE49-F238E27FC236}">
-                <a16:creationId xmlns:a16="http://schemas.microsoft.com/office/drawing/2014/main" id="{90D8E973-FBD6-A558-393E-57EAB34BCADC}"/>
-              </a:ext>
-            </a:extLst>
-          </p:cNvPr>
-          <p:cNvSpPr txBox="1"/>
-          <p:nvPr/>
-        </p:nvSpPr>
-        <p:spPr>
-          <a:xfrm>
-            <a:off x="9948119" y="24019793"/>
-            <a:ext cx="7879080" cy="2400657"/>
-          </a:xfrm>
-          <a:prstGeom prst="rect">
-            <a:avLst/>
-          </a:prstGeom>
-          <a:noFill/>
-        </p:spPr>
-        <p:txBody>
-          <a:bodyPr wrap="none" rtlCol="0">
-            <a:spAutoFit/>
-          </a:bodyPr>
-          <a:lstStyle/>
-          <a:p>
-            <a:r>
-              <a:rPr lang="ko-KR" altLang="en-US" sz="15000" dirty="0"/>
-              <a:t>랜덤박스</a:t>
-            </a:r>
-          </a:p>
-        </p:txBody>
-      </p:sp>
-      <p:pic>
-        <p:nvPicPr>
-          <p:cNvPr id="25" name="Picture 2" descr="로켓 리그에서 랜덤박스 없애고 대안 제시한다! : 네이버 블로그">
-            <a:extLst>
-              <a:ext uri="{FF2B5EF4-FFF2-40B4-BE49-F238E27FC236}">
-                <a16:creationId xmlns:a16="http://schemas.microsoft.com/office/drawing/2014/main" id="{47081724-DB38-889A-AC5A-A66A9CA90377}"/>
-              </a:ext>
-            </a:extLst>
-          </p:cNvPr>
-          <p:cNvPicPr>
-            <a:picLocks noChangeAspect="1" noChangeArrowheads="1"/>
-          </p:cNvPicPr>
-          <p:nvPr/>
-        </p:nvPicPr>
-        <p:blipFill rotWithShape="1">
-          <a:blip r:embed="rId6">
-            <a:extLst>
-              <a:ext uri="{28A0092B-C50C-407E-A947-70E740481C1C}">
-                <a14:useLocalDpi xmlns:a14="http://schemas.microsoft.com/office/drawing/2010/main" val="0"/>
-              </a:ext>
-            </a:extLst>
-          </a:blip>
-          <a:srcRect l="36324" t="22318" r="35547" b="20151"/>
-          <a:stretch/>
-        </p:blipFill>
-        <p:spPr bwMode="auto">
-          <a:xfrm>
-            <a:off x="-10674" y="26657208"/>
-            <a:ext cx="8162606" cy="9328023"/>
-          </a:xfrm>
-          <a:prstGeom prst="rect">
-            <a:avLst/>
-          </a:prstGeom>
-          <a:noFill/>
-          <a:extLst>
-            <a:ext uri="{909E8E84-426E-40DD-AFC4-6F175D3DCCD1}">
-              <a14:hiddenFill xmlns:a14="http://schemas.microsoft.com/office/drawing/2010/main">
-                <a:solidFill>
-                  <a:srgbClr val="FFFFFF"/>
-                </a:solidFill>
-              </a14:hiddenFill>
-            </a:ext>
-          </a:extLst>
-        </p:spPr>
-      </p:pic>
-      <p:sp>
-        <p:nvSpPr>
-          <p:cNvPr id="27" name="TextBox 26">
-            <a:extLst>
-              <a:ext uri="{FF2B5EF4-FFF2-40B4-BE49-F238E27FC236}">
-                <a16:creationId xmlns:a16="http://schemas.microsoft.com/office/drawing/2014/main" id="{BBBDA6E0-0AC2-8EAB-C534-8147263047B8}"/>
-              </a:ext>
-            </a:extLst>
-          </p:cNvPr>
-          <p:cNvSpPr txBox="1"/>
-          <p:nvPr/>
-        </p:nvSpPr>
-        <p:spPr>
-          <a:xfrm>
-            <a:off x="9166350" y="28803940"/>
-            <a:ext cx="27700213" cy="6093976"/>
-          </a:xfrm>
-          <a:prstGeom prst="rect">
-            <a:avLst/>
-          </a:prstGeom>
-          <a:noFill/>
-        </p:spPr>
-        <p:txBody>
-          <a:bodyPr wrap="square" rtlCol="0">
-            <a:spAutoFit/>
-          </a:bodyPr>
-          <a:lstStyle/>
-          <a:p>
-            <a:r>
-              <a:rPr lang="ko-KR" altLang="en-US" sz="13000" dirty="0"/>
-              <a:t>구매 시 무작위의 버프를 </a:t>
-            </a:r>
-            <a:endParaRPr lang="en-US" altLang="ko-KR" sz="13000" dirty="0"/>
-          </a:p>
-          <a:p>
-            <a:r>
-              <a:rPr lang="ko-KR" altLang="en-US" sz="13000" dirty="0"/>
-              <a:t>획득한다</a:t>
-            </a:r>
-            <a:r>
-              <a:rPr lang="en-US" altLang="ko-KR" sz="13000" dirty="0"/>
-              <a:t>  </a:t>
-            </a:r>
-          </a:p>
-          <a:p>
-            <a:r>
-              <a:rPr lang="ko-KR" altLang="en-US" sz="13000" dirty="0"/>
-              <a:t>가격</a:t>
-            </a:r>
-            <a:r>
-              <a:rPr lang="en-US" altLang="ko-KR" sz="13000" dirty="0"/>
-              <a:t>: 4</a:t>
-            </a:r>
-            <a:r>
-              <a:rPr lang="ko-KR" altLang="en-US" sz="13000" dirty="0"/>
-              <a:t>만원 </a:t>
-            </a:r>
-            <a:endParaRPr lang="en-US" altLang="ko-KR" sz="13000" dirty="0"/>
-          </a:p>
-        </p:txBody>
-      </p:sp>
-      <p:sp>
-        <p:nvSpPr>
           <p:cNvPr id="28" name="직사각형 27">
             <a:extLst>
               <a:ext uri="{FF2B5EF4-FFF2-40B4-BE49-F238E27FC236}">
@@ -6065,8 +5925,8 @@
         </p:nvSpPr>
         <p:spPr>
           <a:xfrm>
-            <a:off x="12383112" y="35587618"/>
-            <a:ext cx="11182291" cy="4651886"/>
+            <a:off x="865965" y="16639325"/>
+            <a:ext cx="7492596" cy="2544580"/>
           </a:xfrm>
           <a:prstGeom prst="rect">
             <a:avLst/>
@@ -6109,10 +5969,10 @@
       </p:sp>
       <p:sp>
         <p:nvSpPr>
-          <p:cNvPr id="34" name="직사각형 33">
-            <a:extLst>
-              <a:ext uri="{FF2B5EF4-FFF2-40B4-BE49-F238E27FC236}">
-                <a16:creationId xmlns:a16="http://schemas.microsoft.com/office/drawing/2014/main" id="{5694A5DE-3035-8925-DDDB-F34B18CAA3B4}"/>
+          <p:cNvPr id="12" name="직사각형 11">
+            <a:extLst>
+              <a:ext uri="{FF2B5EF4-FFF2-40B4-BE49-F238E27FC236}">
+                <a16:creationId xmlns:a16="http://schemas.microsoft.com/office/drawing/2014/main" id="{EADB4592-3B0B-CE3C-DE76-4FF0A56F3448}"/>
               </a:ext>
             </a:extLst>
           </p:cNvPr>
@@ -6121,8 +5981,8 @@
         </p:nvSpPr>
         <p:spPr>
           <a:xfrm>
-            <a:off x="955541" y="36880782"/>
-            <a:ext cx="6063816" cy="2171283"/>
+            <a:off x="10292012" y="16639325"/>
+            <a:ext cx="7492596" cy="2544580"/>
           </a:xfrm>
           <a:prstGeom prst="rect">
             <a:avLst/>
@@ -6130,13 +5990,13 @@
         </p:spPr>
         <p:style>
           <a:lnRef idx="2">
-            <a:schemeClr val="accent6"/>
+            <a:schemeClr val="dk1"/>
           </a:lnRef>
           <a:fillRef idx="1">
             <a:schemeClr val="lt1"/>
           </a:fillRef>
           <a:effectRef idx="0">
-            <a:schemeClr val="accent6"/>
+            <a:schemeClr val="dk1"/>
           </a:effectRef>
           <a:fontRef idx="minor">
             <a:schemeClr val="dk1"/>
@@ -6148,8 +6008,180 @@
           <a:p>
             <a:pPr algn="ctr"/>
             <a:r>
-              <a:rPr lang="ko-KR" altLang="en-US" sz="12000" dirty="0" err="1"/>
-              <a:t>확률표</a:t>
+              <a:rPr lang="ko-KR" altLang="en-US" sz="12000" dirty="0"/>
+              <a:t>구매하기</a:t>
+            </a:r>
+            <a:r>
+              <a:rPr lang="ko-KR" altLang="en-US" sz="10000" dirty="0"/>
+              <a:t> </a:t>
+            </a:r>
+            <a:r>
+              <a:rPr lang="en-US" altLang="ko-KR" dirty="0"/>
+              <a:t>111</a:t>
+            </a:r>
+            <a:endParaRPr lang="ko-KR" altLang="en-US" dirty="0"/>
+          </a:p>
+        </p:txBody>
+      </p:sp>
+      <p:sp>
+        <p:nvSpPr>
+          <p:cNvPr id="13" name="직사각형 12">
+            <a:extLst>
+              <a:ext uri="{FF2B5EF4-FFF2-40B4-BE49-F238E27FC236}">
+                <a16:creationId xmlns:a16="http://schemas.microsoft.com/office/drawing/2014/main" id="{27EFDC7F-15CE-D86E-4F60-4C5DE8B43E0E}"/>
+              </a:ext>
+            </a:extLst>
+          </p:cNvPr>
+          <p:cNvSpPr/>
+          <p:nvPr/>
+        </p:nvSpPr>
+        <p:spPr>
+          <a:xfrm>
+            <a:off x="19416562" y="16552769"/>
+            <a:ext cx="7492596" cy="2544580"/>
+          </a:xfrm>
+          <a:prstGeom prst="rect">
+            <a:avLst/>
+          </a:prstGeom>
+        </p:spPr>
+        <p:style>
+          <a:lnRef idx="2">
+            <a:schemeClr val="dk1"/>
+          </a:lnRef>
+          <a:fillRef idx="1">
+            <a:schemeClr val="lt1"/>
+          </a:fillRef>
+          <a:effectRef idx="0">
+            <a:schemeClr val="dk1"/>
+          </a:effectRef>
+          <a:fontRef idx="minor">
+            <a:schemeClr val="dk1"/>
+          </a:fontRef>
+        </p:style>
+        <p:txBody>
+          <a:bodyPr rtlCol="0" anchor="ctr"/>
+          <a:lstStyle/>
+          <a:p>
+            <a:pPr algn="ctr"/>
+            <a:r>
+              <a:rPr lang="ko-KR" altLang="en-US" sz="12000" dirty="0"/>
+              <a:t>구매하기</a:t>
+            </a:r>
+            <a:r>
+              <a:rPr lang="ko-KR" altLang="en-US" sz="10000" dirty="0"/>
+              <a:t> </a:t>
+            </a:r>
+            <a:r>
+              <a:rPr lang="en-US" altLang="ko-KR" dirty="0"/>
+              <a:t>111</a:t>
+            </a:r>
+            <a:endParaRPr lang="ko-KR" altLang="en-US" dirty="0"/>
+          </a:p>
+        </p:txBody>
+      </p:sp>
+      <p:sp>
+        <p:nvSpPr>
+          <p:cNvPr id="16" name="직사각형 15">
+            <a:extLst>
+              <a:ext uri="{FF2B5EF4-FFF2-40B4-BE49-F238E27FC236}">
+                <a16:creationId xmlns:a16="http://schemas.microsoft.com/office/drawing/2014/main" id="{C1335FB4-F1A9-5AB6-3678-3182F2C8E41D}"/>
+              </a:ext>
+            </a:extLst>
+          </p:cNvPr>
+          <p:cNvSpPr/>
+          <p:nvPr/>
+        </p:nvSpPr>
+        <p:spPr>
+          <a:xfrm>
+            <a:off x="4243317" y="31747236"/>
+            <a:ext cx="7492596" cy="2544580"/>
+          </a:xfrm>
+          <a:prstGeom prst="rect">
+            <a:avLst/>
+          </a:prstGeom>
+        </p:spPr>
+        <p:style>
+          <a:lnRef idx="2">
+            <a:schemeClr val="dk1"/>
+          </a:lnRef>
+          <a:fillRef idx="1">
+            <a:schemeClr val="lt1"/>
+          </a:fillRef>
+          <a:effectRef idx="0">
+            <a:schemeClr val="dk1"/>
+          </a:effectRef>
+          <a:fontRef idx="minor">
+            <a:schemeClr val="dk1"/>
+          </a:fontRef>
+        </p:style>
+        <p:txBody>
+          <a:bodyPr rtlCol="0" anchor="ctr"/>
+          <a:lstStyle/>
+          <a:p>
+            <a:pPr algn="ctr"/>
+            <a:r>
+              <a:rPr lang="ko-KR" altLang="en-US" sz="12000" dirty="0"/>
+              <a:t>구매하기</a:t>
+            </a:r>
+            <a:r>
+              <a:rPr lang="ko-KR" altLang="en-US" sz="10000" dirty="0"/>
+              <a:t> </a:t>
+            </a:r>
+            <a:r>
+              <a:rPr lang="en-US" altLang="ko-KR" dirty="0"/>
+              <a:t>111</a:t>
+            </a:r>
+            <a:endParaRPr lang="ko-KR" altLang="en-US" dirty="0"/>
+          </a:p>
+        </p:txBody>
+      </p:sp>
+      <p:sp>
+        <p:nvSpPr>
+          <p:cNvPr id="22" name="직사각형 21">
+            <a:extLst>
+              <a:ext uri="{FF2B5EF4-FFF2-40B4-BE49-F238E27FC236}">
+                <a16:creationId xmlns:a16="http://schemas.microsoft.com/office/drawing/2014/main" id="{4DB57344-F0ED-7FE1-E6D6-533C2455365B}"/>
+              </a:ext>
+            </a:extLst>
+          </p:cNvPr>
+          <p:cNvSpPr/>
+          <p:nvPr/>
+        </p:nvSpPr>
+        <p:spPr>
+          <a:xfrm>
+            <a:off x="15599191" y="31694646"/>
+            <a:ext cx="7492596" cy="2544580"/>
+          </a:xfrm>
+          <a:prstGeom prst="rect">
+            <a:avLst/>
+          </a:prstGeom>
+        </p:spPr>
+        <p:style>
+          <a:lnRef idx="2">
+            <a:schemeClr val="dk1"/>
+          </a:lnRef>
+          <a:fillRef idx="1">
+            <a:schemeClr val="lt1"/>
+          </a:fillRef>
+          <a:effectRef idx="0">
+            <a:schemeClr val="dk1"/>
+          </a:effectRef>
+          <a:fontRef idx="minor">
+            <a:schemeClr val="dk1"/>
+          </a:fontRef>
+        </p:style>
+        <p:txBody>
+          <a:bodyPr rtlCol="0" anchor="ctr"/>
+          <a:lstStyle/>
+          <a:p>
+            <a:pPr algn="ctr"/>
+            <a:r>
+              <a:rPr lang="ko-KR" altLang="en-US" sz="12000" dirty="0"/>
+              <a:t>구매하기</a:t>
+            </a:r>
+            <a:r>
+              <a:rPr lang="ko-KR" altLang="en-US" sz="10000" dirty="0"/>
+              <a:t> </a:t>
             </a:r>
             <a:r>
               <a:rPr lang="en-US" altLang="ko-KR" dirty="0"/>
@@ -6162,7 +6194,7 @@
     </p:spTree>
     <p:extLst>
       <p:ext uri="{BB962C8B-B14F-4D97-AF65-F5344CB8AC3E}">
-        <p14:creationId xmlns:p14="http://schemas.microsoft.com/office/powerpoint/2010/main" val="2580161144"/>
+        <p14:creationId xmlns:p14="http://schemas.microsoft.com/office/powerpoint/2010/main" val="429931140"/>
       </p:ext>
     </p:extLst>
   </p:cSld>
@@ -6339,8 +6371,8 @@
         </p:nvSpPr>
         <p:spPr>
           <a:xfrm>
-            <a:off x="-261460" y="-211015"/>
-            <a:ext cx="10118408" cy="3305908"/>
+            <a:off x="-261461" y="-211015"/>
+            <a:ext cx="17353705" cy="3305908"/>
           </a:xfrm>
           <a:prstGeom prst="rect">
             <a:avLst/>
@@ -6367,7 +6399,7 @@
             <a:pPr algn="ctr"/>
             <a:r>
               <a:rPr lang="en-US" altLang="ko-KR" sz="10000" dirty="0"/>
-              <a:t>2009</a:t>
+              <a:t>2031</a:t>
             </a:r>
             <a:r>
               <a:rPr lang="ko-KR" altLang="en-US" sz="10000" dirty="0"/>
@@ -6375,7 +6407,7 @@
             </a:r>
             <a:r>
               <a:rPr lang="en-US" altLang="ko-KR" sz="10000" dirty="0"/>
-              <a:t>3</a:t>
+              <a:t>1</a:t>
             </a:r>
             <a:r>
               <a:rPr lang="ko-KR" altLang="en-US" sz="10000" dirty="0"/>
@@ -6387,10 +6419,10 @@
       </p:sp>
       <p:pic>
         <p:nvPicPr>
-          <p:cNvPr id="1026" name="Picture 2" descr="달력 날짜 이미지 - Freepik에서 무료 다운로드">
-            <a:extLst>
-              <a:ext uri="{FF2B5EF4-FFF2-40B4-BE49-F238E27FC236}">
-                <a16:creationId xmlns:a16="http://schemas.microsoft.com/office/drawing/2014/main" id="{BA5A8500-5552-7CC0-0BFF-C6B89750166E}"/>
+          <p:cNvPr id="1028" name="Picture 4" descr="아기 일러스트 PNG, AI 무료 다운로드 (2023년) - 리틀딥">
+            <a:extLst>
+              <a:ext uri="{FF2B5EF4-FFF2-40B4-BE49-F238E27FC236}">
+                <a16:creationId xmlns:a16="http://schemas.microsoft.com/office/drawing/2014/main" id="{517A7BD6-564D-86D0-E7AE-DF5B10712C80}"/>
               </a:ext>
             </a:extLst>
           </p:cNvPr>
@@ -6414,8 +6446,8 @@
         </p:blipFill>
         <p:spPr bwMode="auto">
           <a:xfrm>
-            <a:off x="11350002" y="0"/>
-            <a:ext cx="4249189" cy="3478167"/>
+            <a:off x="8126931" y="4589811"/>
+            <a:ext cx="10695329" cy="10695329"/>
           </a:xfrm>
           <a:prstGeom prst="rect">
             <a:avLst/>
@@ -6434,10 +6466,10 @@
       </p:pic>
       <p:pic>
         <p:nvPicPr>
-          <p:cNvPr id="1028" name="Picture 4" descr="아기 일러스트 PNG, AI 무료 다운로드 (2023년) - 리틀딥">
-            <a:extLst>
-              <a:ext uri="{FF2B5EF4-FFF2-40B4-BE49-F238E27FC236}">
-                <a16:creationId xmlns:a16="http://schemas.microsoft.com/office/drawing/2014/main" id="{517A7BD6-564D-86D0-E7AE-DF5B10712C80}"/>
+          <p:cNvPr id="11" name="Picture 2" descr="상점 로고 아이콘 일러스트 ai 무료 다운로드 - 로고요고">
+            <a:extLst>
+              <a:ext uri="{FF2B5EF4-FFF2-40B4-BE49-F238E27FC236}">
+                <a16:creationId xmlns:a16="http://schemas.microsoft.com/office/drawing/2014/main" id="{8B6E9BA7-CDB0-895F-C7B2-55133CD3777E}"/>
               </a:ext>
             </a:extLst>
           </p:cNvPr>
@@ -6446,7 +6478,7 @@
           </p:cNvPicPr>
           <p:nvPr/>
         </p:nvPicPr>
-        <p:blipFill>
+        <p:blipFill rotWithShape="1">
           <a:blip r:embed="rId4">
             <a:extLst>
               <a:ext uri="{28A0092B-C50C-407E-A947-70E740481C1C}">
@@ -6454,15 +6486,13 @@
               </a:ext>
             </a:extLst>
           </a:blip>
-          <a:srcRect/>
-          <a:stretch>
-            <a:fillRect/>
-          </a:stretch>
+          <a:srcRect l="31881" t="35272" r="28533" b="31773"/>
+          <a:stretch/>
         </p:blipFill>
         <p:spPr bwMode="auto">
           <a:xfrm>
-            <a:off x="8126931" y="4589811"/>
-            <a:ext cx="10695329" cy="10695329"/>
+            <a:off x="955541" y="18065902"/>
+            <a:ext cx="5696204" cy="5024865"/>
           </a:xfrm>
           <a:prstGeom prst="rect">
             <a:avLst/>
@@ -6479,12 +6509,57 @@
           </a:extLst>
         </p:spPr>
       </p:pic>
+      <p:sp>
+        <p:nvSpPr>
+          <p:cNvPr id="3" name="직사각형 2">
+            <a:extLst>
+              <a:ext uri="{FF2B5EF4-FFF2-40B4-BE49-F238E27FC236}">
+                <a16:creationId xmlns:a16="http://schemas.microsoft.com/office/drawing/2014/main" id="{AD4BA90B-01B0-136A-1390-7D32266881D9}"/>
+              </a:ext>
+            </a:extLst>
+          </p:cNvPr>
+          <p:cNvSpPr/>
+          <p:nvPr/>
+        </p:nvSpPr>
+        <p:spPr>
+          <a:xfrm>
+            <a:off x="-261459" y="3094893"/>
+            <a:ext cx="27472113" cy="36442498"/>
+          </a:xfrm>
+          <a:prstGeom prst="rect">
+            <a:avLst/>
+          </a:prstGeom>
+          <a:ln/>
+        </p:spPr>
+        <p:style>
+          <a:lnRef idx="0">
+            <a:schemeClr val="accent1"/>
+          </a:lnRef>
+          <a:fillRef idx="3">
+            <a:schemeClr val="accent1"/>
+          </a:fillRef>
+          <a:effectRef idx="3">
+            <a:schemeClr val="accent1"/>
+          </a:effectRef>
+          <a:fontRef idx="minor">
+            <a:schemeClr val="lt1"/>
+          </a:fontRef>
+        </p:style>
+        <p:txBody>
+          <a:bodyPr rtlCol="0" anchor="ctr"/>
+          <a:lstStyle/>
+          <a:p>
+            <a:pPr algn="ctr"/>
+            <a:endParaRPr lang="ko-KR" altLang="en-US" dirty="0"/>
+          </a:p>
+        </p:txBody>
+      </p:sp>
       <p:pic>
         <p:nvPicPr>
-          <p:cNvPr id="11" name="Picture 2" descr="상점 로고 아이콘 일러스트 ai 무료 다운로드 - 로고요고">
-            <a:extLst>
-              <a:ext uri="{FF2B5EF4-FFF2-40B4-BE49-F238E27FC236}">
-                <a16:creationId xmlns:a16="http://schemas.microsoft.com/office/drawing/2014/main" id="{8B6E9BA7-CDB0-895F-C7B2-55133CD3777E}"/>
+          <p:cNvPr id="4098" name="Picture 2" descr="환자는 의사에게 어떤 질문을 해야할까? : 네이버 포스트">
+            <a:extLst>
+              <a:ext uri="{FF2B5EF4-FFF2-40B4-BE49-F238E27FC236}">
+                <a16:creationId xmlns:a16="http://schemas.microsoft.com/office/drawing/2014/main" id="{51DFB3C9-3706-D10A-138D-E8BC3C487276}"/>
               </a:ext>
             </a:extLst>
           </p:cNvPr>
@@ -6493,7 +6568,7 @@
           </p:cNvPicPr>
           <p:nvPr/>
         </p:nvPicPr>
-        <p:blipFill rotWithShape="1">
+        <p:blipFill>
           <a:blip r:embed="rId5">
             <a:extLst>
               <a:ext uri="{28A0092B-C50C-407E-A947-70E740481C1C}">
@@ -6501,13 +6576,15 @@
               </a:ext>
             </a:extLst>
           </a:blip>
-          <a:srcRect l="31881" t="35272" r="28533" b="31773"/>
-          <a:stretch/>
+          <a:srcRect/>
+          <a:stretch>
+            <a:fillRect/>
+          </a:stretch>
         </p:blipFill>
         <p:spPr bwMode="auto">
           <a:xfrm>
-            <a:off x="955541" y="18065902"/>
-            <a:ext cx="5696204" cy="5024865"/>
+            <a:off x="2817463" y="4417552"/>
+            <a:ext cx="21314263" cy="14762101"/>
           </a:xfrm>
           <a:prstGeom prst="rect">
             <a:avLst/>
@@ -6529,7 +6606,7 @@
           <p:cNvPr id="7" name="직사각형 6">
             <a:extLst>
               <a:ext uri="{FF2B5EF4-FFF2-40B4-BE49-F238E27FC236}">
-                <a16:creationId xmlns:a16="http://schemas.microsoft.com/office/drawing/2014/main" id="{4F3E6146-7BF7-4790-81B4-E7AFDF72F1A0}"/>
+                <a16:creationId xmlns:a16="http://schemas.microsoft.com/office/drawing/2014/main" id="{0099AB3F-F63D-77A1-DC4A-4FDFB0CD9B6C}"/>
               </a:ext>
             </a:extLst>
           </p:cNvPr>
@@ -6538,362 +6615,8 @@
         </p:nvSpPr>
         <p:spPr>
           <a:xfrm>
-            <a:off x="538310" y="6556741"/>
-            <a:ext cx="8162606" cy="6112247"/>
-          </a:xfrm>
-          <a:prstGeom prst="rect">
-            <a:avLst/>
-          </a:prstGeom>
-        </p:spPr>
-        <p:style>
-          <a:lnRef idx="1">
-            <a:schemeClr val="accent4"/>
-          </a:lnRef>
-          <a:fillRef idx="2">
-            <a:schemeClr val="accent4"/>
-          </a:fillRef>
-          <a:effectRef idx="1">
-            <a:schemeClr val="accent4"/>
-          </a:effectRef>
-          <a:fontRef idx="minor">
-            <a:schemeClr val="dk1"/>
-          </a:fontRef>
-        </p:style>
-        <p:txBody>
-          <a:bodyPr rtlCol="0" anchor="ctr"/>
-          <a:lstStyle/>
-          <a:p>
-            <a:pPr algn="ctr"/>
-            <a:r>
-              <a:rPr lang="ko-KR" altLang="en-US" sz="10000" dirty="0"/>
-              <a:t>운동선수</a:t>
-            </a:r>
-            <a:endParaRPr lang="en-US" altLang="ko-KR" sz="10000" dirty="0"/>
-          </a:p>
-          <a:p>
-            <a:pPr algn="ctr"/>
-            <a:r>
-              <a:rPr lang="ko-KR" altLang="en-US" sz="10000" dirty="0"/>
-              <a:t>아이템</a:t>
-            </a:r>
-          </a:p>
-        </p:txBody>
-      </p:sp>
-      <p:sp>
-        <p:nvSpPr>
-          <p:cNvPr id="17" name="직사각형 16">
-            <a:extLst>
-              <a:ext uri="{FF2B5EF4-FFF2-40B4-BE49-F238E27FC236}">
-                <a16:creationId xmlns:a16="http://schemas.microsoft.com/office/drawing/2014/main" id="{8E4136FC-454E-1C2C-7BA8-5F291BD64E13}"/>
-              </a:ext>
-            </a:extLst>
-          </p:cNvPr>
-          <p:cNvSpPr/>
-          <p:nvPr/>
-        </p:nvSpPr>
-        <p:spPr>
-          <a:xfrm>
-            <a:off x="5725053" y="13762259"/>
-            <a:ext cx="8162606" cy="6112247"/>
-          </a:xfrm>
-          <a:prstGeom prst="rect">
-            <a:avLst/>
-          </a:prstGeom>
-        </p:spPr>
-        <p:style>
-          <a:lnRef idx="1">
-            <a:schemeClr val="accent4"/>
-          </a:lnRef>
-          <a:fillRef idx="2">
-            <a:schemeClr val="accent4"/>
-          </a:fillRef>
-          <a:effectRef idx="1">
-            <a:schemeClr val="accent4"/>
-          </a:effectRef>
-          <a:fontRef idx="minor">
-            <a:schemeClr val="dk1"/>
-          </a:fontRef>
-        </p:style>
-        <p:txBody>
-          <a:bodyPr rtlCol="0" anchor="ctr"/>
-          <a:lstStyle/>
-          <a:p>
-            <a:pPr algn="ctr"/>
-            <a:r>
-              <a:rPr lang="ko-KR" altLang="en-US" sz="10000" dirty="0"/>
-              <a:t>경찰</a:t>
-            </a:r>
-            <a:endParaRPr lang="en-US" altLang="ko-KR" sz="10000" dirty="0"/>
-          </a:p>
-          <a:p>
-            <a:pPr algn="ctr"/>
-            <a:r>
-              <a:rPr lang="ko-KR" altLang="en-US" sz="10000" dirty="0"/>
-              <a:t>아이템</a:t>
-            </a:r>
-          </a:p>
-        </p:txBody>
-      </p:sp>
-      <p:sp>
-        <p:nvSpPr>
-          <p:cNvPr id="18" name="직사각형 17">
-            <a:extLst>
-              <a:ext uri="{FF2B5EF4-FFF2-40B4-BE49-F238E27FC236}">
-                <a16:creationId xmlns:a16="http://schemas.microsoft.com/office/drawing/2014/main" id="{43241D98-5944-585F-0306-6FA10B5673DA}"/>
-              </a:ext>
-            </a:extLst>
-          </p:cNvPr>
-          <p:cNvSpPr/>
-          <p:nvPr/>
-        </p:nvSpPr>
-        <p:spPr>
-          <a:xfrm>
-            <a:off x="14853851" y="13649833"/>
-            <a:ext cx="8162606" cy="6112247"/>
-          </a:xfrm>
-          <a:prstGeom prst="rect">
-            <a:avLst/>
-          </a:prstGeom>
-        </p:spPr>
-        <p:style>
-          <a:lnRef idx="1">
-            <a:schemeClr val="accent4"/>
-          </a:lnRef>
-          <a:fillRef idx="2">
-            <a:schemeClr val="accent4"/>
-          </a:fillRef>
-          <a:effectRef idx="1">
-            <a:schemeClr val="accent4"/>
-          </a:effectRef>
-          <a:fontRef idx="minor">
-            <a:schemeClr val="dk1"/>
-          </a:fontRef>
-        </p:style>
-        <p:txBody>
-          <a:bodyPr rtlCol="0" anchor="ctr"/>
-          <a:lstStyle/>
-          <a:p>
-            <a:pPr algn="ctr"/>
-            <a:r>
-              <a:rPr lang="ko-KR" altLang="en-US" sz="10000" dirty="0"/>
-              <a:t>의사</a:t>
-            </a:r>
-            <a:endParaRPr lang="en-US" altLang="ko-KR" sz="10000" dirty="0"/>
-          </a:p>
-          <a:p>
-            <a:pPr algn="ctr"/>
-            <a:r>
-              <a:rPr lang="ko-KR" altLang="en-US" sz="10000" dirty="0"/>
-              <a:t>아이템</a:t>
-            </a:r>
-          </a:p>
-        </p:txBody>
-      </p:sp>
-      <p:sp>
-        <p:nvSpPr>
-          <p:cNvPr id="19" name="직사각형 18">
-            <a:extLst>
-              <a:ext uri="{FF2B5EF4-FFF2-40B4-BE49-F238E27FC236}">
-                <a16:creationId xmlns:a16="http://schemas.microsoft.com/office/drawing/2014/main" id="{AD8BFB98-78B3-B693-2F40-D2B8D3BAF2FF}"/>
-              </a:ext>
-            </a:extLst>
-          </p:cNvPr>
-          <p:cNvSpPr/>
-          <p:nvPr/>
-        </p:nvSpPr>
-        <p:spPr>
-          <a:xfrm>
-            <a:off x="9644049" y="6493574"/>
-            <a:ext cx="8162606" cy="6112247"/>
-          </a:xfrm>
-          <a:prstGeom prst="rect">
-            <a:avLst/>
-          </a:prstGeom>
-        </p:spPr>
-        <p:style>
-          <a:lnRef idx="1">
-            <a:schemeClr val="accent4"/>
-          </a:lnRef>
-          <a:fillRef idx="2">
-            <a:schemeClr val="accent4"/>
-          </a:fillRef>
-          <a:effectRef idx="1">
-            <a:schemeClr val="accent4"/>
-          </a:effectRef>
-          <a:fontRef idx="minor">
-            <a:schemeClr val="dk1"/>
-          </a:fontRef>
-        </p:style>
-        <p:txBody>
-          <a:bodyPr rtlCol="0" anchor="ctr"/>
-          <a:lstStyle/>
-          <a:p>
-            <a:pPr algn="ctr"/>
-            <a:r>
-              <a:rPr lang="ko-KR" altLang="en-US" sz="10000" dirty="0"/>
-              <a:t>음악가</a:t>
-            </a:r>
-            <a:endParaRPr lang="en-US" altLang="ko-KR" sz="10000" dirty="0"/>
-          </a:p>
-          <a:p>
-            <a:pPr algn="ctr"/>
-            <a:r>
-              <a:rPr lang="ko-KR" altLang="en-US" sz="10000" dirty="0"/>
-              <a:t>아이템</a:t>
-            </a:r>
-          </a:p>
-        </p:txBody>
-      </p:sp>
-      <p:sp>
-        <p:nvSpPr>
-          <p:cNvPr id="20" name="직사각형 19">
-            <a:extLst>
-              <a:ext uri="{FF2B5EF4-FFF2-40B4-BE49-F238E27FC236}">
-                <a16:creationId xmlns:a16="http://schemas.microsoft.com/office/drawing/2014/main" id="{D0EEABFE-5203-58E3-BBA1-32297C33E201}"/>
-              </a:ext>
-            </a:extLst>
-          </p:cNvPr>
-          <p:cNvSpPr/>
-          <p:nvPr/>
-        </p:nvSpPr>
-        <p:spPr>
-          <a:xfrm>
-            <a:off x="18749788" y="6556740"/>
-            <a:ext cx="8162606" cy="6112247"/>
-          </a:xfrm>
-          <a:prstGeom prst="rect">
-            <a:avLst/>
-          </a:prstGeom>
-        </p:spPr>
-        <p:style>
-          <a:lnRef idx="1">
-            <a:schemeClr val="accent4"/>
-          </a:lnRef>
-          <a:fillRef idx="2">
-            <a:schemeClr val="accent4"/>
-          </a:fillRef>
-          <a:effectRef idx="1">
-            <a:schemeClr val="accent4"/>
-          </a:effectRef>
-          <a:fontRef idx="minor">
-            <a:schemeClr val="dk1"/>
-          </a:fontRef>
-        </p:style>
-        <p:txBody>
-          <a:bodyPr rtlCol="0" anchor="ctr"/>
-          <a:lstStyle/>
-          <a:p>
-            <a:pPr algn="ctr"/>
-            <a:r>
-              <a:rPr lang="ko-KR" altLang="en-US" sz="10000" dirty="0"/>
-              <a:t>요리사</a:t>
-            </a:r>
-            <a:endParaRPr lang="en-US" altLang="ko-KR" sz="10000" dirty="0"/>
-          </a:p>
-          <a:p>
-            <a:pPr algn="ctr"/>
-            <a:r>
-              <a:rPr lang="ko-KR" altLang="en-US" sz="10000" dirty="0"/>
-              <a:t>아이템</a:t>
-            </a:r>
-          </a:p>
-        </p:txBody>
-      </p:sp>
-      <p:sp>
-        <p:nvSpPr>
-          <p:cNvPr id="21" name="TextBox 20">
-            <a:extLst>
-              <a:ext uri="{FF2B5EF4-FFF2-40B4-BE49-F238E27FC236}">
-                <a16:creationId xmlns:a16="http://schemas.microsoft.com/office/drawing/2014/main" id="{41593289-10CA-5E89-46A9-4EF95B83D60B}"/>
-              </a:ext>
-            </a:extLst>
-          </p:cNvPr>
-          <p:cNvSpPr txBox="1"/>
-          <p:nvPr/>
-        </p:nvSpPr>
-        <p:spPr>
-          <a:xfrm>
-            <a:off x="8628444" y="3785542"/>
-            <a:ext cx="10193816" cy="2400657"/>
-          </a:xfrm>
-          <a:prstGeom prst="rect">
-            <a:avLst/>
-          </a:prstGeom>
-          <a:noFill/>
-        </p:spPr>
-        <p:txBody>
-          <a:bodyPr wrap="none" rtlCol="0">
-            <a:spAutoFit/>
-          </a:bodyPr>
-          <a:lstStyle/>
-          <a:p>
-            <a:r>
-              <a:rPr lang="ko-KR" altLang="en-US" sz="15000" dirty="0"/>
-              <a:t>직업 아이템</a:t>
-            </a:r>
-          </a:p>
-        </p:txBody>
-      </p:sp>
-      <p:sp>
-        <p:nvSpPr>
-          <p:cNvPr id="3" name="직사각형 2">
-            <a:extLst>
-              <a:ext uri="{FF2B5EF4-FFF2-40B4-BE49-F238E27FC236}">
-                <a16:creationId xmlns:a16="http://schemas.microsoft.com/office/drawing/2014/main" id="{8A17D64D-4C7C-52ED-83D9-CCCB844C72DA}"/>
-              </a:ext>
-            </a:extLst>
-          </p:cNvPr>
-          <p:cNvSpPr/>
-          <p:nvPr/>
-        </p:nvSpPr>
-        <p:spPr>
-          <a:xfrm>
-            <a:off x="-261459" y="-105507"/>
-            <a:ext cx="27472113" cy="3305908"/>
-          </a:xfrm>
-          <a:prstGeom prst="rect">
-            <a:avLst/>
-          </a:prstGeom>
-        </p:spPr>
-        <p:style>
-          <a:lnRef idx="1">
-            <a:schemeClr val="dk1"/>
-          </a:lnRef>
-          <a:fillRef idx="2">
-            <a:schemeClr val="dk1"/>
-          </a:fillRef>
-          <a:effectRef idx="1">
-            <a:schemeClr val="dk1"/>
-          </a:effectRef>
-          <a:fontRef idx="minor">
-            <a:schemeClr val="dk1"/>
-          </a:fontRef>
-        </p:style>
-        <p:txBody>
-          <a:bodyPr rtlCol="0" anchor="ctr"/>
-          <a:lstStyle/>
-          <a:p>
-            <a:pPr algn="ctr"/>
-            <a:endParaRPr lang="ko-KR" altLang="en-US"/>
-          </a:p>
-        </p:txBody>
-      </p:sp>
-      <p:sp>
-        <p:nvSpPr>
-          <p:cNvPr id="9" name="직사각형 8">
-            <a:extLst>
-              <a:ext uri="{FF2B5EF4-FFF2-40B4-BE49-F238E27FC236}">
-                <a16:creationId xmlns:a16="http://schemas.microsoft.com/office/drawing/2014/main" id="{FD59D6AB-7FBE-2EF4-D627-CD8D3209EDA5}"/>
-              </a:ext>
-            </a:extLst>
-          </p:cNvPr>
-          <p:cNvSpPr/>
-          <p:nvPr/>
-        </p:nvSpPr>
-        <p:spPr>
-          <a:xfrm>
-            <a:off x="8828455" y="-137089"/>
-            <a:ext cx="10118408" cy="3305908"/>
+            <a:off x="7008620" y="20119038"/>
+            <a:ext cx="12931947" cy="3899452"/>
           </a:xfrm>
           <a:prstGeom prst="rect">
             <a:avLst/>
@@ -6919,16 +6642,16 @@
           <a:p>
             <a:pPr algn="ctr"/>
             <a:r>
-              <a:rPr lang="ko-KR" altLang="en-US" sz="10000" dirty="0" err="1"/>
-              <a:t>확률표</a:t>
-            </a:r>
-            <a:r>
               <a:rPr lang="ko-KR" altLang="en-US" sz="10000" dirty="0"/>
-              <a:t> </a:t>
-            </a:r>
-            <a:r>
-              <a:rPr lang="en-US" altLang="ko-KR" dirty="0"/>
-              <a:t>111</a:t>
+              <a:t>당신의 직업은 </a:t>
+            </a:r>
+            <a:endParaRPr lang="en-US" altLang="ko-KR" sz="10000" dirty="0"/>
+          </a:p>
+          <a:p>
+            <a:pPr algn="ctr"/>
+            <a:r>
+              <a:rPr lang="ko-KR" altLang="en-US" sz="10000" dirty="0"/>
+              <a:t>의사</a:t>
             </a:r>
             <a:endParaRPr lang="ko-KR" altLang="en-US" dirty="0"/>
           </a:p>
@@ -6936,194 +6659,10 @@
       </p:sp>
       <p:sp>
         <p:nvSpPr>
-          <p:cNvPr id="14" name="TextBox 13">
-            <a:extLst>
-              <a:ext uri="{FF2B5EF4-FFF2-40B4-BE49-F238E27FC236}">
-                <a16:creationId xmlns:a16="http://schemas.microsoft.com/office/drawing/2014/main" id="{764E4755-C4BC-576B-7318-69693EEBA2EB}"/>
-              </a:ext>
-            </a:extLst>
-          </p:cNvPr>
-          <p:cNvSpPr txBox="1"/>
-          <p:nvPr/>
-        </p:nvSpPr>
-        <p:spPr>
-          <a:xfrm>
-            <a:off x="18717657" y="20963670"/>
-            <a:ext cx="6867586" cy="1785104"/>
-          </a:xfrm>
-          <a:prstGeom prst="rect">
-            <a:avLst/>
-          </a:prstGeom>
-          <a:noFill/>
-        </p:spPr>
-        <p:txBody>
-          <a:bodyPr wrap="none" rtlCol="0">
-            <a:spAutoFit/>
-          </a:bodyPr>
-          <a:lstStyle/>
-          <a:p>
-            <a:r>
-              <a:rPr lang="ko-KR" altLang="en-US" sz="11000" dirty="0"/>
-              <a:t>개당 </a:t>
-            </a:r>
-            <a:r>
-              <a:rPr lang="en-US" altLang="ko-KR" sz="11000" dirty="0"/>
-              <a:t>3</a:t>
-            </a:r>
-            <a:r>
-              <a:rPr lang="ko-KR" altLang="en-US" sz="11000" dirty="0"/>
-              <a:t>만원</a:t>
-            </a:r>
-          </a:p>
-        </p:txBody>
-      </p:sp>
-      <p:sp>
-        <p:nvSpPr>
-          <p:cNvPr id="15" name="TextBox 14">
-            <a:extLst>
-              <a:ext uri="{FF2B5EF4-FFF2-40B4-BE49-F238E27FC236}">
-                <a16:creationId xmlns:a16="http://schemas.microsoft.com/office/drawing/2014/main" id="{90D8E973-FBD6-A558-393E-57EAB34BCADC}"/>
-              </a:ext>
-            </a:extLst>
-          </p:cNvPr>
-          <p:cNvSpPr txBox="1"/>
-          <p:nvPr/>
-        </p:nvSpPr>
-        <p:spPr>
-          <a:xfrm>
-            <a:off x="9948119" y="24019793"/>
-            <a:ext cx="7879080" cy="2400657"/>
-          </a:xfrm>
-          <a:prstGeom prst="rect">
-            <a:avLst/>
-          </a:prstGeom>
-          <a:noFill/>
-        </p:spPr>
-        <p:txBody>
-          <a:bodyPr wrap="none" rtlCol="0">
-            <a:spAutoFit/>
-          </a:bodyPr>
-          <a:lstStyle/>
-          <a:p>
-            <a:r>
-              <a:rPr lang="ko-KR" altLang="en-US" sz="15000" dirty="0"/>
-              <a:t>랜덤박스</a:t>
-            </a:r>
-          </a:p>
-        </p:txBody>
-      </p:sp>
-      <p:pic>
-        <p:nvPicPr>
-          <p:cNvPr id="25" name="Picture 2" descr="로켓 리그에서 랜덤박스 없애고 대안 제시한다! : 네이버 블로그">
-            <a:extLst>
-              <a:ext uri="{FF2B5EF4-FFF2-40B4-BE49-F238E27FC236}">
-                <a16:creationId xmlns:a16="http://schemas.microsoft.com/office/drawing/2014/main" id="{47081724-DB38-889A-AC5A-A66A9CA90377}"/>
-              </a:ext>
-            </a:extLst>
-          </p:cNvPr>
-          <p:cNvPicPr>
-            <a:picLocks noChangeAspect="1" noChangeArrowheads="1"/>
-          </p:cNvPicPr>
-          <p:nvPr/>
-        </p:nvPicPr>
-        <p:blipFill rotWithShape="1">
-          <a:blip r:embed="rId6">
-            <a:extLst>
-              <a:ext uri="{28A0092B-C50C-407E-A947-70E740481C1C}">
-                <a14:useLocalDpi xmlns:a14="http://schemas.microsoft.com/office/drawing/2010/main" val="0"/>
-              </a:ext>
-            </a:extLst>
-          </a:blip>
-          <a:srcRect l="36324" t="22318" r="35547" b="20151"/>
-          <a:stretch/>
-        </p:blipFill>
-        <p:spPr bwMode="auto">
-          <a:xfrm>
-            <a:off x="-10674" y="26657208"/>
-            <a:ext cx="8162606" cy="9328023"/>
-          </a:xfrm>
-          <a:prstGeom prst="rect">
-            <a:avLst/>
-          </a:prstGeom>
-          <a:noFill/>
-          <a:extLst>
-            <a:ext uri="{909E8E84-426E-40DD-AFC4-6F175D3DCCD1}">
-              <a14:hiddenFill xmlns:a14="http://schemas.microsoft.com/office/drawing/2010/main">
-                <a:solidFill>
-                  <a:srgbClr val="FFFFFF"/>
-                </a:solidFill>
-              </a14:hiddenFill>
-            </a:ext>
-          </a:extLst>
-        </p:spPr>
-      </p:pic>
-      <p:sp>
-        <p:nvSpPr>
-          <p:cNvPr id="27" name="TextBox 26">
-            <a:extLst>
-              <a:ext uri="{FF2B5EF4-FFF2-40B4-BE49-F238E27FC236}">
-                <a16:creationId xmlns:a16="http://schemas.microsoft.com/office/drawing/2014/main" id="{BBBDA6E0-0AC2-8EAB-C534-8147263047B8}"/>
-              </a:ext>
-            </a:extLst>
-          </p:cNvPr>
-          <p:cNvSpPr txBox="1"/>
-          <p:nvPr/>
-        </p:nvSpPr>
-        <p:spPr>
-          <a:xfrm>
-            <a:off x="9166350" y="28803940"/>
-            <a:ext cx="27700213" cy="6093976"/>
-          </a:xfrm>
-          <a:prstGeom prst="rect">
-            <a:avLst/>
-          </a:prstGeom>
-          <a:noFill/>
-        </p:spPr>
-        <p:txBody>
-          <a:bodyPr wrap="square" rtlCol="0">
-            <a:spAutoFit/>
-          </a:bodyPr>
-          <a:lstStyle/>
-          <a:p>
-            <a:r>
-              <a:rPr lang="ko-KR" altLang="en-US" sz="13000" dirty="0"/>
-              <a:t>구매 시 무작위의 버프를 </a:t>
-            </a:r>
-            <a:endParaRPr lang="en-US" altLang="ko-KR" sz="13000" dirty="0"/>
-          </a:p>
-          <a:p>
-            <a:r>
-              <a:rPr lang="ko-KR" altLang="en-US" sz="13000" dirty="0"/>
-              <a:t>획득한다</a:t>
-            </a:r>
-            <a:r>
-              <a:rPr lang="en-US" altLang="ko-KR" sz="13000" dirty="0"/>
-              <a:t>  </a:t>
-            </a:r>
-          </a:p>
-          <a:p>
-            <a:r>
-              <a:rPr lang="ko-KR" altLang="en-US" sz="13000" dirty="0"/>
-              <a:t>가격</a:t>
-            </a:r>
-            <a:r>
-              <a:rPr lang="en-US" altLang="ko-KR" sz="13000" dirty="0"/>
-              <a:t>: 4</a:t>
-            </a:r>
-            <a:r>
-              <a:rPr lang="ko-KR" altLang="en-US" sz="13000" dirty="0"/>
-              <a:t>만원 </a:t>
-            </a:r>
-            <a:endParaRPr lang="en-US" altLang="ko-KR" sz="13000" dirty="0"/>
-          </a:p>
-        </p:txBody>
-      </p:sp>
-      <p:sp>
-        <p:nvSpPr>
-          <p:cNvPr id="28" name="직사각형 27">
-            <a:extLst>
-              <a:ext uri="{FF2B5EF4-FFF2-40B4-BE49-F238E27FC236}">
-                <a16:creationId xmlns:a16="http://schemas.microsoft.com/office/drawing/2014/main" id="{BE1FF2C1-F0F9-46E7-9B5E-67A9AC5BE9A2}"/>
+          <p:cNvPr id="9" name="직사각형 8">
+            <a:extLst>
+              <a:ext uri="{FF2B5EF4-FFF2-40B4-BE49-F238E27FC236}">
+                <a16:creationId xmlns:a16="http://schemas.microsoft.com/office/drawing/2014/main" id="{F03CCE08-E6D7-8AB5-E4DA-6BDD6D6EE8A0}"/>
               </a:ext>
             </a:extLst>
           </p:cNvPr>
@@ -7132,64 +6671,8 @@
         </p:nvSpPr>
         <p:spPr>
           <a:xfrm>
-            <a:off x="12383112" y="35587618"/>
-            <a:ext cx="11182291" cy="4651886"/>
-          </a:xfrm>
-          <a:prstGeom prst="rect">
-            <a:avLst/>
-          </a:prstGeom>
-        </p:spPr>
-        <p:style>
-          <a:lnRef idx="2">
-            <a:schemeClr val="dk1"/>
-          </a:lnRef>
-          <a:fillRef idx="1">
-            <a:schemeClr val="lt1"/>
-          </a:fillRef>
-          <a:effectRef idx="0">
-            <a:schemeClr val="dk1"/>
-          </a:effectRef>
-          <a:fontRef idx="minor">
-            <a:schemeClr val="dk1"/>
-          </a:fontRef>
-        </p:style>
-        <p:txBody>
-          <a:bodyPr rtlCol="0" anchor="ctr"/>
-          <a:lstStyle/>
-          <a:p>
-            <a:pPr algn="ctr"/>
-            <a:r>
-              <a:rPr lang="ko-KR" altLang="en-US" sz="12000" dirty="0"/>
-              <a:t>구매하기</a:t>
-            </a:r>
-            <a:r>
-              <a:rPr lang="ko-KR" altLang="en-US" sz="10000" dirty="0"/>
-              <a:t> </a:t>
-            </a:r>
-            <a:r>
-              <a:rPr lang="en-US" altLang="ko-KR" dirty="0"/>
-              <a:t>111</a:t>
-            </a:r>
-            <a:endParaRPr lang="ko-KR" altLang="en-US" dirty="0"/>
-          </a:p>
-        </p:txBody>
-      </p:sp>
-      <p:sp>
-        <p:nvSpPr>
-          <p:cNvPr id="34" name="직사각형 33">
-            <a:extLst>
-              <a:ext uri="{FF2B5EF4-FFF2-40B4-BE49-F238E27FC236}">
-                <a16:creationId xmlns:a16="http://schemas.microsoft.com/office/drawing/2014/main" id="{5694A5DE-3035-8925-DDDB-F34B18CAA3B4}"/>
-              </a:ext>
-            </a:extLst>
-          </p:cNvPr>
-          <p:cNvSpPr/>
-          <p:nvPr/>
-        </p:nvSpPr>
-        <p:spPr>
-          <a:xfrm>
-            <a:off x="955541" y="36880782"/>
-            <a:ext cx="6063816" cy="2171283"/>
+            <a:off x="7360312" y="24957875"/>
+            <a:ext cx="11813640" cy="2206623"/>
           </a:xfrm>
           <a:prstGeom prst="rect">
             <a:avLst/>
@@ -7215,12 +6698,8 @@
           <a:p>
             <a:pPr algn="ctr"/>
             <a:r>
-              <a:rPr lang="ko-KR" altLang="en-US" sz="12000" dirty="0" err="1"/>
-              <a:t>확률표</a:t>
-            </a:r>
-            <a:r>
-              <a:rPr lang="en-US" altLang="ko-KR" dirty="0"/>
-              <a:t>111</a:t>
+              <a:rPr lang="ko-KR" altLang="en-US" sz="10000" dirty="0"/>
+              <a:t>이 직업을 본 횟수</a:t>
             </a:r>
             <a:endParaRPr lang="ko-KR" altLang="en-US" dirty="0"/>
           </a:p>
@@ -7228,10 +6707,10 @@
       </p:sp>
       <p:sp>
         <p:nvSpPr>
-          <p:cNvPr id="4" name="직사각형 3">
-            <a:extLst>
-              <a:ext uri="{FF2B5EF4-FFF2-40B4-BE49-F238E27FC236}">
-                <a16:creationId xmlns:a16="http://schemas.microsoft.com/office/drawing/2014/main" id="{E8AD0A9E-4A7E-2A3E-9EFE-0609A6101BA0}"/>
+          <p:cNvPr id="12" name="직사각형 11">
+            <a:extLst>
+              <a:ext uri="{FF2B5EF4-FFF2-40B4-BE49-F238E27FC236}">
+                <a16:creationId xmlns:a16="http://schemas.microsoft.com/office/drawing/2014/main" id="{5431366C-AFE7-A90E-0FA4-9A61FEF5A49F}"/>
               </a:ext>
             </a:extLst>
           </p:cNvPr>
@@ -7240,8 +6719,8 @@
         </p:nvSpPr>
         <p:spPr>
           <a:xfrm>
-            <a:off x="-178421" y="3242745"/>
-            <a:ext cx="27700213" cy="42985470"/>
+            <a:off x="5464340" y="29252682"/>
+            <a:ext cx="16020505" cy="5050517"/>
           </a:xfrm>
           <a:prstGeom prst="rect">
             <a:avLst/>
@@ -7249,16 +6728,16 @@
         </p:spPr>
         <p:style>
           <a:lnRef idx="1">
-            <a:schemeClr val="accent1"/>
+            <a:schemeClr val="accent4"/>
           </a:lnRef>
-          <a:fillRef idx="2">
-            <a:schemeClr val="accent1"/>
+          <a:fillRef idx="3">
+            <a:schemeClr val="accent4"/>
           </a:fillRef>
-          <a:effectRef idx="1">
-            <a:schemeClr val="accent1"/>
+          <a:effectRef idx="2">
+            <a:schemeClr val="accent4"/>
           </a:effectRef>
           <a:fontRef idx="minor">
-            <a:schemeClr val="dk1"/>
+            <a:schemeClr val="lt1"/>
           </a:fontRef>
         </p:style>
         <p:txBody>
@@ -7266,701 +6745,9 @@
           <a:lstStyle/>
           <a:p>
             <a:pPr algn="ctr"/>
-            <a:endParaRPr lang="ko-KR" altLang="en-US" dirty="0"/>
-          </a:p>
-        </p:txBody>
-      </p:sp>
-      <p:sp>
-        <p:nvSpPr>
-          <p:cNvPr id="13" name="TextBox 12">
-            <a:extLst>
-              <a:ext uri="{FF2B5EF4-FFF2-40B4-BE49-F238E27FC236}">
-                <a16:creationId xmlns:a16="http://schemas.microsoft.com/office/drawing/2014/main" id="{B376664E-CBC4-383B-9A92-CD3F809F2484}"/>
-              </a:ext>
-            </a:extLst>
-          </p:cNvPr>
-          <p:cNvSpPr txBox="1"/>
-          <p:nvPr/>
-        </p:nvSpPr>
-        <p:spPr>
-          <a:xfrm>
-            <a:off x="-261460" y="4617455"/>
-            <a:ext cx="35496140" cy="6093976"/>
-          </a:xfrm>
-          <a:prstGeom prst="rect">
-            <a:avLst/>
-          </a:prstGeom>
-          <a:noFill/>
-        </p:spPr>
-        <p:txBody>
-          <a:bodyPr wrap="square" rtlCol="0">
-            <a:spAutoFit/>
-          </a:bodyPr>
-          <a:lstStyle/>
-          <a:p>
-            <a:r>
-              <a:rPr lang="ko-KR" altLang="en-US" sz="12000" dirty="0"/>
-              <a:t>직업 아이템 생성에 필요한 돈이</a:t>
-            </a:r>
-            <a:endParaRPr lang="en-US" altLang="ko-KR" sz="12000" dirty="0"/>
-          </a:p>
-          <a:p>
-            <a:r>
-              <a:rPr lang="en-US" altLang="ko-KR" sz="12000" dirty="0"/>
-              <a:t>5</a:t>
-            </a:r>
-            <a:r>
-              <a:rPr lang="ko-KR" altLang="en-US" sz="12000" dirty="0"/>
-              <a:t>회 동안 절반으로 감소한다</a:t>
-            </a:r>
-            <a:endParaRPr lang="en-US" altLang="ko-KR" sz="12000" dirty="0"/>
-          </a:p>
-          <a:p>
-            <a:endParaRPr lang="en-US" altLang="ko-KR" sz="15000" dirty="0"/>
-          </a:p>
-        </p:txBody>
-      </p:sp>
-      <p:sp>
-        <p:nvSpPr>
-          <p:cNvPr id="26" name="TextBox 25">
-            <a:extLst>
-              <a:ext uri="{FF2B5EF4-FFF2-40B4-BE49-F238E27FC236}">
-                <a16:creationId xmlns:a16="http://schemas.microsoft.com/office/drawing/2014/main" id="{BA0B0CE2-593C-31CD-C899-6DD5B5CE62E2}"/>
-              </a:ext>
-            </a:extLst>
-          </p:cNvPr>
-          <p:cNvSpPr txBox="1"/>
-          <p:nvPr/>
-        </p:nvSpPr>
-        <p:spPr>
-          <a:xfrm>
-            <a:off x="226187" y="35645049"/>
-            <a:ext cx="35496140" cy="6093976"/>
-          </a:xfrm>
-          <a:prstGeom prst="rect">
-            <a:avLst/>
-          </a:prstGeom>
-          <a:noFill/>
-        </p:spPr>
-        <p:txBody>
-          <a:bodyPr wrap="square" rtlCol="0">
-            <a:spAutoFit/>
-          </a:bodyPr>
-          <a:lstStyle/>
-          <a:p>
-            <a:r>
-              <a:rPr lang="ko-KR" altLang="en-US" sz="12000" dirty="0"/>
-              <a:t>돈 아이템 생성시 </a:t>
-            </a:r>
-            <a:endParaRPr lang="en-US" altLang="ko-KR" sz="12000" dirty="0"/>
-          </a:p>
-          <a:p>
-            <a:r>
-              <a:rPr lang="en-US" altLang="ko-KR" sz="12000" dirty="0"/>
-              <a:t>1</a:t>
-            </a:r>
-            <a:r>
-              <a:rPr lang="ko-KR" altLang="en-US" sz="12000" dirty="0"/>
-              <a:t>단계가 아닌 </a:t>
-            </a:r>
-            <a:r>
-              <a:rPr lang="en-US" altLang="ko-KR" sz="12000" dirty="0"/>
-              <a:t>2</a:t>
-            </a:r>
-            <a:r>
-              <a:rPr lang="ko-KR" altLang="en-US" sz="12000" dirty="0"/>
-              <a:t>단계의 아이템이 나온다</a:t>
-            </a:r>
-            <a:endParaRPr lang="en-US" altLang="ko-KR" sz="12000" dirty="0"/>
-          </a:p>
-          <a:p>
-            <a:endParaRPr lang="en-US" altLang="ko-KR" sz="15000" dirty="0"/>
-          </a:p>
-        </p:txBody>
-      </p:sp>
-      <p:sp>
-        <p:nvSpPr>
-          <p:cNvPr id="29" name="TextBox 28">
-            <a:extLst>
-              <a:ext uri="{FF2B5EF4-FFF2-40B4-BE49-F238E27FC236}">
-                <a16:creationId xmlns:a16="http://schemas.microsoft.com/office/drawing/2014/main" id="{B99E632F-6A89-D619-1213-0DF02289BE6C}"/>
-              </a:ext>
-            </a:extLst>
-          </p:cNvPr>
-          <p:cNvSpPr txBox="1"/>
-          <p:nvPr/>
-        </p:nvSpPr>
-        <p:spPr>
-          <a:xfrm>
-            <a:off x="-178421" y="29495968"/>
-            <a:ext cx="35496140" cy="6093976"/>
-          </a:xfrm>
-          <a:prstGeom prst="rect">
-            <a:avLst/>
-          </a:prstGeom>
-          <a:noFill/>
-        </p:spPr>
-        <p:txBody>
-          <a:bodyPr wrap="square" rtlCol="0">
-            <a:spAutoFit/>
-          </a:bodyPr>
-          <a:lstStyle/>
-          <a:p>
-            <a:r>
-              <a:rPr lang="ko-KR" altLang="en-US" sz="12000" dirty="0"/>
-              <a:t>직업 아이템 생성시 </a:t>
-            </a:r>
-            <a:endParaRPr lang="en-US" altLang="ko-KR" sz="12000" dirty="0"/>
-          </a:p>
-          <a:p>
-            <a:r>
-              <a:rPr lang="en-US" altLang="ko-KR" sz="12000" dirty="0"/>
-              <a:t>1</a:t>
-            </a:r>
-            <a:r>
-              <a:rPr lang="ko-KR" altLang="en-US" sz="12000" dirty="0"/>
-              <a:t>단계가 아닌 </a:t>
-            </a:r>
-            <a:r>
-              <a:rPr lang="en-US" altLang="ko-KR" sz="12000" dirty="0"/>
-              <a:t>2</a:t>
-            </a:r>
-            <a:r>
-              <a:rPr lang="ko-KR" altLang="en-US" sz="12000" dirty="0"/>
-              <a:t>단계의 아이템이 나온다</a:t>
-            </a:r>
-            <a:endParaRPr lang="en-US" altLang="ko-KR" sz="12000" dirty="0"/>
-          </a:p>
-          <a:p>
-            <a:endParaRPr lang="en-US" altLang="ko-KR" sz="15000" dirty="0"/>
-          </a:p>
-        </p:txBody>
-      </p:sp>
-      <p:sp>
-        <p:nvSpPr>
-          <p:cNvPr id="30" name="TextBox 29">
-            <a:extLst>
-              <a:ext uri="{FF2B5EF4-FFF2-40B4-BE49-F238E27FC236}">
-                <a16:creationId xmlns:a16="http://schemas.microsoft.com/office/drawing/2014/main" id="{6FA37E54-845B-E770-3FE0-6C42A350C0C3}"/>
-              </a:ext>
-            </a:extLst>
-          </p:cNvPr>
-          <p:cNvSpPr txBox="1"/>
-          <p:nvPr/>
-        </p:nvSpPr>
-        <p:spPr>
-          <a:xfrm>
-            <a:off x="-10674" y="26157716"/>
-            <a:ext cx="35496140" cy="4247317"/>
-          </a:xfrm>
-          <a:prstGeom prst="rect">
-            <a:avLst/>
-          </a:prstGeom>
-          <a:noFill/>
-        </p:spPr>
-        <p:txBody>
-          <a:bodyPr wrap="square" rtlCol="0">
-            <a:spAutoFit/>
-          </a:bodyPr>
-          <a:lstStyle/>
-          <a:p>
-            <a:r>
-              <a:rPr lang="en-US" altLang="ko-KR" sz="12000" dirty="0"/>
-              <a:t>7</a:t>
-            </a:r>
-            <a:r>
-              <a:rPr lang="ko-KR" altLang="en-US" sz="12000" dirty="0"/>
-              <a:t>만원을 획득한다</a:t>
-            </a:r>
-            <a:endParaRPr lang="en-US" altLang="ko-KR" sz="12000" dirty="0"/>
-          </a:p>
-          <a:p>
-            <a:endParaRPr lang="en-US" altLang="ko-KR" sz="15000" dirty="0"/>
-          </a:p>
-        </p:txBody>
-      </p:sp>
-      <p:sp>
-        <p:nvSpPr>
-          <p:cNvPr id="31" name="TextBox 30">
-            <a:extLst>
-              <a:ext uri="{FF2B5EF4-FFF2-40B4-BE49-F238E27FC236}">
-                <a16:creationId xmlns:a16="http://schemas.microsoft.com/office/drawing/2014/main" id="{E0ED86DB-700C-B16F-8795-E2DD5183E5CD}"/>
-              </a:ext>
-            </a:extLst>
-          </p:cNvPr>
-          <p:cNvSpPr txBox="1"/>
-          <p:nvPr/>
-        </p:nvSpPr>
-        <p:spPr>
-          <a:xfrm>
-            <a:off x="-10674" y="20371124"/>
-            <a:ext cx="35496140" cy="6093976"/>
-          </a:xfrm>
-          <a:prstGeom prst="rect">
-            <a:avLst/>
-          </a:prstGeom>
-          <a:noFill/>
-        </p:spPr>
-        <p:txBody>
-          <a:bodyPr wrap="square" rtlCol="0">
-            <a:spAutoFit/>
-          </a:bodyPr>
-          <a:lstStyle/>
-          <a:p>
-            <a:r>
-              <a:rPr lang="ko-KR" altLang="en-US" sz="12000" dirty="0"/>
-              <a:t>무작위 직업의 </a:t>
-            </a:r>
-            <a:r>
-              <a:rPr lang="en-US" altLang="ko-KR" sz="12000" dirty="0"/>
-              <a:t>1~3</a:t>
-            </a:r>
-            <a:r>
-              <a:rPr lang="ko-KR" altLang="en-US" sz="12000" dirty="0"/>
-              <a:t>단계 아이템을</a:t>
-            </a:r>
-            <a:endParaRPr lang="en-US" altLang="ko-KR" sz="12000" dirty="0"/>
-          </a:p>
-          <a:p>
-            <a:r>
-              <a:rPr lang="en-US" altLang="ko-KR" sz="12000" dirty="0"/>
-              <a:t>2</a:t>
-            </a:r>
-            <a:r>
-              <a:rPr lang="ko-KR" altLang="en-US" sz="12000" dirty="0"/>
-              <a:t>개 획득한다</a:t>
-            </a:r>
-            <a:endParaRPr lang="en-US" altLang="ko-KR" sz="12000" dirty="0"/>
-          </a:p>
-          <a:p>
-            <a:endParaRPr lang="en-US" altLang="ko-KR" sz="15000" dirty="0"/>
-          </a:p>
-        </p:txBody>
-      </p:sp>
-      <p:sp>
-        <p:nvSpPr>
-          <p:cNvPr id="32" name="TextBox 31">
-            <a:extLst>
-              <a:ext uri="{FF2B5EF4-FFF2-40B4-BE49-F238E27FC236}">
-                <a16:creationId xmlns:a16="http://schemas.microsoft.com/office/drawing/2014/main" id="{116DD107-62AA-09A2-ACF0-F639444FA7FD}"/>
-              </a:ext>
-            </a:extLst>
-          </p:cNvPr>
-          <p:cNvSpPr txBox="1"/>
-          <p:nvPr/>
-        </p:nvSpPr>
-        <p:spPr>
-          <a:xfrm>
-            <a:off x="-10674" y="9254896"/>
-            <a:ext cx="35496140" cy="6093976"/>
-          </a:xfrm>
-          <a:prstGeom prst="rect">
-            <a:avLst/>
-          </a:prstGeom>
-          <a:noFill/>
-        </p:spPr>
-        <p:txBody>
-          <a:bodyPr wrap="square" rtlCol="0">
-            <a:spAutoFit/>
-          </a:bodyPr>
-          <a:lstStyle/>
-          <a:p>
-            <a:r>
-              <a:rPr lang="ko-KR" altLang="en-US" sz="12000" dirty="0"/>
-              <a:t>직업 아이템 생성을</a:t>
-            </a:r>
-            <a:endParaRPr lang="en-US" altLang="ko-KR" sz="12000" dirty="0"/>
-          </a:p>
-          <a:p>
-            <a:r>
-              <a:rPr lang="en-US" altLang="ko-KR" sz="12000" dirty="0"/>
-              <a:t>5</a:t>
-            </a:r>
-            <a:r>
-              <a:rPr lang="ko-KR" altLang="en-US" sz="12000" dirty="0"/>
-              <a:t>회 동안 무료로 할 수 있다</a:t>
-            </a:r>
-            <a:endParaRPr lang="en-US" altLang="ko-KR" sz="12000" dirty="0"/>
-          </a:p>
-          <a:p>
-            <a:endParaRPr lang="en-US" altLang="ko-KR" sz="15000" dirty="0"/>
-          </a:p>
-        </p:txBody>
-      </p:sp>
-      <p:sp>
-        <p:nvSpPr>
-          <p:cNvPr id="33" name="TextBox 32">
-            <a:extLst>
-              <a:ext uri="{FF2B5EF4-FFF2-40B4-BE49-F238E27FC236}">
-                <a16:creationId xmlns:a16="http://schemas.microsoft.com/office/drawing/2014/main" id="{7F98F2B3-2BEA-4AF6-00FA-7B57C7D3089C}"/>
-              </a:ext>
-            </a:extLst>
-          </p:cNvPr>
-          <p:cNvSpPr txBox="1"/>
-          <p:nvPr/>
-        </p:nvSpPr>
-        <p:spPr>
-          <a:xfrm>
-            <a:off x="-178421" y="14391184"/>
-            <a:ext cx="35496140" cy="6093976"/>
-          </a:xfrm>
-          <a:prstGeom prst="rect">
-            <a:avLst/>
-          </a:prstGeom>
-          <a:noFill/>
-        </p:spPr>
-        <p:txBody>
-          <a:bodyPr wrap="square" rtlCol="0">
-            <a:spAutoFit/>
-          </a:bodyPr>
-          <a:lstStyle/>
-          <a:p>
-            <a:r>
-              <a:rPr lang="ko-KR" altLang="en-US" sz="12000" dirty="0"/>
-              <a:t>무작위 직업의 </a:t>
-            </a:r>
-            <a:r>
-              <a:rPr lang="en-US" altLang="ko-KR" sz="12000" dirty="0"/>
-              <a:t>1~3</a:t>
-            </a:r>
-            <a:r>
-              <a:rPr lang="ko-KR" altLang="en-US" sz="12000" dirty="0"/>
-              <a:t>단계 아이템을</a:t>
-            </a:r>
-            <a:endParaRPr lang="en-US" altLang="ko-KR" sz="12000" dirty="0"/>
-          </a:p>
-          <a:p>
-            <a:r>
-              <a:rPr lang="en-US" altLang="ko-KR" sz="12000" dirty="0"/>
-              <a:t>1</a:t>
-            </a:r>
-            <a:r>
-              <a:rPr lang="ko-KR" altLang="en-US" sz="12000" dirty="0"/>
-              <a:t>개 획득한다</a:t>
-            </a:r>
-            <a:endParaRPr lang="en-US" altLang="ko-KR" sz="12000" dirty="0"/>
-          </a:p>
-          <a:p>
-            <a:endParaRPr lang="en-US" altLang="ko-KR" sz="15000" dirty="0"/>
-          </a:p>
-        </p:txBody>
-      </p:sp>
-      <p:sp>
-        <p:nvSpPr>
-          <p:cNvPr id="35" name="TextBox 34">
-            <a:extLst>
-              <a:ext uri="{FF2B5EF4-FFF2-40B4-BE49-F238E27FC236}">
-                <a16:creationId xmlns:a16="http://schemas.microsoft.com/office/drawing/2014/main" id="{172CFC19-B7F8-811C-441B-95EBEB915AFE}"/>
-              </a:ext>
-            </a:extLst>
-          </p:cNvPr>
-          <p:cNvSpPr txBox="1"/>
-          <p:nvPr/>
-        </p:nvSpPr>
-        <p:spPr>
-          <a:xfrm>
-            <a:off x="22607755" y="5195046"/>
-            <a:ext cx="11607673" cy="1938992"/>
-          </a:xfrm>
-          <a:prstGeom prst="rect">
-            <a:avLst/>
-          </a:prstGeom>
-          <a:noFill/>
-        </p:spPr>
-        <p:txBody>
-          <a:bodyPr wrap="square" rtlCol="0">
-            <a:spAutoFit/>
-          </a:bodyPr>
-          <a:lstStyle/>
-          <a:p>
-            <a:r>
-              <a:rPr lang="en-US" altLang="ko-KR" sz="12000" dirty="0"/>
-              <a:t>30%</a:t>
-            </a:r>
-            <a:endParaRPr lang="en-US" altLang="ko-KR" sz="2400" dirty="0"/>
-          </a:p>
-        </p:txBody>
-      </p:sp>
-      <p:sp>
-        <p:nvSpPr>
-          <p:cNvPr id="36" name="TextBox 35">
-            <a:extLst>
-              <a:ext uri="{FF2B5EF4-FFF2-40B4-BE49-F238E27FC236}">
-                <a16:creationId xmlns:a16="http://schemas.microsoft.com/office/drawing/2014/main" id="{621F0B09-1DB2-735E-BE01-E78918C0537C}"/>
-              </a:ext>
-            </a:extLst>
-          </p:cNvPr>
-          <p:cNvSpPr txBox="1"/>
-          <p:nvPr/>
-        </p:nvSpPr>
-        <p:spPr>
-          <a:xfrm>
-            <a:off x="969587" y="43405051"/>
-            <a:ext cx="35496140" cy="4247317"/>
-          </a:xfrm>
-          <a:prstGeom prst="rect">
-            <a:avLst/>
-          </a:prstGeom>
-          <a:noFill/>
-        </p:spPr>
-        <p:txBody>
-          <a:bodyPr wrap="square" rtlCol="0">
-            <a:spAutoFit/>
-          </a:bodyPr>
-          <a:lstStyle/>
-          <a:p>
-            <a:r>
-              <a:rPr lang="ko-KR" altLang="en-US" sz="12000" dirty="0"/>
-              <a:t>꽝</a:t>
-            </a:r>
-            <a:endParaRPr lang="en-US" altLang="ko-KR" sz="12000" dirty="0"/>
-          </a:p>
-          <a:p>
-            <a:endParaRPr lang="en-US" altLang="ko-KR" sz="15000" dirty="0"/>
-          </a:p>
-        </p:txBody>
-      </p:sp>
-      <p:sp>
-        <p:nvSpPr>
-          <p:cNvPr id="40" name="TextBox 39">
-            <a:extLst>
-              <a:ext uri="{FF2B5EF4-FFF2-40B4-BE49-F238E27FC236}">
-                <a16:creationId xmlns:a16="http://schemas.microsoft.com/office/drawing/2014/main" id="{A3FBE49C-2C00-0075-E55D-26354B1660F8}"/>
-              </a:ext>
-            </a:extLst>
-          </p:cNvPr>
-          <p:cNvSpPr txBox="1"/>
-          <p:nvPr/>
-        </p:nvSpPr>
-        <p:spPr>
-          <a:xfrm>
-            <a:off x="22607755" y="9547757"/>
-            <a:ext cx="18991384" cy="1938992"/>
-          </a:xfrm>
-          <a:prstGeom prst="rect">
-            <a:avLst/>
-          </a:prstGeom>
-          <a:noFill/>
-        </p:spPr>
-        <p:txBody>
-          <a:bodyPr wrap="square">
-            <a:spAutoFit/>
-          </a:bodyPr>
-          <a:lstStyle/>
-          <a:p>
-            <a:r>
-              <a:rPr lang="en-US" altLang="ko-KR" sz="12000" dirty="0"/>
-              <a:t>10%</a:t>
-            </a:r>
-          </a:p>
-        </p:txBody>
-      </p:sp>
-      <p:sp>
-        <p:nvSpPr>
-          <p:cNvPr id="41" name="TextBox 40">
-            <a:extLst>
-              <a:ext uri="{FF2B5EF4-FFF2-40B4-BE49-F238E27FC236}">
-                <a16:creationId xmlns:a16="http://schemas.microsoft.com/office/drawing/2014/main" id="{22463DF4-6182-B2FE-F723-3E5B97E81429}"/>
-              </a:ext>
-            </a:extLst>
-          </p:cNvPr>
-          <p:cNvSpPr txBox="1"/>
-          <p:nvPr/>
-        </p:nvSpPr>
-        <p:spPr>
-          <a:xfrm>
-            <a:off x="22607755" y="14397646"/>
-            <a:ext cx="18991384" cy="1938992"/>
-          </a:xfrm>
-          <a:prstGeom prst="rect">
-            <a:avLst/>
-          </a:prstGeom>
-          <a:noFill/>
-        </p:spPr>
-        <p:txBody>
-          <a:bodyPr wrap="square">
-            <a:spAutoFit/>
-          </a:bodyPr>
-          <a:lstStyle/>
-          <a:p>
-            <a:r>
-              <a:rPr lang="en-US" altLang="ko-KR" sz="12000" dirty="0"/>
-              <a:t>20%</a:t>
-            </a:r>
-          </a:p>
-        </p:txBody>
-      </p:sp>
-      <p:sp>
-        <p:nvSpPr>
-          <p:cNvPr id="42" name="TextBox 41">
-            <a:extLst>
-              <a:ext uri="{FF2B5EF4-FFF2-40B4-BE49-F238E27FC236}">
-                <a16:creationId xmlns:a16="http://schemas.microsoft.com/office/drawing/2014/main" id="{860B9BD0-4B6C-AE64-08D6-CEBA0277AE90}"/>
-              </a:ext>
-            </a:extLst>
-          </p:cNvPr>
-          <p:cNvSpPr txBox="1"/>
-          <p:nvPr/>
-        </p:nvSpPr>
-        <p:spPr>
-          <a:xfrm>
-            <a:off x="22753974" y="26087026"/>
-            <a:ext cx="18991384" cy="1938992"/>
-          </a:xfrm>
-          <a:prstGeom prst="rect">
-            <a:avLst/>
-          </a:prstGeom>
-          <a:noFill/>
-        </p:spPr>
-        <p:txBody>
-          <a:bodyPr wrap="square">
-            <a:spAutoFit/>
-          </a:bodyPr>
-          <a:lstStyle/>
-          <a:p>
-            <a:r>
-              <a:rPr lang="en-US" altLang="ko-KR" sz="12000" dirty="0"/>
-              <a:t>9%</a:t>
-            </a:r>
-          </a:p>
-        </p:txBody>
-      </p:sp>
-      <p:sp>
-        <p:nvSpPr>
-          <p:cNvPr id="43" name="TextBox 42">
-            <a:extLst>
-              <a:ext uri="{FF2B5EF4-FFF2-40B4-BE49-F238E27FC236}">
-                <a16:creationId xmlns:a16="http://schemas.microsoft.com/office/drawing/2014/main" id="{330B59B0-1855-71AC-3930-4F455184F8A8}"/>
-              </a:ext>
-            </a:extLst>
-          </p:cNvPr>
-          <p:cNvSpPr txBox="1"/>
-          <p:nvPr/>
-        </p:nvSpPr>
-        <p:spPr>
-          <a:xfrm>
-            <a:off x="22338350" y="43558982"/>
-            <a:ext cx="18991384" cy="1938992"/>
-          </a:xfrm>
-          <a:prstGeom prst="rect">
-            <a:avLst/>
-          </a:prstGeom>
-          <a:noFill/>
-        </p:spPr>
-        <p:txBody>
-          <a:bodyPr wrap="square">
-            <a:spAutoFit/>
-          </a:bodyPr>
-          <a:lstStyle/>
-          <a:p>
-            <a:r>
-              <a:rPr lang="en-US" altLang="ko-KR" sz="12000" dirty="0"/>
-              <a:t>20%</a:t>
-            </a:r>
-          </a:p>
-        </p:txBody>
-      </p:sp>
-      <p:sp>
-        <p:nvSpPr>
-          <p:cNvPr id="44" name="TextBox 43">
-            <a:extLst>
-              <a:ext uri="{FF2B5EF4-FFF2-40B4-BE49-F238E27FC236}">
-                <a16:creationId xmlns:a16="http://schemas.microsoft.com/office/drawing/2014/main" id="{97FCEF05-D582-B3D4-A7E7-DC2A97AF88B4}"/>
-              </a:ext>
-            </a:extLst>
-          </p:cNvPr>
-          <p:cNvSpPr txBox="1"/>
-          <p:nvPr/>
-        </p:nvSpPr>
-        <p:spPr>
-          <a:xfrm>
-            <a:off x="22527038" y="20168627"/>
-            <a:ext cx="18991384" cy="1938992"/>
-          </a:xfrm>
-          <a:prstGeom prst="rect">
-            <a:avLst/>
-          </a:prstGeom>
-          <a:noFill/>
-        </p:spPr>
-        <p:txBody>
-          <a:bodyPr wrap="square">
-            <a:spAutoFit/>
-          </a:bodyPr>
-          <a:lstStyle/>
-          <a:p>
-            <a:r>
-              <a:rPr lang="en-US" altLang="ko-KR" sz="12000" dirty="0"/>
-              <a:t>10%</a:t>
-            </a:r>
-          </a:p>
-        </p:txBody>
-      </p:sp>
-      <p:sp>
-        <p:nvSpPr>
-          <p:cNvPr id="45" name="TextBox 44">
-            <a:extLst>
-              <a:ext uri="{FF2B5EF4-FFF2-40B4-BE49-F238E27FC236}">
-                <a16:creationId xmlns:a16="http://schemas.microsoft.com/office/drawing/2014/main" id="{A89AD6B5-77E9-79FD-F651-020AEDADD116}"/>
-              </a:ext>
-            </a:extLst>
-          </p:cNvPr>
-          <p:cNvSpPr txBox="1"/>
-          <p:nvPr/>
-        </p:nvSpPr>
-        <p:spPr>
-          <a:xfrm>
-            <a:off x="22126368" y="33253339"/>
-            <a:ext cx="18991384" cy="1938992"/>
-          </a:xfrm>
-          <a:prstGeom prst="rect">
-            <a:avLst/>
-          </a:prstGeom>
-          <a:noFill/>
-        </p:spPr>
-        <p:txBody>
-          <a:bodyPr wrap="square">
-            <a:spAutoFit/>
-          </a:bodyPr>
-          <a:lstStyle/>
-          <a:p>
-            <a:r>
-              <a:rPr lang="en-US" altLang="ko-KR" sz="12000" dirty="0"/>
-              <a:t>0.5%</a:t>
-            </a:r>
-          </a:p>
-        </p:txBody>
-      </p:sp>
-      <p:sp>
-        <p:nvSpPr>
-          <p:cNvPr id="46" name="TextBox 45">
-            <a:extLst>
-              <a:ext uri="{FF2B5EF4-FFF2-40B4-BE49-F238E27FC236}">
-                <a16:creationId xmlns:a16="http://schemas.microsoft.com/office/drawing/2014/main" id="{C5E72FA9-1C2C-DC1A-1421-2256530811A2}"/>
-              </a:ext>
-            </a:extLst>
-          </p:cNvPr>
-          <p:cNvSpPr txBox="1"/>
-          <p:nvPr/>
-        </p:nvSpPr>
-        <p:spPr>
-          <a:xfrm>
-            <a:off x="21882544" y="39216971"/>
-            <a:ext cx="18991384" cy="1938992"/>
-          </a:xfrm>
-          <a:prstGeom prst="rect">
-            <a:avLst/>
-          </a:prstGeom>
-          <a:noFill/>
-        </p:spPr>
-        <p:txBody>
-          <a:bodyPr wrap="square">
-            <a:spAutoFit/>
-          </a:bodyPr>
-          <a:lstStyle/>
-          <a:p>
-            <a:r>
-              <a:rPr lang="en-US" altLang="ko-KR" sz="12000" dirty="0"/>
-              <a:t>0.5%</a:t>
+            <a:r>
+              <a:rPr lang="ko-KR" altLang="en-US" sz="15000" dirty="0"/>
+              <a:t>다시 시작</a:t>
             </a:r>
           </a:p>
         </p:txBody>
@@ -7968,7 +6755,7 @@
     </p:spTree>
     <p:extLst>
       <p:ext uri="{BB962C8B-B14F-4D97-AF65-F5344CB8AC3E}">
-        <p14:creationId xmlns:p14="http://schemas.microsoft.com/office/powerpoint/2010/main" val="917376973"/>
+        <p14:creationId xmlns:p14="http://schemas.microsoft.com/office/powerpoint/2010/main" val="2900400870"/>
       </p:ext>
     </p:extLst>
   </p:cSld>
@@ -8145,8 +6932,8 @@
         </p:nvSpPr>
         <p:spPr>
           <a:xfrm>
-            <a:off x="-261461" y="-211015"/>
-            <a:ext cx="17353705" cy="3305908"/>
+            <a:off x="-261460" y="-211015"/>
+            <a:ext cx="10118408" cy="3305908"/>
           </a:xfrm>
           <a:prstGeom prst="rect">
             <a:avLst/>
@@ -8173,7 +6960,7 @@
             <a:pPr algn="ctr"/>
             <a:r>
               <a:rPr lang="en-US" altLang="ko-KR" sz="10000" dirty="0"/>
-              <a:t>2031</a:t>
+              <a:t>2009</a:t>
             </a:r>
             <a:r>
               <a:rPr lang="ko-KR" altLang="en-US" sz="10000" dirty="0"/>
@@ -8181,7 +6968,7 @@
             </a:r>
             <a:r>
               <a:rPr lang="en-US" altLang="ko-KR" sz="10000" dirty="0"/>
-              <a:t>1</a:t>
+              <a:t>3</a:t>
             </a:r>
             <a:r>
               <a:rPr lang="ko-KR" altLang="en-US" sz="10000" dirty="0"/>
@@ -8193,10 +6980,10 @@
       </p:sp>
       <p:pic>
         <p:nvPicPr>
-          <p:cNvPr id="1028" name="Picture 4" descr="아기 일러스트 PNG, AI 무료 다운로드 (2023년) - 리틀딥">
-            <a:extLst>
-              <a:ext uri="{FF2B5EF4-FFF2-40B4-BE49-F238E27FC236}">
-                <a16:creationId xmlns:a16="http://schemas.microsoft.com/office/drawing/2014/main" id="{517A7BD6-564D-86D0-E7AE-DF5B10712C80}"/>
+          <p:cNvPr id="1026" name="Picture 2" descr="달력 날짜 이미지 - Freepik에서 무료 다운로드">
+            <a:extLst>
+              <a:ext uri="{FF2B5EF4-FFF2-40B4-BE49-F238E27FC236}">
+                <a16:creationId xmlns:a16="http://schemas.microsoft.com/office/drawing/2014/main" id="{BA5A8500-5552-7CC0-0BFF-C6B89750166E}"/>
               </a:ext>
             </a:extLst>
           </p:cNvPr>
@@ -8220,8 +7007,8 @@
         </p:blipFill>
         <p:spPr bwMode="auto">
           <a:xfrm>
-            <a:off x="8126931" y="4589811"/>
-            <a:ext cx="10695329" cy="10695329"/>
+            <a:off x="11350002" y="0"/>
+            <a:ext cx="4249189" cy="3478167"/>
           </a:xfrm>
           <a:prstGeom prst="rect">
             <a:avLst/>
@@ -8240,10 +7027,10 @@
       </p:pic>
       <p:pic>
         <p:nvPicPr>
-          <p:cNvPr id="11" name="Picture 2" descr="상점 로고 아이콘 일러스트 ai 무료 다운로드 - 로고요고">
-            <a:extLst>
-              <a:ext uri="{FF2B5EF4-FFF2-40B4-BE49-F238E27FC236}">
-                <a16:creationId xmlns:a16="http://schemas.microsoft.com/office/drawing/2014/main" id="{8B6E9BA7-CDB0-895F-C7B2-55133CD3777E}"/>
+          <p:cNvPr id="1028" name="Picture 4" descr="아기 일러스트 PNG, AI 무료 다운로드 (2023년) - 리틀딥">
+            <a:extLst>
+              <a:ext uri="{FF2B5EF4-FFF2-40B4-BE49-F238E27FC236}">
+                <a16:creationId xmlns:a16="http://schemas.microsoft.com/office/drawing/2014/main" id="{517A7BD6-564D-86D0-E7AE-DF5B10712C80}"/>
               </a:ext>
             </a:extLst>
           </p:cNvPr>
@@ -8252,7 +7039,7 @@
           </p:cNvPicPr>
           <p:nvPr/>
         </p:nvPicPr>
-        <p:blipFill rotWithShape="1">
+        <p:blipFill>
           <a:blip r:embed="rId4">
             <a:extLst>
               <a:ext uri="{28A0092B-C50C-407E-A947-70E740481C1C}">
@@ -8260,13 +7047,15 @@
               </a:ext>
             </a:extLst>
           </a:blip>
-          <a:srcRect l="31881" t="35272" r="28533" b="31773"/>
-          <a:stretch/>
+          <a:srcRect/>
+          <a:stretch>
+            <a:fillRect/>
+          </a:stretch>
         </p:blipFill>
         <p:spPr bwMode="auto">
           <a:xfrm>
-            <a:off x="955541" y="18065902"/>
-            <a:ext cx="5696204" cy="5024865"/>
+            <a:off x="8126931" y="4589811"/>
+            <a:ext cx="10695329" cy="10695329"/>
           </a:xfrm>
           <a:prstGeom prst="rect">
             <a:avLst/>
@@ -8283,57 +7072,12 @@
           </a:extLst>
         </p:spPr>
       </p:pic>
-      <p:sp>
-        <p:nvSpPr>
-          <p:cNvPr id="3" name="직사각형 2">
-            <a:extLst>
-              <a:ext uri="{FF2B5EF4-FFF2-40B4-BE49-F238E27FC236}">
-                <a16:creationId xmlns:a16="http://schemas.microsoft.com/office/drawing/2014/main" id="{AD4BA90B-01B0-136A-1390-7D32266881D9}"/>
-              </a:ext>
-            </a:extLst>
-          </p:cNvPr>
-          <p:cNvSpPr/>
-          <p:nvPr/>
-        </p:nvSpPr>
-        <p:spPr>
-          <a:xfrm>
-            <a:off x="-261459" y="3094893"/>
-            <a:ext cx="27472113" cy="36442498"/>
-          </a:xfrm>
-          <a:prstGeom prst="rect">
-            <a:avLst/>
-          </a:prstGeom>
-          <a:ln/>
-        </p:spPr>
-        <p:style>
-          <a:lnRef idx="0">
-            <a:schemeClr val="accent1"/>
-          </a:lnRef>
-          <a:fillRef idx="3">
-            <a:schemeClr val="accent1"/>
-          </a:fillRef>
-          <a:effectRef idx="3">
-            <a:schemeClr val="accent1"/>
-          </a:effectRef>
-          <a:fontRef idx="minor">
-            <a:schemeClr val="lt1"/>
-          </a:fontRef>
-        </p:style>
-        <p:txBody>
-          <a:bodyPr rtlCol="0" anchor="ctr"/>
-          <a:lstStyle/>
-          <a:p>
-            <a:pPr algn="ctr"/>
-            <a:endParaRPr lang="ko-KR" altLang="en-US" dirty="0"/>
-          </a:p>
-        </p:txBody>
-      </p:sp>
       <p:pic>
         <p:nvPicPr>
-          <p:cNvPr id="4098" name="Picture 2" descr="환자는 의사에게 어떤 질문을 해야할까? : 네이버 포스트">
-            <a:extLst>
-              <a:ext uri="{FF2B5EF4-FFF2-40B4-BE49-F238E27FC236}">
-                <a16:creationId xmlns:a16="http://schemas.microsoft.com/office/drawing/2014/main" id="{51DFB3C9-3706-D10A-138D-E8BC3C487276}"/>
+          <p:cNvPr id="11" name="Picture 2" descr="상점 로고 아이콘 일러스트 ai 무료 다운로드 - 로고요고">
+            <a:extLst>
+              <a:ext uri="{FF2B5EF4-FFF2-40B4-BE49-F238E27FC236}">
+                <a16:creationId xmlns:a16="http://schemas.microsoft.com/office/drawing/2014/main" id="{8B6E9BA7-CDB0-895F-C7B2-55133CD3777E}"/>
               </a:ext>
             </a:extLst>
           </p:cNvPr>
@@ -8342,7 +7086,7 @@
           </p:cNvPicPr>
           <p:nvPr/>
         </p:nvPicPr>
-        <p:blipFill>
+        <p:blipFill rotWithShape="1">
           <a:blip r:embed="rId5">
             <a:extLst>
               <a:ext uri="{28A0092B-C50C-407E-A947-70E740481C1C}">
@@ -8350,15 +7094,13 @@
               </a:ext>
             </a:extLst>
           </a:blip>
-          <a:srcRect/>
-          <a:stretch>
-            <a:fillRect/>
-          </a:stretch>
+          <a:srcRect l="31881" t="35272" r="28533" b="31773"/>
+          <a:stretch/>
         </p:blipFill>
         <p:spPr bwMode="auto">
           <a:xfrm>
-            <a:off x="2817463" y="4417552"/>
-            <a:ext cx="21314263" cy="14762101"/>
+            <a:off x="955541" y="18065902"/>
+            <a:ext cx="5696204" cy="5024865"/>
           </a:xfrm>
           <a:prstGeom prst="rect">
             <a:avLst/>
@@ -8377,10 +7119,54 @@
       </p:pic>
       <p:sp>
         <p:nvSpPr>
+          <p:cNvPr id="2" name="직사각형 1">
+            <a:extLst>
+              <a:ext uri="{FF2B5EF4-FFF2-40B4-BE49-F238E27FC236}">
+                <a16:creationId xmlns:a16="http://schemas.microsoft.com/office/drawing/2014/main" id="{4FDF8439-7AC4-EF5B-BEB8-0924CE81AC75}"/>
+              </a:ext>
+            </a:extLst>
+          </p:cNvPr>
+          <p:cNvSpPr/>
+          <p:nvPr/>
+        </p:nvSpPr>
+        <p:spPr>
+          <a:xfrm>
+            <a:off x="-261462" y="3094894"/>
+            <a:ext cx="27700213" cy="42985470"/>
+          </a:xfrm>
+          <a:prstGeom prst="rect">
+            <a:avLst/>
+          </a:prstGeom>
+        </p:spPr>
+        <p:style>
+          <a:lnRef idx="1">
+            <a:schemeClr val="accent1"/>
+          </a:lnRef>
+          <a:fillRef idx="2">
+            <a:schemeClr val="accent1"/>
+          </a:fillRef>
+          <a:effectRef idx="1">
+            <a:schemeClr val="accent1"/>
+          </a:effectRef>
+          <a:fontRef idx="minor">
+            <a:schemeClr val="dk1"/>
+          </a:fontRef>
+        </p:style>
+        <p:txBody>
+          <a:bodyPr rtlCol="0" anchor="ctr"/>
+          <a:lstStyle/>
+          <a:p>
+            <a:pPr algn="ctr"/>
+            <a:endParaRPr lang="ko-KR" altLang="en-US" dirty="0"/>
+          </a:p>
+        </p:txBody>
+      </p:sp>
+      <p:sp>
+        <p:nvSpPr>
           <p:cNvPr id="7" name="직사각형 6">
             <a:extLst>
               <a:ext uri="{FF2B5EF4-FFF2-40B4-BE49-F238E27FC236}">
-                <a16:creationId xmlns:a16="http://schemas.microsoft.com/office/drawing/2014/main" id="{0099AB3F-F63D-77A1-DC4A-4FDFB0CD9B6C}"/>
+                <a16:creationId xmlns:a16="http://schemas.microsoft.com/office/drawing/2014/main" id="{4F3E6146-7BF7-4790-81B4-E7AFDF72F1A0}"/>
               </a:ext>
             </a:extLst>
           </p:cNvPr>
@@ -8389,8 +7175,362 @@
         </p:nvSpPr>
         <p:spPr>
           <a:xfrm>
-            <a:off x="7008620" y="20119038"/>
-            <a:ext cx="12931947" cy="3899452"/>
+            <a:off x="538310" y="6556741"/>
+            <a:ext cx="8162606" cy="6112247"/>
+          </a:xfrm>
+          <a:prstGeom prst="rect">
+            <a:avLst/>
+          </a:prstGeom>
+        </p:spPr>
+        <p:style>
+          <a:lnRef idx="1">
+            <a:schemeClr val="accent4"/>
+          </a:lnRef>
+          <a:fillRef idx="2">
+            <a:schemeClr val="accent4"/>
+          </a:fillRef>
+          <a:effectRef idx="1">
+            <a:schemeClr val="accent4"/>
+          </a:effectRef>
+          <a:fontRef idx="minor">
+            <a:schemeClr val="dk1"/>
+          </a:fontRef>
+        </p:style>
+        <p:txBody>
+          <a:bodyPr rtlCol="0" anchor="ctr"/>
+          <a:lstStyle/>
+          <a:p>
+            <a:pPr algn="ctr"/>
+            <a:r>
+              <a:rPr lang="ko-KR" altLang="en-US" sz="10000" dirty="0"/>
+              <a:t>운동선수</a:t>
+            </a:r>
+            <a:endParaRPr lang="en-US" altLang="ko-KR" sz="10000" dirty="0"/>
+          </a:p>
+          <a:p>
+            <a:pPr algn="ctr"/>
+            <a:r>
+              <a:rPr lang="ko-KR" altLang="en-US" sz="10000" dirty="0"/>
+              <a:t>아이템</a:t>
+            </a:r>
+          </a:p>
+        </p:txBody>
+      </p:sp>
+      <p:sp>
+        <p:nvSpPr>
+          <p:cNvPr id="17" name="직사각형 16">
+            <a:extLst>
+              <a:ext uri="{FF2B5EF4-FFF2-40B4-BE49-F238E27FC236}">
+                <a16:creationId xmlns:a16="http://schemas.microsoft.com/office/drawing/2014/main" id="{8E4136FC-454E-1C2C-7BA8-5F291BD64E13}"/>
+              </a:ext>
+            </a:extLst>
+          </p:cNvPr>
+          <p:cNvSpPr/>
+          <p:nvPr/>
+        </p:nvSpPr>
+        <p:spPr>
+          <a:xfrm>
+            <a:off x="5725053" y="13762259"/>
+            <a:ext cx="8162606" cy="6112247"/>
+          </a:xfrm>
+          <a:prstGeom prst="rect">
+            <a:avLst/>
+          </a:prstGeom>
+        </p:spPr>
+        <p:style>
+          <a:lnRef idx="1">
+            <a:schemeClr val="accent4"/>
+          </a:lnRef>
+          <a:fillRef idx="2">
+            <a:schemeClr val="accent4"/>
+          </a:fillRef>
+          <a:effectRef idx="1">
+            <a:schemeClr val="accent4"/>
+          </a:effectRef>
+          <a:fontRef idx="minor">
+            <a:schemeClr val="dk1"/>
+          </a:fontRef>
+        </p:style>
+        <p:txBody>
+          <a:bodyPr rtlCol="0" anchor="ctr"/>
+          <a:lstStyle/>
+          <a:p>
+            <a:pPr algn="ctr"/>
+            <a:r>
+              <a:rPr lang="ko-KR" altLang="en-US" sz="10000" dirty="0"/>
+              <a:t>경찰</a:t>
+            </a:r>
+            <a:endParaRPr lang="en-US" altLang="ko-KR" sz="10000" dirty="0"/>
+          </a:p>
+          <a:p>
+            <a:pPr algn="ctr"/>
+            <a:r>
+              <a:rPr lang="ko-KR" altLang="en-US" sz="10000" dirty="0"/>
+              <a:t>아이템</a:t>
+            </a:r>
+          </a:p>
+        </p:txBody>
+      </p:sp>
+      <p:sp>
+        <p:nvSpPr>
+          <p:cNvPr id="18" name="직사각형 17">
+            <a:extLst>
+              <a:ext uri="{FF2B5EF4-FFF2-40B4-BE49-F238E27FC236}">
+                <a16:creationId xmlns:a16="http://schemas.microsoft.com/office/drawing/2014/main" id="{43241D98-5944-585F-0306-6FA10B5673DA}"/>
+              </a:ext>
+            </a:extLst>
+          </p:cNvPr>
+          <p:cNvSpPr/>
+          <p:nvPr/>
+        </p:nvSpPr>
+        <p:spPr>
+          <a:xfrm>
+            <a:off x="14853851" y="13649833"/>
+            <a:ext cx="8162606" cy="6112247"/>
+          </a:xfrm>
+          <a:prstGeom prst="rect">
+            <a:avLst/>
+          </a:prstGeom>
+        </p:spPr>
+        <p:style>
+          <a:lnRef idx="1">
+            <a:schemeClr val="accent4"/>
+          </a:lnRef>
+          <a:fillRef idx="2">
+            <a:schemeClr val="accent4"/>
+          </a:fillRef>
+          <a:effectRef idx="1">
+            <a:schemeClr val="accent4"/>
+          </a:effectRef>
+          <a:fontRef idx="minor">
+            <a:schemeClr val="dk1"/>
+          </a:fontRef>
+        </p:style>
+        <p:txBody>
+          <a:bodyPr rtlCol="0" anchor="ctr"/>
+          <a:lstStyle/>
+          <a:p>
+            <a:pPr algn="ctr"/>
+            <a:r>
+              <a:rPr lang="ko-KR" altLang="en-US" sz="10000" dirty="0"/>
+              <a:t>의사</a:t>
+            </a:r>
+            <a:endParaRPr lang="en-US" altLang="ko-KR" sz="10000" dirty="0"/>
+          </a:p>
+          <a:p>
+            <a:pPr algn="ctr"/>
+            <a:r>
+              <a:rPr lang="ko-KR" altLang="en-US" sz="10000" dirty="0"/>
+              <a:t>아이템</a:t>
+            </a:r>
+          </a:p>
+        </p:txBody>
+      </p:sp>
+      <p:sp>
+        <p:nvSpPr>
+          <p:cNvPr id="19" name="직사각형 18">
+            <a:extLst>
+              <a:ext uri="{FF2B5EF4-FFF2-40B4-BE49-F238E27FC236}">
+                <a16:creationId xmlns:a16="http://schemas.microsoft.com/office/drawing/2014/main" id="{AD8BFB98-78B3-B693-2F40-D2B8D3BAF2FF}"/>
+              </a:ext>
+            </a:extLst>
+          </p:cNvPr>
+          <p:cNvSpPr/>
+          <p:nvPr/>
+        </p:nvSpPr>
+        <p:spPr>
+          <a:xfrm>
+            <a:off x="9644049" y="6493574"/>
+            <a:ext cx="8162606" cy="6112247"/>
+          </a:xfrm>
+          <a:prstGeom prst="rect">
+            <a:avLst/>
+          </a:prstGeom>
+        </p:spPr>
+        <p:style>
+          <a:lnRef idx="1">
+            <a:schemeClr val="accent4"/>
+          </a:lnRef>
+          <a:fillRef idx="2">
+            <a:schemeClr val="accent4"/>
+          </a:fillRef>
+          <a:effectRef idx="1">
+            <a:schemeClr val="accent4"/>
+          </a:effectRef>
+          <a:fontRef idx="minor">
+            <a:schemeClr val="dk1"/>
+          </a:fontRef>
+        </p:style>
+        <p:txBody>
+          <a:bodyPr rtlCol="0" anchor="ctr"/>
+          <a:lstStyle/>
+          <a:p>
+            <a:pPr algn="ctr"/>
+            <a:r>
+              <a:rPr lang="ko-KR" altLang="en-US" sz="10000" dirty="0"/>
+              <a:t>음악가</a:t>
+            </a:r>
+            <a:endParaRPr lang="en-US" altLang="ko-KR" sz="10000" dirty="0"/>
+          </a:p>
+          <a:p>
+            <a:pPr algn="ctr"/>
+            <a:r>
+              <a:rPr lang="ko-KR" altLang="en-US" sz="10000" dirty="0"/>
+              <a:t>아이템</a:t>
+            </a:r>
+          </a:p>
+        </p:txBody>
+      </p:sp>
+      <p:sp>
+        <p:nvSpPr>
+          <p:cNvPr id="20" name="직사각형 19">
+            <a:extLst>
+              <a:ext uri="{FF2B5EF4-FFF2-40B4-BE49-F238E27FC236}">
+                <a16:creationId xmlns:a16="http://schemas.microsoft.com/office/drawing/2014/main" id="{D0EEABFE-5203-58E3-BBA1-32297C33E201}"/>
+              </a:ext>
+            </a:extLst>
+          </p:cNvPr>
+          <p:cNvSpPr/>
+          <p:nvPr/>
+        </p:nvSpPr>
+        <p:spPr>
+          <a:xfrm>
+            <a:off x="18749788" y="6556740"/>
+            <a:ext cx="8162606" cy="6112247"/>
+          </a:xfrm>
+          <a:prstGeom prst="rect">
+            <a:avLst/>
+          </a:prstGeom>
+        </p:spPr>
+        <p:style>
+          <a:lnRef idx="1">
+            <a:schemeClr val="accent4"/>
+          </a:lnRef>
+          <a:fillRef idx="2">
+            <a:schemeClr val="accent4"/>
+          </a:fillRef>
+          <a:effectRef idx="1">
+            <a:schemeClr val="accent4"/>
+          </a:effectRef>
+          <a:fontRef idx="minor">
+            <a:schemeClr val="dk1"/>
+          </a:fontRef>
+        </p:style>
+        <p:txBody>
+          <a:bodyPr rtlCol="0" anchor="ctr"/>
+          <a:lstStyle/>
+          <a:p>
+            <a:pPr algn="ctr"/>
+            <a:r>
+              <a:rPr lang="ko-KR" altLang="en-US" sz="10000" dirty="0"/>
+              <a:t>요리사</a:t>
+            </a:r>
+            <a:endParaRPr lang="en-US" altLang="ko-KR" sz="10000" dirty="0"/>
+          </a:p>
+          <a:p>
+            <a:pPr algn="ctr"/>
+            <a:r>
+              <a:rPr lang="ko-KR" altLang="en-US" sz="10000" dirty="0"/>
+              <a:t>아이템</a:t>
+            </a:r>
+          </a:p>
+        </p:txBody>
+      </p:sp>
+      <p:sp>
+        <p:nvSpPr>
+          <p:cNvPr id="21" name="TextBox 20">
+            <a:extLst>
+              <a:ext uri="{FF2B5EF4-FFF2-40B4-BE49-F238E27FC236}">
+                <a16:creationId xmlns:a16="http://schemas.microsoft.com/office/drawing/2014/main" id="{41593289-10CA-5E89-46A9-4EF95B83D60B}"/>
+              </a:ext>
+            </a:extLst>
+          </p:cNvPr>
+          <p:cNvSpPr txBox="1"/>
+          <p:nvPr/>
+        </p:nvSpPr>
+        <p:spPr>
+          <a:xfrm>
+            <a:off x="8628444" y="3785542"/>
+            <a:ext cx="10193816" cy="2400657"/>
+          </a:xfrm>
+          <a:prstGeom prst="rect">
+            <a:avLst/>
+          </a:prstGeom>
+          <a:noFill/>
+        </p:spPr>
+        <p:txBody>
+          <a:bodyPr wrap="none" rtlCol="0">
+            <a:spAutoFit/>
+          </a:bodyPr>
+          <a:lstStyle/>
+          <a:p>
+            <a:r>
+              <a:rPr lang="ko-KR" altLang="en-US" sz="15000" dirty="0"/>
+              <a:t>직업 아이템</a:t>
+            </a:r>
+          </a:p>
+        </p:txBody>
+      </p:sp>
+      <p:sp>
+        <p:nvSpPr>
+          <p:cNvPr id="3" name="직사각형 2">
+            <a:extLst>
+              <a:ext uri="{FF2B5EF4-FFF2-40B4-BE49-F238E27FC236}">
+                <a16:creationId xmlns:a16="http://schemas.microsoft.com/office/drawing/2014/main" id="{8A17D64D-4C7C-52ED-83D9-CCCB844C72DA}"/>
+              </a:ext>
+            </a:extLst>
+          </p:cNvPr>
+          <p:cNvSpPr/>
+          <p:nvPr/>
+        </p:nvSpPr>
+        <p:spPr>
+          <a:xfrm>
+            <a:off x="-261459" y="-105507"/>
+            <a:ext cx="27472113" cy="3305908"/>
+          </a:xfrm>
+          <a:prstGeom prst="rect">
+            <a:avLst/>
+          </a:prstGeom>
+        </p:spPr>
+        <p:style>
+          <a:lnRef idx="1">
+            <a:schemeClr val="dk1"/>
+          </a:lnRef>
+          <a:fillRef idx="2">
+            <a:schemeClr val="dk1"/>
+          </a:fillRef>
+          <a:effectRef idx="1">
+            <a:schemeClr val="dk1"/>
+          </a:effectRef>
+          <a:fontRef idx="minor">
+            <a:schemeClr val="dk1"/>
+          </a:fontRef>
+        </p:style>
+        <p:txBody>
+          <a:bodyPr rtlCol="0" anchor="ctr"/>
+          <a:lstStyle/>
+          <a:p>
+            <a:pPr algn="ctr"/>
+            <a:endParaRPr lang="ko-KR" altLang="en-US"/>
+          </a:p>
+        </p:txBody>
+      </p:sp>
+      <p:sp>
+        <p:nvSpPr>
+          <p:cNvPr id="9" name="직사각형 8">
+            <a:extLst>
+              <a:ext uri="{FF2B5EF4-FFF2-40B4-BE49-F238E27FC236}">
+                <a16:creationId xmlns:a16="http://schemas.microsoft.com/office/drawing/2014/main" id="{FD59D6AB-7FBE-2EF4-D627-CD8D3209EDA5}"/>
+              </a:ext>
+            </a:extLst>
+          </p:cNvPr>
+          <p:cNvSpPr/>
+          <p:nvPr/>
+        </p:nvSpPr>
+        <p:spPr>
+          <a:xfrm>
+            <a:off x="8828455" y="-137089"/>
+            <a:ext cx="10118408" cy="3305908"/>
           </a:xfrm>
           <a:prstGeom prst="rect">
             <a:avLst/>
@@ -8416,16 +7556,256 @@
           <a:p>
             <a:pPr algn="ctr"/>
             <a:r>
+              <a:rPr lang="ko-KR" altLang="en-US" sz="12000" dirty="0"/>
+              <a:t>상점</a:t>
+            </a:r>
+            <a:r>
               <a:rPr lang="ko-KR" altLang="en-US" sz="10000" dirty="0"/>
-              <a:t>당신의 직업은 </a:t>
-            </a:r>
-            <a:endParaRPr lang="en-US" altLang="ko-KR" sz="10000" dirty="0"/>
-          </a:p>
+              <a:t> </a:t>
+            </a:r>
+            <a:r>
+              <a:rPr lang="en-US" altLang="ko-KR" dirty="0"/>
+              <a:t>111</a:t>
+            </a:r>
+            <a:endParaRPr lang="ko-KR" altLang="en-US" dirty="0"/>
+          </a:p>
+        </p:txBody>
+      </p:sp>
+      <p:sp>
+        <p:nvSpPr>
+          <p:cNvPr id="14" name="TextBox 13">
+            <a:extLst>
+              <a:ext uri="{FF2B5EF4-FFF2-40B4-BE49-F238E27FC236}">
+                <a16:creationId xmlns:a16="http://schemas.microsoft.com/office/drawing/2014/main" id="{764E4755-C4BC-576B-7318-69693EEBA2EB}"/>
+              </a:ext>
+            </a:extLst>
+          </p:cNvPr>
+          <p:cNvSpPr txBox="1"/>
+          <p:nvPr/>
+        </p:nvSpPr>
+        <p:spPr>
+          <a:xfrm>
+            <a:off x="18717657" y="20963670"/>
+            <a:ext cx="6867586" cy="1785104"/>
+          </a:xfrm>
+          <a:prstGeom prst="rect">
+            <a:avLst/>
+          </a:prstGeom>
+          <a:noFill/>
+        </p:spPr>
+        <p:txBody>
+          <a:bodyPr wrap="none" rtlCol="0">
+            <a:spAutoFit/>
+          </a:bodyPr>
+          <a:lstStyle/>
+          <a:p>
+            <a:r>
+              <a:rPr lang="ko-KR" altLang="en-US" sz="11000" dirty="0"/>
+              <a:t>개당 </a:t>
+            </a:r>
+            <a:r>
+              <a:rPr lang="en-US" altLang="ko-KR" sz="11000" dirty="0"/>
+              <a:t>3</a:t>
+            </a:r>
+            <a:r>
+              <a:rPr lang="ko-KR" altLang="en-US" sz="11000" dirty="0"/>
+              <a:t>만원</a:t>
+            </a:r>
+          </a:p>
+        </p:txBody>
+      </p:sp>
+      <p:sp>
+        <p:nvSpPr>
+          <p:cNvPr id="15" name="TextBox 14">
+            <a:extLst>
+              <a:ext uri="{FF2B5EF4-FFF2-40B4-BE49-F238E27FC236}">
+                <a16:creationId xmlns:a16="http://schemas.microsoft.com/office/drawing/2014/main" id="{90D8E973-FBD6-A558-393E-57EAB34BCADC}"/>
+              </a:ext>
+            </a:extLst>
+          </p:cNvPr>
+          <p:cNvSpPr txBox="1"/>
+          <p:nvPr/>
+        </p:nvSpPr>
+        <p:spPr>
+          <a:xfrm>
+            <a:off x="9948119" y="24019793"/>
+            <a:ext cx="7879080" cy="2400657"/>
+          </a:xfrm>
+          <a:prstGeom prst="rect">
+            <a:avLst/>
+          </a:prstGeom>
+          <a:noFill/>
+        </p:spPr>
+        <p:txBody>
+          <a:bodyPr wrap="none" rtlCol="0">
+            <a:spAutoFit/>
+          </a:bodyPr>
+          <a:lstStyle/>
+          <a:p>
+            <a:r>
+              <a:rPr lang="ko-KR" altLang="en-US" sz="15000" dirty="0"/>
+              <a:t>랜덤박스</a:t>
+            </a:r>
+          </a:p>
+        </p:txBody>
+      </p:sp>
+      <p:pic>
+        <p:nvPicPr>
+          <p:cNvPr id="25" name="Picture 2" descr="로켓 리그에서 랜덤박스 없애고 대안 제시한다! : 네이버 블로그">
+            <a:extLst>
+              <a:ext uri="{FF2B5EF4-FFF2-40B4-BE49-F238E27FC236}">
+                <a16:creationId xmlns:a16="http://schemas.microsoft.com/office/drawing/2014/main" id="{47081724-DB38-889A-AC5A-A66A9CA90377}"/>
+              </a:ext>
+            </a:extLst>
+          </p:cNvPr>
+          <p:cNvPicPr>
+            <a:picLocks noChangeAspect="1" noChangeArrowheads="1"/>
+          </p:cNvPicPr>
+          <p:nvPr/>
+        </p:nvPicPr>
+        <p:blipFill rotWithShape="1">
+          <a:blip r:embed="rId6">
+            <a:extLst>
+              <a:ext uri="{28A0092B-C50C-407E-A947-70E740481C1C}">
+                <a14:useLocalDpi xmlns:a14="http://schemas.microsoft.com/office/drawing/2010/main" val="0"/>
+              </a:ext>
+            </a:extLst>
+          </a:blip>
+          <a:srcRect l="36324" t="22318" r="35547" b="20151"/>
+          <a:stretch/>
+        </p:blipFill>
+        <p:spPr bwMode="auto">
+          <a:xfrm>
+            <a:off x="-10674" y="26657208"/>
+            <a:ext cx="8162606" cy="9328023"/>
+          </a:xfrm>
+          <a:prstGeom prst="rect">
+            <a:avLst/>
+          </a:prstGeom>
+          <a:noFill/>
+          <a:extLst>
+            <a:ext uri="{909E8E84-426E-40DD-AFC4-6F175D3DCCD1}">
+              <a14:hiddenFill xmlns:a14="http://schemas.microsoft.com/office/drawing/2010/main">
+                <a:solidFill>
+                  <a:srgbClr val="FFFFFF"/>
+                </a:solidFill>
+              </a14:hiddenFill>
+            </a:ext>
+          </a:extLst>
+        </p:spPr>
+      </p:pic>
+      <p:sp>
+        <p:nvSpPr>
+          <p:cNvPr id="27" name="TextBox 26">
+            <a:extLst>
+              <a:ext uri="{FF2B5EF4-FFF2-40B4-BE49-F238E27FC236}">
+                <a16:creationId xmlns:a16="http://schemas.microsoft.com/office/drawing/2014/main" id="{BBBDA6E0-0AC2-8EAB-C534-8147263047B8}"/>
+              </a:ext>
+            </a:extLst>
+          </p:cNvPr>
+          <p:cNvSpPr txBox="1"/>
+          <p:nvPr/>
+        </p:nvSpPr>
+        <p:spPr>
+          <a:xfrm>
+            <a:off x="9166350" y="28803940"/>
+            <a:ext cx="27700213" cy="6093976"/>
+          </a:xfrm>
+          <a:prstGeom prst="rect">
+            <a:avLst/>
+          </a:prstGeom>
+          <a:noFill/>
+        </p:spPr>
+        <p:txBody>
+          <a:bodyPr wrap="square" rtlCol="0">
+            <a:spAutoFit/>
+          </a:bodyPr>
+          <a:lstStyle/>
+          <a:p>
+            <a:r>
+              <a:rPr lang="ko-KR" altLang="en-US" sz="13000" dirty="0"/>
+              <a:t>구매 시 무작위의 버프를 </a:t>
+            </a:r>
+            <a:endParaRPr lang="en-US" altLang="ko-KR" sz="13000" dirty="0"/>
+          </a:p>
+          <a:p>
+            <a:r>
+              <a:rPr lang="ko-KR" altLang="en-US" sz="13000" dirty="0"/>
+              <a:t>획득한다</a:t>
+            </a:r>
+            <a:r>
+              <a:rPr lang="en-US" altLang="ko-KR" sz="13000" dirty="0"/>
+              <a:t>  </a:t>
+            </a:r>
+          </a:p>
+          <a:p>
+            <a:r>
+              <a:rPr lang="ko-KR" altLang="en-US" sz="13000" dirty="0"/>
+              <a:t>가격</a:t>
+            </a:r>
+            <a:r>
+              <a:rPr lang="en-US" altLang="ko-KR" sz="13000" dirty="0"/>
+              <a:t>: 4</a:t>
+            </a:r>
+            <a:r>
+              <a:rPr lang="ko-KR" altLang="en-US" sz="13000" dirty="0"/>
+              <a:t>만원 </a:t>
+            </a:r>
+            <a:endParaRPr lang="en-US" altLang="ko-KR" sz="13000" dirty="0"/>
+          </a:p>
+        </p:txBody>
+      </p:sp>
+      <p:sp>
+        <p:nvSpPr>
+          <p:cNvPr id="28" name="직사각형 27">
+            <a:extLst>
+              <a:ext uri="{FF2B5EF4-FFF2-40B4-BE49-F238E27FC236}">
+                <a16:creationId xmlns:a16="http://schemas.microsoft.com/office/drawing/2014/main" id="{BE1FF2C1-F0F9-46E7-9B5E-67A9AC5BE9A2}"/>
+              </a:ext>
+            </a:extLst>
+          </p:cNvPr>
+          <p:cNvSpPr/>
+          <p:nvPr/>
+        </p:nvSpPr>
+        <p:spPr>
+          <a:xfrm>
+            <a:off x="12383112" y="35587618"/>
+            <a:ext cx="11182291" cy="4651886"/>
+          </a:xfrm>
+          <a:prstGeom prst="rect">
+            <a:avLst/>
+          </a:prstGeom>
+        </p:spPr>
+        <p:style>
+          <a:lnRef idx="2">
+            <a:schemeClr val="dk1"/>
+          </a:lnRef>
+          <a:fillRef idx="1">
+            <a:schemeClr val="lt1"/>
+          </a:fillRef>
+          <a:effectRef idx="0">
+            <a:schemeClr val="dk1"/>
+          </a:effectRef>
+          <a:fontRef idx="minor">
+            <a:schemeClr val="dk1"/>
+          </a:fontRef>
+        </p:style>
+        <p:txBody>
+          <a:bodyPr rtlCol="0" anchor="ctr"/>
+          <a:lstStyle/>
           <a:p>
             <a:pPr algn="ctr"/>
             <a:r>
+              <a:rPr lang="ko-KR" altLang="en-US" sz="12000" dirty="0"/>
+              <a:t>구매하기</a:t>
+            </a:r>
+            <a:r>
               <a:rPr lang="ko-KR" altLang="en-US" sz="10000" dirty="0"/>
-              <a:t>의사</a:t>
+              <a:t> </a:t>
+            </a:r>
+            <a:r>
+              <a:rPr lang="en-US" altLang="ko-KR" dirty="0"/>
+              <a:t>111</a:t>
             </a:r>
             <a:endParaRPr lang="ko-KR" altLang="en-US" dirty="0"/>
           </a:p>
@@ -8433,10 +7813,10 @@
       </p:sp>
       <p:sp>
         <p:nvSpPr>
-          <p:cNvPr id="9" name="직사각형 8">
-            <a:extLst>
-              <a:ext uri="{FF2B5EF4-FFF2-40B4-BE49-F238E27FC236}">
-                <a16:creationId xmlns:a16="http://schemas.microsoft.com/office/drawing/2014/main" id="{F03CCE08-E6D7-8AB5-E4DA-6BDD6D6EE8A0}"/>
+          <p:cNvPr id="34" name="직사각형 33">
+            <a:extLst>
+              <a:ext uri="{FF2B5EF4-FFF2-40B4-BE49-F238E27FC236}">
+                <a16:creationId xmlns:a16="http://schemas.microsoft.com/office/drawing/2014/main" id="{5694A5DE-3035-8925-DDDB-F34B18CAA3B4}"/>
               </a:ext>
             </a:extLst>
           </p:cNvPr>
@@ -8445,8 +7825,8 @@
         </p:nvSpPr>
         <p:spPr>
           <a:xfrm>
-            <a:off x="7360312" y="24957875"/>
-            <a:ext cx="11813640" cy="2206623"/>
+            <a:off x="955541" y="36880782"/>
+            <a:ext cx="6063816" cy="2171283"/>
           </a:xfrm>
           <a:prstGeom prst="rect">
             <a:avLst/>
@@ -8472,8 +7852,178 @@
           <a:p>
             <a:pPr algn="ctr"/>
             <a:r>
+              <a:rPr lang="ko-KR" altLang="en-US" sz="12000" dirty="0" err="1"/>
+              <a:t>확률표</a:t>
+            </a:r>
+            <a:r>
+              <a:rPr lang="en-US" altLang="ko-KR" dirty="0"/>
+              <a:t>111</a:t>
+            </a:r>
+            <a:endParaRPr lang="ko-KR" altLang="en-US" dirty="0"/>
+          </a:p>
+        </p:txBody>
+      </p:sp>
+    </p:spTree>
+    <p:extLst>
+      <p:ext uri="{BB962C8B-B14F-4D97-AF65-F5344CB8AC3E}">
+        <p14:creationId xmlns:p14="http://schemas.microsoft.com/office/powerpoint/2010/main" val="2580161144"/>
+      </p:ext>
+    </p:extLst>
+  </p:cSld>
+  <p:clrMapOvr>
+    <a:masterClrMapping/>
+  </p:clrMapOvr>
+</p:sld>
+</file>
+
+<file path=ppt/slides/slide6.xml><?xml version="1.0" encoding="utf-8"?>
+<p:sld xmlns:a="http://schemas.openxmlformats.org/drawingml/2006/main" xmlns:r="http://schemas.openxmlformats.org/officeDocument/2006/relationships" xmlns:p="http://schemas.openxmlformats.org/presentationml/2006/main">
+  <p:cSld>
+    <p:spTree>
+      <p:nvGrpSpPr>
+        <p:cNvPr id="1" name=""/>
+        <p:cNvGrpSpPr/>
+        <p:nvPr/>
+      </p:nvGrpSpPr>
+      <p:grpSpPr>
+        <a:xfrm>
+          <a:off x="0" y="0"/>
+          <a:ext cx="0" cy="0"/>
+          <a:chOff x="0" y="0"/>
+          <a:chExt cx="0" cy="0"/>
+        </a:xfrm>
+      </p:grpSpPr>
+      <p:pic>
+        <p:nvPicPr>
+          <p:cNvPr id="5" name="그림 4" descr="스크린샷, 직사각형, 건물, 하늘이(가) 표시된 사진&#10;&#10;자동 생성된 설명">
+            <a:extLst>
+              <a:ext uri="{FF2B5EF4-FFF2-40B4-BE49-F238E27FC236}">
+                <a16:creationId xmlns:a16="http://schemas.microsoft.com/office/drawing/2014/main" id="{4EFA6453-9A45-5EC9-E36D-EA8C452462DD}"/>
+              </a:ext>
+            </a:extLst>
+          </p:cNvPr>
+          <p:cNvPicPr>
+            <a:picLocks noChangeAspect="1"/>
+          </p:cNvPicPr>
+          <p:nvPr/>
+        </p:nvPicPr>
+        <p:blipFill>
+          <a:blip r:embed="rId2">
+            <a:extLst>
+              <a:ext uri="{28A0092B-C50C-407E-A947-70E740481C1C}">
+                <a14:useLocalDpi xmlns:a14="http://schemas.microsoft.com/office/drawing/2010/main" val="0"/>
+              </a:ext>
+            </a:extLst>
+          </a:blip>
+          <a:stretch>
+            <a:fillRect/>
+          </a:stretch>
+        </p:blipFill>
+        <p:spPr>
+          <a:xfrm>
+            <a:off x="-261458" y="0"/>
+            <a:ext cx="27472113" cy="46080363"/>
+          </a:xfrm>
+          <a:prstGeom prst="rect">
+            <a:avLst/>
+          </a:prstGeom>
+        </p:spPr>
+      </p:pic>
+      <p:sp>
+        <p:nvSpPr>
+          <p:cNvPr id="6" name="직사각형 5">
+            <a:extLst>
+              <a:ext uri="{FF2B5EF4-FFF2-40B4-BE49-F238E27FC236}">
+                <a16:creationId xmlns:a16="http://schemas.microsoft.com/office/drawing/2014/main" id="{7F404CFA-6E1D-91BD-EFCD-F0E5F602E3D8}"/>
+              </a:ext>
+            </a:extLst>
+          </p:cNvPr>
+          <p:cNvSpPr/>
+          <p:nvPr/>
+        </p:nvSpPr>
+        <p:spPr>
+          <a:xfrm>
+            <a:off x="-261459" y="0"/>
+            <a:ext cx="27472113" cy="3305908"/>
+          </a:xfrm>
+          <a:prstGeom prst="rect">
+            <a:avLst/>
+          </a:prstGeom>
+        </p:spPr>
+        <p:style>
+          <a:lnRef idx="1">
+            <a:schemeClr val="dk1"/>
+          </a:lnRef>
+          <a:fillRef idx="2">
+            <a:schemeClr val="dk1"/>
+          </a:fillRef>
+          <a:effectRef idx="1">
+            <a:schemeClr val="dk1"/>
+          </a:effectRef>
+          <a:fontRef idx="minor">
+            <a:schemeClr val="dk1"/>
+          </a:fontRef>
+        </p:style>
+        <p:txBody>
+          <a:bodyPr rtlCol="0" anchor="ctr"/>
+          <a:lstStyle/>
+          <a:p>
+            <a:pPr algn="ctr"/>
+            <a:endParaRPr lang="ko-KR" altLang="en-US"/>
+          </a:p>
+        </p:txBody>
+      </p:sp>
+      <p:sp>
+        <p:nvSpPr>
+          <p:cNvPr id="8" name="직사각형 7">
+            <a:extLst>
+              <a:ext uri="{FF2B5EF4-FFF2-40B4-BE49-F238E27FC236}">
+                <a16:creationId xmlns:a16="http://schemas.microsoft.com/office/drawing/2014/main" id="{2E453541-BF36-8047-A41B-D9B728A947D4}"/>
+              </a:ext>
+            </a:extLst>
+          </p:cNvPr>
+          <p:cNvSpPr/>
+          <p:nvPr/>
+        </p:nvSpPr>
+        <p:spPr>
+          <a:xfrm>
+            <a:off x="17092246" y="0"/>
+            <a:ext cx="10118408" cy="3305908"/>
+          </a:xfrm>
+          <a:prstGeom prst="rect">
+            <a:avLst/>
+          </a:prstGeom>
+        </p:spPr>
+        <p:style>
+          <a:lnRef idx="2">
+            <a:schemeClr val="accent6"/>
+          </a:lnRef>
+          <a:fillRef idx="1">
+            <a:schemeClr val="lt1"/>
+          </a:fillRef>
+          <a:effectRef idx="0">
+            <a:schemeClr val="accent6"/>
+          </a:effectRef>
+          <a:fontRef idx="minor">
+            <a:schemeClr val="dk1"/>
+          </a:fontRef>
+        </p:style>
+        <p:txBody>
+          <a:bodyPr rtlCol="0" anchor="ctr"/>
+          <a:lstStyle/>
+          <a:p>
+            <a:pPr algn="ctr"/>
+            <a:r>
+              <a:rPr lang="en-US" altLang="ko-KR" sz="10000" dirty="0"/>
+              <a:t>100000</a:t>
+            </a:r>
+            <a:r>
               <a:rPr lang="ko-KR" altLang="en-US" sz="10000" dirty="0"/>
-              <a:t>이 직업을 본 횟수</a:t>
+              <a:t>원</a:t>
+            </a:r>
+            <a:r>
+              <a:rPr lang="en-US" altLang="ko-KR" dirty="0"/>
+              <a:t>111</a:t>
             </a:r>
             <a:endParaRPr lang="ko-KR" altLang="en-US" dirty="0"/>
           </a:p>
@@ -8481,10 +8031,10 @@
       </p:sp>
       <p:sp>
         <p:nvSpPr>
-          <p:cNvPr id="12" name="직사각형 11">
-            <a:extLst>
-              <a:ext uri="{FF2B5EF4-FFF2-40B4-BE49-F238E27FC236}">
-                <a16:creationId xmlns:a16="http://schemas.microsoft.com/office/drawing/2014/main" id="{5431366C-AFE7-A90E-0FA4-9A61FEF5A49F}"/>
+          <p:cNvPr id="10" name="직사각형 9">
+            <a:extLst>
+              <a:ext uri="{FF2B5EF4-FFF2-40B4-BE49-F238E27FC236}">
+                <a16:creationId xmlns:a16="http://schemas.microsoft.com/office/drawing/2014/main" id="{A97C10F0-0148-6311-B819-5B3D8ABE8FBD}"/>
               </a:ext>
             </a:extLst>
           </p:cNvPr>
@@ -8493,8 +8043,207 @@
         </p:nvSpPr>
         <p:spPr>
           <a:xfrm>
-            <a:off x="5464340" y="29252682"/>
-            <a:ext cx="16020505" cy="5050517"/>
+            <a:off x="-261460" y="-211015"/>
+            <a:ext cx="10118408" cy="3305908"/>
+          </a:xfrm>
+          <a:prstGeom prst="rect">
+            <a:avLst/>
+          </a:prstGeom>
+        </p:spPr>
+        <p:style>
+          <a:lnRef idx="2">
+            <a:schemeClr val="accent6"/>
+          </a:lnRef>
+          <a:fillRef idx="1">
+            <a:schemeClr val="lt1"/>
+          </a:fillRef>
+          <a:effectRef idx="0">
+            <a:schemeClr val="accent6"/>
+          </a:effectRef>
+          <a:fontRef idx="minor">
+            <a:schemeClr val="dk1"/>
+          </a:fontRef>
+        </p:style>
+        <p:txBody>
+          <a:bodyPr rtlCol="0" anchor="ctr"/>
+          <a:lstStyle/>
+          <a:p>
+            <a:pPr algn="ctr"/>
+            <a:r>
+              <a:rPr lang="en-US" altLang="ko-KR" sz="10000" dirty="0"/>
+              <a:t>2009</a:t>
+            </a:r>
+            <a:r>
+              <a:rPr lang="ko-KR" altLang="en-US" sz="10000" dirty="0"/>
+              <a:t>년 </a:t>
+            </a:r>
+            <a:r>
+              <a:rPr lang="en-US" altLang="ko-KR" sz="10000" dirty="0"/>
+              <a:t>3</a:t>
+            </a:r>
+            <a:r>
+              <a:rPr lang="ko-KR" altLang="en-US" sz="10000" dirty="0"/>
+              <a:t>월</a:t>
+            </a:r>
+            <a:endParaRPr lang="ko-KR" altLang="en-US" dirty="0"/>
+          </a:p>
+        </p:txBody>
+      </p:sp>
+      <p:pic>
+        <p:nvPicPr>
+          <p:cNvPr id="1026" name="Picture 2" descr="달력 날짜 이미지 - Freepik에서 무료 다운로드">
+            <a:extLst>
+              <a:ext uri="{FF2B5EF4-FFF2-40B4-BE49-F238E27FC236}">
+                <a16:creationId xmlns:a16="http://schemas.microsoft.com/office/drawing/2014/main" id="{BA5A8500-5552-7CC0-0BFF-C6B89750166E}"/>
+              </a:ext>
+            </a:extLst>
+          </p:cNvPr>
+          <p:cNvPicPr>
+            <a:picLocks noChangeAspect="1" noChangeArrowheads="1"/>
+          </p:cNvPicPr>
+          <p:nvPr/>
+        </p:nvPicPr>
+        <p:blipFill>
+          <a:blip r:embed="rId3">
+            <a:extLst>
+              <a:ext uri="{28A0092B-C50C-407E-A947-70E740481C1C}">
+                <a14:useLocalDpi xmlns:a14="http://schemas.microsoft.com/office/drawing/2010/main" val="0"/>
+              </a:ext>
+            </a:extLst>
+          </a:blip>
+          <a:srcRect/>
+          <a:stretch>
+            <a:fillRect/>
+          </a:stretch>
+        </p:blipFill>
+        <p:spPr bwMode="auto">
+          <a:xfrm>
+            <a:off x="11350002" y="0"/>
+            <a:ext cx="4249189" cy="3478167"/>
+          </a:xfrm>
+          <a:prstGeom prst="rect">
+            <a:avLst/>
+          </a:prstGeom>
+          <a:noFill/>
+          <a:extLst>
+            <a:ext uri="{909E8E84-426E-40DD-AFC4-6F175D3DCCD1}">
+              <a14:hiddenFill xmlns:a14="http://schemas.microsoft.com/office/drawing/2010/main">
+                <a:solidFill>
+                  <a:srgbClr val="FFFFFF"/>
+                </a:solidFill>
+              </a14:hiddenFill>
+            </a:ext>
+          </a:extLst>
+        </p:spPr>
+      </p:pic>
+      <p:pic>
+        <p:nvPicPr>
+          <p:cNvPr id="1028" name="Picture 4" descr="아기 일러스트 PNG, AI 무료 다운로드 (2023년) - 리틀딥">
+            <a:extLst>
+              <a:ext uri="{FF2B5EF4-FFF2-40B4-BE49-F238E27FC236}">
+                <a16:creationId xmlns:a16="http://schemas.microsoft.com/office/drawing/2014/main" id="{517A7BD6-564D-86D0-E7AE-DF5B10712C80}"/>
+              </a:ext>
+            </a:extLst>
+          </p:cNvPr>
+          <p:cNvPicPr>
+            <a:picLocks noChangeAspect="1" noChangeArrowheads="1"/>
+          </p:cNvPicPr>
+          <p:nvPr/>
+        </p:nvPicPr>
+        <p:blipFill>
+          <a:blip r:embed="rId4">
+            <a:extLst>
+              <a:ext uri="{28A0092B-C50C-407E-A947-70E740481C1C}">
+                <a14:useLocalDpi xmlns:a14="http://schemas.microsoft.com/office/drawing/2010/main" val="0"/>
+              </a:ext>
+            </a:extLst>
+          </a:blip>
+          <a:srcRect/>
+          <a:stretch>
+            <a:fillRect/>
+          </a:stretch>
+        </p:blipFill>
+        <p:spPr bwMode="auto">
+          <a:xfrm>
+            <a:off x="8126931" y="4589811"/>
+            <a:ext cx="10695329" cy="10695329"/>
+          </a:xfrm>
+          <a:prstGeom prst="rect">
+            <a:avLst/>
+          </a:prstGeom>
+          <a:noFill/>
+          <a:extLst>
+            <a:ext uri="{909E8E84-426E-40DD-AFC4-6F175D3DCCD1}">
+              <a14:hiddenFill xmlns:a14="http://schemas.microsoft.com/office/drawing/2010/main">
+                <a:solidFill>
+                  <a:srgbClr val="FFFFFF"/>
+                </a:solidFill>
+              </a14:hiddenFill>
+            </a:ext>
+          </a:extLst>
+        </p:spPr>
+      </p:pic>
+      <p:pic>
+        <p:nvPicPr>
+          <p:cNvPr id="11" name="Picture 2" descr="상점 로고 아이콘 일러스트 ai 무료 다운로드 - 로고요고">
+            <a:extLst>
+              <a:ext uri="{FF2B5EF4-FFF2-40B4-BE49-F238E27FC236}">
+                <a16:creationId xmlns:a16="http://schemas.microsoft.com/office/drawing/2014/main" id="{8B6E9BA7-CDB0-895F-C7B2-55133CD3777E}"/>
+              </a:ext>
+            </a:extLst>
+          </p:cNvPr>
+          <p:cNvPicPr>
+            <a:picLocks noChangeAspect="1" noChangeArrowheads="1"/>
+          </p:cNvPicPr>
+          <p:nvPr/>
+        </p:nvPicPr>
+        <p:blipFill rotWithShape="1">
+          <a:blip r:embed="rId5">
+            <a:extLst>
+              <a:ext uri="{28A0092B-C50C-407E-A947-70E740481C1C}">
+                <a14:useLocalDpi xmlns:a14="http://schemas.microsoft.com/office/drawing/2010/main" val="0"/>
+              </a:ext>
+            </a:extLst>
+          </a:blip>
+          <a:srcRect l="31881" t="35272" r="28533" b="31773"/>
+          <a:stretch/>
+        </p:blipFill>
+        <p:spPr bwMode="auto">
+          <a:xfrm>
+            <a:off x="955541" y="18065902"/>
+            <a:ext cx="5696204" cy="5024865"/>
+          </a:xfrm>
+          <a:prstGeom prst="rect">
+            <a:avLst/>
+          </a:prstGeom>
+          <a:noFill/>
+          <a:extLst>
+            <a:ext uri="{909E8E84-426E-40DD-AFC4-6F175D3DCCD1}">
+              <a14:hiddenFill xmlns:a14="http://schemas.microsoft.com/office/drawing/2010/main">
+                <a:solidFill>
+                  <a:srgbClr val="FFFFFF"/>
+                </a:solidFill>
+              </a14:hiddenFill>
+            </a:ext>
+          </a:extLst>
+        </p:spPr>
+      </p:pic>
+      <p:sp>
+        <p:nvSpPr>
+          <p:cNvPr id="7" name="직사각형 6">
+            <a:extLst>
+              <a:ext uri="{FF2B5EF4-FFF2-40B4-BE49-F238E27FC236}">
+                <a16:creationId xmlns:a16="http://schemas.microsoft.com/office/drawing/2014/main" id="{4F3E6146-7BF7-4790-81B4-E7AFDF72F1A0}"/>
+              </a:ext>
+            </a:extLst>
+          </p:cNvPr>
+          <p:cNvSpPr/>
+          <p:nvPr/>
+        </p:nvSpPr>
+        <p:spPr>
+          <a:xfrm>
+            <a:off x="538310" y="6556741"/>
+            <a:ext cx="8162606" cy="6112247"/>
           </a:xfrm>
           <a:prstGeom prst="rect">
             <a:avLst/>
@@ -8504,14 +8253,14 @@
           <a:lnRef idx="1">
             <a:schemeClr val="accent4"/>
           </a:lnRef>
-          <a:fillRef idx="3">
+          <a:fillRef idx="2">
             <a:schemeClr val="accent4"/>
           </a:fillRef>
-          <a:effectRef idx="2">
+          <a:effectRef idx="1">
             <a:schemeClr val="accent4"/>
           </a:effectRef>
           <a:fontRef idx="minor">
-            <a:schemeClr val="lt1"/>
+            <a:schemeClr val="dk1"/>
           </a:fontRef>
         </p:style>
         <p:txBody>
@@ -8520,8 +8269,1402 @@
           <a:p>
             <a:pPr algn="ctr"/>
             <a:r>
+              <a:rPr lang="ko-KR" altLang="en-US" sz="10000" dirty="0"/>
+              <a:t>운동선수</a:t>
+            </a:r>
+            <a:endParaRPr lang="en-US" altLang="ko-KR" sz="10000" dirty="0"/>
+          </a:p>
+          <a:p>
+            <a:pPr algn="ctr"/>
+            <a:r>
+              <a:rPr lang="ko-KR" altLang="en-US" sz="10000" dirty="0"/>
+              <a:t>아이템</a:t>
+            </a:r>
+          </a:p>
+        </p:txBody>
+      </p:sp>
+      <p:sp>
+        <p:nvSpPr>
+          <p:cNvPr id="17" name="직사각형 16">
+            <a:extLst>
+              <a:ext uri="{FF2B5EF4-FFF2-40B4-BE49-F238E27FC236}">
+                <a16:creationId xmlns:a16="http://schemas.microsoft.com/office/drawing/2014/main" id="{8E4136FC-454E-1C2C-7BA8-5F291BD64E13}"/>
+              </a:ext>
+            </a:extLst>
+          </p:cNvPr>
+          <p:cNvSpPr/>
+          <p:nvPr/>
+        </p:nvSpPr>
+        <p:spPr>
+          <a:xfrm>
+            <a:off x="5725053" y="13762259"/>
+            <a:ext cx="8162606" cy="6112247"/>
+          </a:xfrm>
+          <a:prstGeom prst="rect">
+            <a:avLst/>
+          </a:prstGeom>
+        </p:spPr>
+        <p:style>
+          <a:lnRef idx="1">
+            <a:schemeClr val="accent4"/>
+          </a:lnRef>
+          <a:fillRef idx="2">
+            <a:schemeClr val="accent4"/>
+          </a:fillRef>
+          <a:effectRef idx="1">
+            <a:schemeClr val="accent4"/>
+          </a:effectRef>
+          <a:fontRef idx="minor">
+            <a:schemeClr val="dk1"/>
+          </a:fontRef>
+        </p:style>
+        <p:txBody>
+          <a:bodyPr rtlCol="0" anchor="ctr"/>
+          <a:lstStyle/>
+          <a:p>
+            <a:pPr algn="ctr"/>
+            <a:r>
+              <a:rPr lang="ko-KR" altLang="en-US" sz="10000" dirty="0"/>
+              <a:t>경찰</a:t>
+            </a:r>
+            <a:endParaRPr lang="en-US" altLang="ko-KR" sz="10000" dirty="0"/>
+          </a:p>
+          <a:p>
+            <a:pPr algn="ctr"/>
+            <a:r>
+              <a:rPr lang="ko-KR" altLang="en-US" sz="10000" dirty="0"/>
+              <a:t>아이템</a:t>
+            </a:r>
+          </a:p>
+        </p:txBody>
+      </p:sp>
+      <p:sp>
+        <p:nvSpPr>
+          <p:cNvPr id="18" name="직사각형 17">
+            <a:extLst>
+              <a:ext uri="{FF2B5EF4-FFF2-40B4-BE49-F238E27FC236}">
+                <a16:creationId xmlns:a16="http://schemas.microsoft.com/office/drawing/2014/main" id="{43241D98-5944-585F-0306-6FA10B5673DA}"/>
+              </a:ext>
+            </a:extLst>
+          </p:cNvPr>
+          <p:cNvSpPr/>
+          <p:nvPr/>
+        </p:nvSpPr>
+        <p:spPr>
+          <a:xfrm>
+            <a:off x="14853851" y="13649833"/>
+            <a:ext cx="8162606" cy="6112247"/>
+          </a:xfrm>
+          <a:prstGeom prst="rect">
+            <a:avLst/>
+          </a:prstGeom>
+        </p:spPr>
+        <p:style>
+          <a:lnRef idx="1">
+            <a:schemeClr val="accent4"/>
+          </a:lnRef>
+          <a:fillRef idx="2">
+            <a:schemeClr val="accent4"/>
+          </a:fillRef>
+          <a:effectRef idx="1">
+            <a:schemeClr val="accent4"/>
+          </a:effectRef>
+          <a:fontRef idx="minor">
+            <a:schemeClr val="dk1"/>
+          </a:fontRef>
+        </p:style>
+        <p:txBody>
+          <a:bodyPr rtlCol="0" anchor="ctr"/>
+          <a:lstStyle/>
+          <a:p>
+            <a:pPr algn="ctr"/>
+            <a:r>
+              <a:rPr lang="ko-KR" altLang="en-US" sz="10000" dirty="0"/>
+              <a:t>의사</a:t>
+            </a:r>
+            <a:endParaRPr lang="en-US" altLang="ko-KR" sz="10000" dirty="0"/>
+          </a:p>
+          <a:p>
+            <a:pPr algn="ctr"/>
+            <a:r>
+              <a:rPr lang="ko-KR" altLang="en-US" sz="10000" dirty="0"/>
+              <a:t>아이템</a:t>
+            </a:r>
+          </a:p>
+        </p:txBody>
+      </p:sp>
+      <p:sp>
+        <p:nvSpPr>
+          <p:cNvPr id="19" name="직사각형 18">
+            <a:extLst>
+              <a:ext uri="{FF2B5EF4-FFF2-40B4-BE49-F238E27FC236}">
+                <a16:creationId xmlns:a16="http://schemas.microsoft.com/office/drawing/2014/main" id="{AD8BFB98-78B3-B693-2F40-D2B8D3BAF2FF}"/>
+              </a:ext>
+            </a:extLst>
+          </p:cNvPr>
+          <p:cNvSpPr/>
+          <p:nvPr/>
+        </p:nvSpPr>
+        <p:spPr>
+          <a:xfrm>
+            <a:off x="9644049" y="6493574"/>
+            <a:ext cx="8162606" cy="6112247"/>
+          </a:xfrm>
+          <a:prstGeom prst="rect">
+            <a:avLst/>
+          </a:prstGeom>
+        </p:spPr>
+        <p:style>
+          <a:lnRef idx="1">
+            <a:schemeClr val="accent4"/>
+          </a:lnRef>
+          <a:fillRef idx="2">
+            <a:schemeClr val="accent4"/>
+          </a:fillRef>
+          <a:effectRef idx="1">
+            <a:schemeClr val="accent4"/>
+          </a:effectRef>
+          <a:fontRef idx="minor">
+            <a:schemeClr val="dk1"/>
+          </a:fontRef>
+        </p:style>
+        <p:txBody>
+          <a:bodyPr rtlCol="0" anchor="ctr"/>
+          <a:lstStyle/>
+          <a:p>
+            <a:pPr algn="ctr"/>
+            <a:r>
+              <a:rPr lang="ko-KR" altLang="en-US" sz="10000" dirty="0"/>
+              <a:t>음악가</a:t>
+            </a:r>
+            <a:endParaRPr lang="en-US" altLang="ko-KR" sz="10000" dirty="0"/>
+          </a:p>
+          <a:p>
+            <a:pPr algn="ctr"/>
+            <a:r>
+              <a:rPr lang="ko-KR" altLang="en-US" sz="10000" dirty="0"/>
+              <a:t>아이템</a:t>
+            </a:r>
+          </a:p>
+        </p:txBody>
+      </p:sp>
+      <p:sp>
+        <p:nvSpPr>
+          <p:cNvPr id="20" name="직사각형 19">
+            <a:extLst>
+              <a:ext uri="{FF2B5EF4-FFF2-40B4-BE49-F238E27FC236}">
+                <a16:creationId xmlns:a16="http://schemas.microsoft.com/office/drawing/2014/main" id="{D0EEABFE-5203-58E3-BBA1-32297C33E201}"/>
+              </a:ext>
+            </a:extLst>
+          </p:cNvPr>
+          <p:cNvSpPr/>
+          <p:nvPr/>
+        </p:nvSpPr>
+        <p:spPr>
+          <a:xfrm>
+            <a:off x="18749788" y="6556740"/>
+            <a:ext cx="8162606" cy="6112247"/>
+          </a:xfrm>
+          <a:prstGeom prst="rect">
+            <a:avLst/>
+          </a:prstGeom>
+        </p:spPr>
+        <p:style>
+          <a:lnRef idx="1">
+            <a:schemeClr val="accent4"/>
+          </a:lnRef>
+          <a:fillRef idx="2">
+            <a:schemeClr val="accent4"/>
+          </a:fillRef>
+          <a:effectRef idx="1">
+            <a:schemeClr val="accent4"/>
+          </a:effectRef>
+          <a:fontRef idx="minor">
+            <a:schemeClr val="dk1"/>
+          </a:fontRef>
+        </p:style>
+        <p:txBody>
+          <a:bodyPr rtlCol="0" anchor="ctr"/>
+          <a:lstStyle/>
+          <a:p>
+            <a:pPr algn="ctr"/>
+            <a:r>
+              <a:rPr lang="ko-KR" altLang="en-US" sz="10000" dirty="0"/>
+              <a:t>요리사</a:t>
+            </a:r>
+            <a:endParaRPr lang="en-US" altLang="ko-KR" sz="10000" dirty="0"/>
+          </a:p>
+          <a:p>
+            <a:pPr algn="ctr"/>
+            <a:r>
+              <a:rPr lang="ko-KR" altLang="en-US" sz="10000" dirty="0"/>
+              <a:t>아이템</a:t>
+            </a:r>
+          </a:p>
+        </p:txBody>
+      </p:sp>
+      <p:sp>
+        <p:nvSpPr>
+          <p:cNvPr id="21" name="TextBox 20">
+            <a:extLst>
+              <a:ext uri="{FF2B5EF4-FFF2-40B4-BE49-F238E27FC236}">
+                <a16:creationId xmlns:a16="http://schemas.microsoft.com/office/drawing/2014/main" id="{41593289-10CA-5E89-46A9-4EF95B83D60B}"/>
+              </a:ext>
+            </a:extLst>
+          </p:cNvPr>
+          <p:cNvSpPr txBox="1"/>
+          <p:nvPr/>
+        </p:nvSpPr>
+        <p:spPr>
+          <a:xfrm>
+            <a:off x="8628444" y="3785542"/>
+            <a:ext cx="10193816" cy="2400657"/>
+          </a:xfrm>
+          <a:prstGeom prst="rect">
+            <a:avLst/>
+          </a:prstGeom>
+          <a:noFill/>
+        </p:spPr>
+        <p:txBody>
+          <a:bodyPr wrap="none" rtlCol="0">
+            <a:spAutoFit/>
+          </a:bodyPr>
+          <a:lstStyle/>
+          <a:p>
+            <a:r>
               <a:rPr lang="ko-KR" altLang="en-US" sz="15000" dirty="0"/>
-              <a:t>다시 시작</a:t>
+              <a:t>직업 아이템</a:t>
+            </a:r>
+          </a:p>
+        </p:txBody>
+      </p:sp>
+      <p:sp>
+        <p:nvSpPr>
+          <p:cNvPr id="3" name="직사각형 2">
+            <a:extLst>
+              <a:ext uri="{FF2B5EF4-FFF2-40B4-BE49-F238E27FC236}">
+                <a16:creationId xmlns:a16="http://schemas.microsoft.com/office/drawing/2014/main" id="{8A17D64D-4C7C-52ED-83D9-CCCB844C72DA}"/>
+              </a:ext>
+            </a:extLst>
+          </p:cNvPr>
+          <p:cNvSpPr/>
+          <p:nvPr/>
+        </p:nvSpPr>
+        <p:spPr>
+          <a:xfrm>
+            <a:off x="-261459" y="-105507"/>
+            <a:ext cx="27472113" cy="3305908"/>
+          </a:xfrm>
+          <a:prstGeom prst="rect">
+            <a:avLst/>
+          </a:prstGeom>
+        </p:spPr>
+        <p:style>
+          <a:lnRef idx="1">
+            <a:schemeClr val="dk1"/>
+          </a:lnRef>
+          <a:fillRef idx="2">
+            <a:schemeClr val="dk1"/>
+          </a:fillRef>
+          <a:effectRef idx="1">
+            <a:schemeClr val="dk1"/>
+          </a:effectRef>
+          <a:fontRef idx="minor">
+            <a:schemeClr val="dk1"/>
+          </a:fontRef>
+        </p:style>
+        <p:txBody>
+          <a:bodyPr rtlCol="0" anchor="ctr"/>
+          <a:lstStyle/>
+          <a:p>
+            <a:pPr algn="ctr"/>
+            <a:endParaRPr lang="ko-KR" altLang="en-US"/>
+          </a:p>
+        </p:txBody>
+      </p:sp>
+      <p:sp>
+        <p:nvSpPr>
+          <p:cNvPr id="9" name="직사각형 8">
+            <a:extLst>
+              <a:ext uri="{FF2B5EF4-FFF2-40B4-BE49-F238E27FC236}">
+                <a16:creationId xmlns:a16="http://schemas.microsoft.com/office/drawing/2014/main" id="{FD59D6AB-7FBE-2EF4-D627-CD8D3209EDA5}"/>
+              </a:ext>
+            </a:extLst>
+          </p:cNvPr>
+          <p:cNvSpPr/>
+          <p:nvPr/>
+        </p:nvSpPr>
+        <p:spPr>
+          <a:xfrm>
+            <a:off x="8828455" y="-137089"/>
+            <a:ext cx="10118408" cy="3305908"/>
+          </a:xfrm>
+          <a:prstGeom prst="rect">
+            <a:avLst/>
+          </a:prstGeom>
+        </p:spPr>
+        <p:style>
+          <a:lnRef idx="2">
+            <a:schemeClr val="accent6"/>
+          </a:lnRef>
+          <a:fillRef idx="1">
+            <a:schemeClr val="lt1"/>
+          </a:fillRef>
+          <a:effectRef idx="0">
+            <a:schemeClr val="accent6"/>
+          </a:effectRef>
+          <a:fontRef idx="minor">
+            <a:schemeClr val="dk1"/>
+          </a:fontRef>
+        </p:style>
+        <p:txBody>
+          <a:bodyPr rtlCol="0" anchor="ctr"/>
+          <a:lstStyle/>
+          <a:p>
+            <a:pPr algn="ctr"/>
+            <a:r>
+              <a:rPr lang="ko-KR" altLang="en-US" sz="10000" dirty="0" err="1"/>
+              <a:t>확률표</a:t>
+            </a:r>
+            <a:r>
+              <a:rPr lang="ko-KR" altLang="en-US" sz="10000" dirty="0"/>
+              <a:t> </a:t>
+            </a:r>
+            <a:r>
+              <a:rPr lang="en-US" altLang="ko-KR" dirty="0"/>
+              <a:t>111</a:t>
+            </a:r>
+            <a:endParaRPr lang="ko-KR" altLang="en-US" dirty="0"/>
+          </a:p>
+        </p:txBody>
+      </p:sp>
+      <p:sp>
+        <p:nvSpPr>
+          <p:cNvPr id="14" name="TextBox 13">
+            <a:extLst>
+              <a:ext uri="{FF2B5EF4-FFF2-40B4-BE49-F238E27FC236}">
+                <a16:creationId xmlns:a16="http://schemas.microsoft.com/office/drawing/2014/main" id="{764E4755-C4BC-576B-7318-69693EEBA2EB}"/>
+              </a:ext>
+            </a:extLst>
+          </p:cNvPr>
+          <p:cNvSpPr txBox="1"/>
+          <p:nvPr/>
+        </p:nvSpPr>
+        <p:spPr>
+          <a:xfrm>
+            <a:off x="18717657" y="20963670"/>
+            <a:ext cx="6867586" cy="1785104"/>
+          </a:xfrm>
+          <a:prstGeom prst="rect">
+            <a:avLst/>
+          </a:prstGeom>
+          <a:noFill/>
+        </p:spPr>
+        <p:txBody>
+          <a:bodyPr wrap="none" rtlCol="0">
+            <a:spAutoFit/>
+          </a:bodyPr>
+          <a:lstStyle/>
+          <a:p>
+            <a:r>
+              <a:rPr lang="ko-KR" altLang="en-US" sz="11000" dirty="0"/>
+              <a:t>개당 </a:t>
+            </a:r>
+            <a:r>
+              <a:rPr lang="en-US" altLang="ko-KR" sz="11000" dirty="0"/>
+              <a:t>3</a:t>
+            </a:r>
+            <a:r>
+              <a:rPr lang="ko-KR" altLang="en-US" sz="11000" dirty="0"/>
+              <a:t>만원</a:t>
+            </a:r>
+          </a:p>
+        </p:txBody>
+      </p:sp>
+      <p:sp>
+        <p:nvSpPr>
+          <p:cNvPr id="15" name="TextBox 14">
+            <a:extLst>
+              <a:ext uri="{FF2B5EF4-FFF2-40B4-BE49-F238E27FC236}">
+                <a16:creationId xmlns:a16="http://schemas.microsoft.com/office/drawing/2014/main" id="{90D8E973-FBD6-A558-393E-57EAB34BCADC}"/>
+              </a:ext>
+            </a:extLst>
+          </p:cNvPr>
+          <p:cNvSpPr txBox="1"/>
+          <p:nvPr/>
+        </p:nvSpPr>
+        <p:spPr>
+          <a:xfrm>
+            <a:off x="9948119" y="24019793"/>
+            <a:ext cx="7879080" cy="2400657"/>
+          </a:xfrm>
+          <a:prstGeom prst="rect">
+            <a:avLst/>
+          </a:prstGeom>
+          <a:noFill/>
+        </p:spPr>
+        <p:txBody>
+          <a:bodyPr wrap="none" rtlCol="0">
+            <a:spAutoFit/>
+          </a:bodyPr>
+          <a:lstStyle/>
+          <a:p>
+            <a:r>
+              <a:rPr lang="ko-KR" altLang="en-US" sz="15000" dirty="0"/>
+              <a:t>랜덤박스</a:t>
+            </a:r>
+          </a:p>
+        </p:txBody>
+      </p:sp>
+      <p:pic>
+        <p:nvPicPr>
+          <p:cNvPr id="25" name="Picture 2" descr="로켓 리그에서 랜덤박스 없애고 대안 제시한다! : 네이버 블로그">
+            <a:extLst>
+              <a:ext uri="{FF2B5EF4-FFF2-40B4-BE49-F238E27FC236}">
+                <a16:creationId xmlns:a16="http://schemas.microsoft.com/office/drawing/2014/main" id="{47081724-DB38-889A-AC5A-A66A9CA90377}"/>
+              </a:ext>
+            </a:extLst>
+          </p:cNvPr>
+          <p:cNvPicPr>
+            <a:picLocks noChangeAspect="1" noChangeArrowheads="1"/>
+          </p:cNvPicPr>
+          <p:nvPr/>
+        </p:nvPicPr>
+        <p:blipFill rotWithShape="1">
+          <a:blip r:embed="rId6">
+            <a:extLst>
+              <a:ext uri="{28A0092B-C50C-407E-A947-70E740481C1C}">
+                <a14:useLocalDpi xmlns:a14="http://schemas.microsoft.com/office/drawing/2010/main" val="0"/>
+              </a:ext>
+            </a:extLst>
+          </a:blip>
+          <a:srcRect l="36324" t="22318" r="35547" b="20151"/>
+          <a:stretch/>
+        </p:blipFill>
+        <p:spPr bwMode="auto">
+          <a:xfrm>
+            <a:off x="-10674" y="26657208"/>
+            <a:ext cx="8162606" cy="9328023"/>
+          </a:xfrm>
+          <a:prstGeom prst="rect">
+            <a:avLst/>
+          </a:prstGeom>
+          <a:noFill/>
+          <a:extLst>
+            <a:ext uri="{909E8E84-426E-40DD-AFC4-6F175D3DCCD1}">
+              <a14:hiddenFill xmlns:a14="http://schemas.microsoft.com/office/drawing/2010/main">
+                <a:solidFill>
+                  <a:srgbClr val="FFFFFF"/>
+                </a:solidFill>
+              </a14:hiddenFill>
+            </a:ext>
+          </a:extLst>
+        </p:spPr>
+      </p:pic>
+      <p:sp>
+        <p:nvSpPr>
+          <p:cNvPr id="27" name="TextBox 26">
+            <a:extLst>
+              <a:ext uri="{FF2B5EF4-FFF2-40B4-BE49-F238E27FC236}">
+                <a16:creationId xmlns:a16="http://schemas.microsoft.com/office/drawing/2014/main" id="{BBBDA6E0-0AC2-8EAB-C534-8147263047B8}"/>
+              </a:ext>
+            </a:extLst>
+          </p:cNvPr>
+          <p:cNvSpPr txBox="1"/>
+          <p:nvPr/>
+        </p:nvSpPr>
+        <p:spPr>
+          <a:xfrm>
+            <a:off x="9166350" y="28803940"/>
+            <a:ext cx="27700213" cy="6093976"/>
+          </a:xfrm>
+          <a:prstGeom prst="rect">
+            <a:avLst/>
+          </a:prstGeom>
+          <a:noFill/>
+        </p:spPr>
+        <p:txBody>
+          <a:bodyPr wrap="square" rtlCol="0">
+            <a:spAutoFit/>
+          </a:bodyPr>
+          <a:lstStyle/>
+          <a:p>
+            <a:r>
+              <a:rPr lang="ko-KR" altLang="en-US" sz="13000" dirty="0"/>
+              <a:t>구매 시 무작위의 버프를 </a:t>
+            </a:r>
+            <a:endParaRPr lang="en-US" altLang="ko-KR" sz="13000" dirty="0"/>
+          </a:p>
+          <a:p>
+            <a:r>
+              <a:rPr lang="ko-KR" altLang="en-US" sz="13000" dirty="0"/>
+              <a:t>획득한다</a:t>
+            </a:r>
+            <a:r>
+              <a:rPr lang="en-US" altLang="ko-KR" sz="13000" dirty="0"/>
+              <a:t>  </a:t>
+            </a:r>
+          </a:p>
+          <a:p>
+            <a:r>
+              <a:rPr lang="ko-KR" altLang="en-US" sz="13000" dirty="0"/>
+              <a:t>가격</a:t>
+            </a:r>
+            <a:r>
+              <a:rPr lang="en-US" altLang="ko-KR" sz="13000" dirty="0"/>
+              <a:t>: 4</a:t>
+            </a:r>
+            <a:r>
+              <a:rPr lang="ko-KR" altLang="en-US" sz="13000" dirty="0"/>
+              <a:t>만원 </a:t>
+            </a:r>
+            <a:endParaRPr lang="en-US" altLang="ko-KR" sz="13000" dirty="0"/>
+          </a:p>
+        </p:txBody>
+      </p:sp>
+      <p:sp>
+        <p:nvSpPr>
+          <p:cNvPr id="28" name="직사각형 27">
+            <a:extLst>
+              <a:ext uri="{FF2B5EF4-FFF2-40B4-BE49-F238E27FC236}">
+                <a16:creationId xmlns:a16="http://schemas.microsoft.com/office/drawing/2014/main" id="{BE1FF2C1-F0F9-46E7-9B5E-67A9AC5BE9A2}"/>
+              </a:ext>
+            </a:extLst>
+          </p:cNvPr>
+          <p:cNvSpPr/>
+          <p:nvPr/>
+        </p:nvSpPr>
+        <p:spPr>
+          <a:xfrm>
+            <a:off x="12383112" y="35587618"/>
+            <a:ext cx="11182291" cy="4651886"/>
+          </a:xfrm>
+          <a:prstGeom prst="rect">
+            <a:avLst/>
+          </a:prstGeom>
+        </p:spPr>
+        <p:style>
+          <a:lnRef idx="2">
+            <a:schemeClr val="dk1"/>
+          </a:lnRef>
+          <a:fillRef idx="1">
+            <a:schemeClr val="lt1"/>
+          </a:fillRef>
+          <a:effectRef idx="0">
+            <a:schemeClr val="dk1"/>
+          </a:effectRef>
+          <a:fontRef idx="minor">
+            <a:schemeClr val="dk1"/>
+          </a:fontRef>
+        </p:style>
+        <p:txBody>
+          <a:bodyPr rtlCol="0" anchor="ctr"/>
+          <a:lstStyle/>
+          <a:p>
+            <a:pPr algn="ctr"/>
+            <a:r>
+              <a:rPr lang="ko-KR" altLang="en-US" sz="12000" dirty="0"/>
+              <a:t>구매하기</a:t>
+            </a:r>
+            <a:r>
+              <a:rPr lang="ko-KR" altLang="en-US" sz="10000" dirty="0"/>
+              <a:t> </a:t>
+            </a:r>
+            <a:r>
+              <a:rPr lang="en-US" altLang="ko-KR" dirty="0"/>
+              <a:t>111</a:t>
+            </a:r>
+            <a:endParaRPr lang="ko-KR" altLang="en-US" dirty="0"/>
+          </a:p>
+        </p:txBody>
+      </p:sp>
+      <p:sp>
+        <p:nvSpPr>
+          <p:cNvPr id="34" name="직사각형 33">
+            <a:extLst>
+              <a:ext uri="{FF2B5EF4-FFF2-40B4-BE49-F238E27FC236}">
+                <a16:creationId xmlns:a16="http://schemas.microsoft.com/office/drawing/2014/main" id="{5694A5DE-3035-8925-DDDB-F34B18CAA3B4}"/>
+              </a:ext>
+            </a:extLst>
+          </p:cNvPr>
+          <p:cNvSpPr/>
+          <p:nvPr/>
+        </p:nvSpPr>
+        <p:spPr>
+          <a:xfrm>
+            <a:off x="955541" y="36880782"/>
+            <a:ext cx="6063816" cy="2171283"/>
+          </a:xfrm>
+          <a:prstGeom prst="rect">
+            <a:avLst/>
+          </a:prstGeom>
+        </p:spPr>
+        <p:style>
+          <a:lnRef idx="2">
+            <a:schemeClr val="accent6"/>
+          </a:lnRef>
+          <a:fillRef idx="1">
+            <a:schemeClr val="lt1"/>
+          </a:fillRef>
+          <a:effectRef idx="0">
+            <a:schemeClr val="accent6"/>
+          </a:effectRef>
+          <a:fontRef idx="minor">
+            <a:schemeClr val="dk1"/>
+          </a:fontRef>
+        </p:style>
+        <p:txBody>
+          <a:bodyPr rtlCol="0" anchor="ctr"/>
+          <a:lstStyle/>
+          <a:p>
+            <a:pPr algn="ctr"/>
+            <a:r>
+              <a:rPr lang="ko-KR" altLang="en-US" sz="12000" dirty="0" err="1"/>
+              <a:t>확률표</a:t>
+            </a:r>
+            <a:r>
+              <a:rPr lang="en-US" altLang="ko-KR" dirty="0"/>
+              <a:t>111</a:t>
+            </a:r>
+            <a:endParaRPr lang="ko-KR" altLang="en-US" dirty="0"/>
+          </a:p>
+        </p:txBody>
+      </p:sp>
+      <p:sp>
+        <p:nvSpPr>
+          <p:cNvPr id="4" name="직사각형 3">
+            <a:extLst>
+              <a:ext uri="{FF2B5EF4-FFF2-40B4-BE49-F238E27FC236}">
+                <a16:creationId xmlns:a16="http://schemas.microsoft.com/office/drawing/2014/main" id="{E8AD0A9E-4A7E-2A3E-9EFE-0609A6101BA0}"/>
+              </a:ext>
+            </a:extLst>
+          </p:cNvPr>
+          <p:cNvSpPr/>
+          <p:nvPr/>
+        </p:nvSpPr>
+        <p:spPr>
+          <a:xfrm>
+            <a:off x="-178421" y="3242745"/>
+            <a:ext cx="27700213" cy="42985470"/>
+          </a:xfrm>
+          <a:prstGeom prst="rect">
+            <a:avLst/>
+          </a:prstGeom>
+        </p:spPr>
+        <p:style>
+          <a:lnRef idx="1">
+            <a:schemeClr val="accent1"/>
+          </a:lnRef>
+          <a:fillRef idx="2">
+            <a:schemeClr val="accent1"/>
+          </a:fillRef>
+          <a:effectRef idx="1">
+            <a:schemeClr val="accent1"/>
+          </a:effectRef>
+          <a:fontRef idx="minor">
+            <a:schemeClr val="dk1"/>
+          </a:fontRef>
+        </p:style>
+        <p:txBody>
+          <a:bodyPr rtlCol="0" anchor="ctr"/>
+          <a:lstStyle/>
+          <a:p>
+            <a:pPr algn="ctr"/>
+            <a:endParaRPr lang="ko-KR" altLang="en-US" dirty="0"/>
+          </a:p>
+        </p:txBody>
+      </p:sp>
+      <p:sp>
+        <p:nvSpPr>
+          <p:cNvPr id="13" name="TextBox 12">
+            <a:extLst>
+              <a:ext uri="{FF2B5EF4-FFF2-40B4-BE49-F238E27FC236}">
+                <a16:creationId xmlns:a16="http://schemas.microsoft.com/office/drawing/2014/main" id="{B376664E-CBC4-383B-9A92-CD3F809F2484}"/>
+              </a:ext>
+            </a:extLst>
+          </p:cNvPr>
+          <p:cNvSpPr txBox="1"/>
+          <p:nvPr/>
+        </p:nvSpPr>
+        <p:spPr>
+          <a:xfrm>
+            <a:off x="-261460" y="4617455"/>
+            <a:ext cx="35496140" cy="6093976"/>
+          </a:xfrm>
+          <a:prstGeom prst="rect">
+            <a:avLst/>
+          </a:prstGeom>
+          <a:noFill/>
+        </p:spPr>
+        <p:txBody>
+          <a:bodyPr wrap="square" rtlCol="0">
+            <a:spAutoFit/>
+          </a:bodyPr>
+          <a:lstStyle/>
+          <a:p>
+            <a:r>
+              <a:rPr lang="ko-KR" altLang="en-US" sz="12000" dirty="0"/>
+              <a:t>직업 아이템 생성에 필요한 돈이</a:t>
+            </a:r>
+            <a:endParaRPr lang="en-US" altLang="ko-KR" sz="12000" dirty="0"/>
+          </a:p>
+          <a:p>
+            <a:r>
+              <a:rPr lang="en-US" altLang="ko-KR" sz="12000" dirty="0"/>
+              <a:t>5</a:t>
+            </a:r>
+            <a:r>
+              <a:rPr lang="ko-KR" altLang="en-US" sz="12000" dirty="0"/>
+              <a:t>회 동안 절반으로 감소한다</a:t>
+            </a:r>
+            <a:endParaRPr lang="en-US" altLang="ko-KR" sz="12000" dirty="0"/>
+          </a:p>
+          <a:p>
+            <a:endParaRPr lang="en-US" altLang="ko-KR" sz="15000" dirty="0"/>
+          </a:p>
+        </p:txBody>
+      </p:sp>
+      <p:sp>
+        <p:nvSpPr>
+          <p:cNvPr id="26" name="TextBox 25">
+            <a:extLst>
+              <a:ext uri="{FF2B5EF4-FFF2-40B4-BE49-F238E27FC236}">
+                <a16:creationId xmlns:a16="http://schemas.microsoft.com/office/drawing/2014/main" id="{BA0B0CE2-593C-31CD-C899-6DD5B5CE62E2}"/>
+              </a:ext>
+            </a:extLst>
+          </p:cNvPr>
+          <p:cNvSpPr txBox="1"/>
+          <p:nvPr/>
+        </p:nvSpPr>
+        <p:spPr>
+          <a:xfrm>
+            <a:off x="226187" y="35645049"/>
+            <a:ext cx="35496140" cy="6093976"/>
+          </a:xfrm>
+          <a:prstGeom prst="rect">
+            <a:avLst/>
+          </a:prstGeom>
+          <a:noFill/>
+        </p:spPr>
+        <p:txBody>
+          <a:bodyPr wrap="square" rtlCol="0">
+            <a:spAutoFit/>
+          </a:bodyPr>
+          <a:lstStyle/>
+          <a:p>
+            <a:r>
+              <a:rPr lang="ko-KR" altLang="en-US" sz="12000" dirty="0"/>
+              <a:t>돈 아이템 생성시 </a:t>
+            </a:r>
+            <a:endParaRPr lang="en-US" altLang="ko-KR" sz="12000" dirty="0"/>
+          </a:p>
+          <a:p>
+            <a:r>
+              <a:rPr lang="en-US" altLang="ko-KR" sz="12000" dirty="0"/>
+              <a:t>1</a:t>
+            </a:r>
+            <a:r>
+              <a:rPr lang="ko-KR" altLang="en-US" sz="12000" dirty="0"/>
+              <a:t>단계가 아닌 </a:t>
+            </a:r>
+            <a:r>
+              <a:rPr lang="en-US" altLang="ko-KR" sz="12000" dirty="0"/>
+              <a:t>2</a:t>
+            </a:r>
+            <a:r>
+              <a:rPr lang="ko-KR" altLang="en-US" sz="12000" dirty="0"/>
+              <a:t>단계의 아이템이 나온다</a:t>
+            </a:r>
+            <a:endParaRPr lang="en-US" altLang="ko-KR" sz="12000" dirty="0"/>
+          </a:p>
+          <a:p>
+            <a:endParaRPr lang="en-US" altLang="ko-KR" sz="15000" dirty="0"/>
+          </a:p>
+        </p:txBody>
+      </p:sp>
+      <p:sp>
+        <p:nvSpPr>
+          <p:cNvPr id="29" name="TextBox 28">
+            <a:extLst>
+              <a:ext uri="{FF2B5EF4-FFF2-40B4-BE49-F238E27FC236}">
+                <a16:creationId xmlns:a16="http://schemas.microsoft.com/office/drawing/2014/main" id="{B99E632F-6A89-D619-1213-0DF02289BE6C}"/>
+              </a:ext>
+            </a:extLst>
+          </p:cNvPr>
+          <p:cNvSpPr txBox="1"/>
+          <p:nvPr/>
+        </p:nvSpPr>
+        <p:spPr>
+          <a:xfrm>
+            <a:off x="-178421" y="29495968"/>
+            <a:ext cx="35496140" cy="6093976"/>
+          </a:xfrm>
+          <a:prstGeom prst="rect">
+            <a:avLst/>
+          </a:prstGeom>
+          <a:noFill/>
+        </p:spPr>
+        <p:txBody>
+          <a:bodyPr wrap="square" rtlCol="0">
+            <a:spAutoFit/>
+          </a:bodyPr>
+          <a:lstStyle/>
+          <a:p>
+            <a:r>
+              <a:rPr lang="ko-KR" altLang="en-US" sz="12000" dirty="0"/>
+              <a:t>직업 아이템 생성시 </a:t>
+            </a:r>
+            <a:endParaRPr lang="en-US" altLang="ko-KR" sz="12000" dirty="0"/>
+          </a:p>
+          <a:p>
+            <a:r>
+              <a:rPr lang="en-US" altLang="ko-KR" sz="12000" dirty="0"/>
+              <a:t>1</a:t>
+            </a:r>
+            <a:r>
+              <a:rPr lang="ko-KR" altLang="en-US" sz="12000" dirty="0"/>
+              <a:t>단계가 아닌 </a:t>
+            </a:r>
+            <a:r>
+              <a:rPr lang="en-US" altLang="ko-KR" sz="12000" dirty="0"/>
+              <a:t>2</a:t>
+            </a:r>
+            <a:r>
+              <a:rPr lang="ko-KR" altLang="en-US" sz="12000" dirty="0"/>
+              <a:t>단계의 아이템이 나온다</a:t>
+            </a:r>
+            <a:endParaRPr lang="en-US" altLang="ko-KR" sz="12000" dirty="0"/>
+          </a:p>
+          <a:p>
+            <a:endParaRPr lang="en-US" altLang="ko-KR" sz="15000" dirty="0"/>
+          </a:p>
+        </p:txBody>
+      </p:sp>
+      <p:sp>
+        <p:nvSpPr>
+          <p:cNvPr id="30" name="TextBox 29">
+            <a:extLst>
+              <a:ext uri="{FF2B5EF4-FFF2-40B4-BE49-F238E27FC236}">
+                <a16:creationId xmlns:a16="http://schemas.microsoft.com/office/drawing/2014/main" id="{6FA37E54-845B-E770-3FE0-6C42A350C0C3}"/>
+              </a:ext>
+            </a:extLst>
+          </p:cNvPr>
+          <p:cNvSpPr txBox="1"/>
+          <p:nvPr/>
+        </p:nvSpPr>
+        <p:spPr>
+          <a:xfrm>
+            <a:off x="-10674" y="26157716"/>
+            <a:ext cx="35496140" cy="4247317"/>
+          </a:xfrm>
+          <a:prstGeom prst="rect">
+            <a:avLst/>
+          </a:prstGeom>
+          <a:noFill/>
+        </p:spPr>
+        <p:txBody>
+          <a:bodyPr wrap="square" rtlCol="0">
+            <a:spAutoFit/>
+          </a:bodyPr>
+          <a:lstStyle/>
+          <a:p>
+            <a:r>
+              <a:rPr lang="en-US" altLang="ko-KR" sz="12000" dirty="0"/>
+              <a:t>7</a:t>
+            </a:r>
+            <a:r>
+              <a:rPr lang="ko-KR" altLang="en-US" sz="12000" dirty="0"/>
+              <a:t>만원을 획득한다</a:t>
+            </a:r>
+            <a:endParaRPr lang="en-US" altLang="ko-KR" sz="12000" dirty="0"/>
+          </a:p>
+          <a:p>
+            <a:endParaRPr lang="en-US" altLang="ko-KR" sz="15000" dirty="0"/>
+          </a:p>
+        </p:txBody>
+      </p:sp>
+      <p:sp>
+        <p:nvSpPr>
+          <p:cNvPr id="31" name="TextBox 30">
+            <a:extLst>
+              <a:ext uri="{FF2B5EF4-FFF2-40B4-BE49-F238E27FC236}">
+                <a16:creationId xmlns:a16="http://schemas.microsoft.com/office/drawing/2014/main" id="{E0ED86DB-700C-B16F-8795-E2DD5183E5CD}"/>
+              </a:ext>
+            </a:extLst>
+          </p:cNvPr>
+          <p:cNvSpPr txBox="1"/>
+          <p:nvPr/>
+        </p:nvSpPr>
+        <p:spPr>
+          <a:xfrm>
+            <a:off x="-10674" y="20371124"/>
+            <a:ext cx="35496140" cy="6093976"/>
+          </a:xfrm>
+          <a:prstGeom prst="rect">
+            <a:avLst/>
+          </a:prstGeom>
+          <a:noFill/>
+        </p:spPr>
+        <p:txBody>
+          <a:bodyPr wrap="square" rtlCol="0">
+            <a:spAutoFit/>
+          </a:bodyPr>
+          <a:lstStyle/>
+          <a:p>
+            <a:r>
+              <a:rPr lang="ko-KR" altLang="en-US" sz="12000" dirty="0"/>
+              <a:t>무작위 직업의 </a:t>
+            </a:r>
+            <a:r>
+              <a:rPr lang="en-US" altLang="ko-KR" sz="12000" dirty="0"/>
+              <a:t>1~3</a:t>
+            </a:r>
+            <a:r>
+              <a:rPr lang="ko-KR" altLang="en-US" sz="12000" dirty="0"/>
+              <a:t>단계 아이템을</a:t>
+            </a:r>
+            <a:endParaRPr lang="en-US" altLang="ko-KR" sz="12000" dirty="0"/>
+          </a:p>
+          <a:p>
+            <a:r>
+              <a:rPr lang="en-US" altLang="ko-KR" sz="12000" dirty="0"/>
+              <a:t>2</a:t>
+            </a:r>
+            <a:r>
+              <a:rPr lang="ko-KR" altLang="en-US" sz="12000" dirty="0"/>
+              <a:t>개 획득한다</a:t>
+            </a:r>
+            <a:endParaRPr lang="en-US" altLang="ko-KR" sz="12000" dirty="0"/>
+          </a:p>
+          <a:p>
+            <a:endParaRPr lang="en-US" altLang="ko-KR" sz="15000" dirty="0"/>
+          </a:p>
+        </p:txBody>
+      </p:sp>
+      <p:sp>
+        <p:nvSpPr>
+          <p:cNvPr id="32" name="TextBox 31">
+            <a:extLst>
+              <a:ext uri="{FF2B5EF4-FFF2-40B4-BE49-F238E27FC236}">
+                <a16:creationId xmlns:a16="http://schemas.microsoft.com/office/drawing/2014/main" id="{116DD107-62AA-09A2-ACF0-F639444FA7FD}"/>
+              </a:ext>
+            </a:extLst>
+          </p:cNvPr>
+          <p:cNvSpPr txBox="1"/>
+          <p:nvPr/>
+        </p:nvSpPr>
+        <p:spPr>
+          <a:xfrm>
+            <a:off x="-10674" y="9254896"/>
+            <a:ext cx="35496140" cy="6093976"/>
+          </a:xfrm>
+          <a:prstGeom prst="rect">
+            <a:avLst/>
+          </a:prstGeom>
+          <a:noFill/>
+        </p:spPr>
+        <p:txBody>
+          <a:bodyPr wrap="square" rtlCol="0">
+            <a:spAutoFit/>
+          </a:bodyPr>
+          <a:lstStyle/>
+          <a:p>
+            <a:r>
+              <a:rPr lang="ko-KR" altLang="en-US" sz="12000" dirty="0"/>
+              <a:t>직업 아이템 생성을</a:t>
+            </a:r>
+            <a:endParaRPr lang="en-US" altLang="ko-KR" sz="12000" dirty="0"/>
+          </a:p>
+          <a:p>
+            <a:r>
+              <a:rPr lang="en-US" altLang="ko-KR" sz="12000" dirty="0"/>
+              <a:t>5</a:t>
+            </a:r>
+            <a:r>
+              <a:rPr lang="ko-KR" altLang="en-US" sz="12000" dirty="0"/>
+              <a:t>회 동안 무료로 할 수 있다</a:t>
+            </a:r>
+            <a:endParaRPr lang="en-US" altLang="ko-KR" sz="12000" dirty="0"/>
+          </a:p>
+          <a:p>
+            <a:endParaRPr lang="en-US" altLang="ko-KR" sz="15000" dirty="0"/>
+          </a:p>
+        </p:txBody>
+      </p:sp>
+      <p:sp>
+        <p:nvSpPr>
+          <p:cNvPr id="33" name="TextBox 32">
+            <a:extLst>
+              <a:ext uri="{FF2B5EF4-FFF2-40B4-BE49-F238E27FC236}">
+                <a16:creationId xmlns:a16="http://schemas.microsoft.com/office/drawing/2014/main" id="{7F98F2B3-2BEA-4AF6-00FA-7B57C7D3089C}"/>
+              </a:ext>
+            </a:extLst>
+          </p:cNvPr>
+          <p:cNvSpPr txBox="1"/>
+          <p:nvPr/>
+        </p:nvSpPr>
+        <p:spPr>
+          <a:xfrm>
+            <a:off x="-178421" y="14391184"/>
+            <a:ext cx="35496140" cy="6093976"/>
+          </a:xfrm>
+          <a:prstGeom prst="rect">
+            <a:avLst/>
+          </a:prstGeom>
+          <a:noFill/>
+        </p:spPr>
+        <p:txBody>
+          <a:bodyPr wrap="square" rtlCol="0">
+            <a:spAutoFit/>
+          </a:bodyPr>
+          <a:lstStyle/>
+          <a:p>
+            <a:r>
+              <a:rPr lang="ko-KR" altLang="en-US" sz="12000" dirty="0"/>
+              <a:t>무작위 직업의 </a:t>
+            </a:r>
+            <a:r>
+              <a:rPr lang="en-US" altLang="ko-KR" sz="12000" dirty="0"/>
+              <a:t>1~3</a:t>
+            </a:r>
+            <a:r>
+              <a:rPr lang="ko-KR" altLang="en-US" sz="12000" dirty="0"/>
+              <a:t>단계 아이템을</a:t>
+            </a:r>
+            <a:endParaRPr lang="en-US" altLang="ko-KR" sz="12000" dirty="0"/>
+          </a:p>
+          <a:p>
+            <a:r>
+              <a:rPr lang="en-US" altLang="ko-KR" sz="12000" dirty="0"/>
+              <a:t>1</a:t>
+            </a:r>
+            <a:r>
+              <a:rPr lang="ko-KR" altLang="en-US" sz="12000" dirty="0"/>
+              <a:t>개 획득한다</a:t>
+            </a:r>
+            <a:endParaRPr lang="en-US" altLang="ko-KR" sz="12000" dirty="0"/>
+          </a:p>
+          <a:p>
+            <a:endParaRPr lang="en-US" altLang="ko-KR" sz="15000" dirty="0"/>
+          </a:p>
+        </p:txBody>
+      </p:sp>
+      <p:sp>
+        <p:nvSpPr>
+          <p:cNvPr id="35" name="TextBox 34">
+            <a:extLst>
+              <a:ext uri="{FF2B5EF4-FFF2-40B4-BE49-F238E27FC236}">
+                <a16:creationId xmlns:a16="http://schemas.microsoft.com/office/drawing/2014/main" id="{172CFC19-B7F8-811C-441B-95EBEB915AFE}"/>
+              </a:ext>
+            </a:extLst>
+          </p:cNvPr>
+          <p:cNvSpPr txBox="1"/>
+          <p:nvPr/>
+        </p:nvSpPr>
+        <p:spPr>
+          <a:xfrm>
+            <a:off x="22607755" y="5195046"/>
+            <a:ext cx="11607673" cy="1938992"/>
+          </a:xfrm>
+          <a:prstGeom prst="rect">
+            <a:avLst/>
+          </a:prstGeom>
+          <a:noFill/>
+        </p:spPr>
+        <p:txBody>
+          <a:bodyPr wrap="square" rtlCol="0">
+            <a:spAutoFit/>
+          </a:bodyPr>
+          <a:lstStyle/>
+          <a:p>
+            <a:r>
+              <a:rPr lang="en-US" altLang="ko-KR" sz="12000" dirty="0"/>
+              <a:t>30%</a:t>
+            </a:r>
+            <a:endParaRPr lang="en-US" altLang="ko-KR" sz="2400" dirty="0"/>
+          </a:p>
+        </p:txBody>
+      </p:sp>
+      <p:sp>
+        <p:nvSpPr>
+          <p:cNvPr id="36" name="TextBox 35">
+            <a:extLst>
+              <a:ext uri="{FF2B5EF4-FFF2-40B4-BE49-F238E27FC236}">
+                <a16:creationId xmlns:a16="http://schemas.microsoft.com/office/drawing/2014/main" id="{621F0B09-1DB2-735E-BE01-E78918C0537C}"/>
+              </a:ext>
+            </a:extLst>
+          </p:cNvPr>
+          <p:cNvSpPr txBox="1"/>
+          <p:nvPr/>
+        </p:nvSpPr>
+        <p:spPr>
+          <a:xfrm>
+            <a:off x="969587" y="43405051"/>
+            <a:ext cx="35496140" cy="4247317"/>
+          </a:xfrm>
+          <a:prstGeom prst="rect">
+            <a:avLst/>
+          </a:prstGeom>
+          <a:noFill/>
+        </p:spPr>
+        <p:txBody>
+          <a:bodyPr wrap="square" rtlCol="0">
+            <a:spAutoFit/>
+          </a:bodyPr>
+          <a:lstStyle/>
+          <a:p>
+            <a:r>
+              <a:rPr lang="ko-KR" altLang="en-US" sz="12000" dirty="0"/>
+              <a:t>꽝</a:t>
+            </a:r>
+            <a:endParaRPr lang="en-US" altLang="ko-KR" sz="12000" dirty="0"/>
+          </a:p>
+          <a:p>
+            <a:endParaRPr lang="en-US" altLang="ko-KR" sz="15000" dirty="0"/>
+          </a:p>
+        </p:txBody>
+      </p:sp>
+      <p:sp>
+        <p:nvSpPr>
+          <p:cNvPr id="40" name="TextBox 39">
+            <a:extLst>
+              <a:ext uri="{FF2B5EF4-FFF2-40B4-BE49-F238E27FC236}">
+                <a16:creationId xmlns:a16="http://schemas.microsoft.com/office/drawing/2014/main" id="{A3FBE49C-2C00-0075-E55D-26354B1660F8}"/>
+              </a:ext>
+            </a:extLst>
+          </p:cNvPr>
+          <p:cNvSpPr txBox="1"/>
+          <p:nvPr/>
+        </p:nvSpPr>
+        <p:spPr>
+          <a:xfrm>
+            <a:off x="22607755" y="9547757"/>
+            <a:ext cx="18991384" cy="1938992"/>
+          </a:xfrm>
+          <a:prstGeom prst="rect">
+            <a:avLst/>
+          </a:prstGeom>
+          <a:noFill/>
+        </p:spPr>
+        <p:txBody>
+          <a:bodyPr wrap="square">
+            <a:spAutoFit/>
+          </a:bodyPr>
+          <a:lstStyle/>
+          <a:p>
+            <a:r>
+              <a:rPr lang="en-US" altLang="ko-KR" sz="12000" dirty="0"/>
+              <a:t>10%</a:t>
+            </a:r>
+          </a:p>
+        </p:txBody>
+      </p:sp>
+      <p:sp>
+        <p:nvSpPr>
+          <p:cNvPr id="41" name="TextBox 40">
+            <a:extLst>
+              <a:ext uri="{FF2B5EF4-FFF2-40B4-BE49-F238E27FC236}">
+                <a16:creationId xmlns:a16="http://schemas.microsoft.com/office/drawing/2014/main" id="{22463DF4-6182-B2FE-F723-3E5B97E81429}"/>
+              </a:ext>
+            </a:extLst>
+          </p:cNvPr>
+          <p:cNvSpPr txBox="1"/>
+          <p:nvPr/>
+        </p:nvSpPr>
+        <p:spPr>
+          <a:xfrm>
+            <a:off x="22607755" y="14397646"/>
+            <a:ext cx="18991384" cy="1938992"/>
+          </a:xfrm>
+          <a:prstGeom prst="rect">
+            <a:avLst/>
+          </a:prstGeom>
+          <a:noFill/>
+        </p:spPr>
+        <p:txBody>
+          <a:bodyPr wrap="square">
+            <a:spAutoFit/>
+          </a:bodyPr>
+          <a:lstStyle/>
+          <a:p>
+            <a:r>
+              <a:rPr lang="en-US" altLang="ko-KR" sz="12000" dirty="0"/>
+              <a:t>20%</a:t>
+            </a:r>
+          </a:p>
+        </p:txBody>
+      </p:sp>
+      <p:sp>
+        <p:nvSpPr>
+          <p:cNvPr id="42" name="TextBox 41">
+            <a:extLst>
+              <a:ext uri="{FF2B5EF4-FFF2-40B4-BE49-F238E27FC236}">
+                <a16:creationId xmlns:a16="http://schemas.microsoft.com/office/drawing/2014/main" id="{860B9BD0-4B6C-AE64-08D6-CEBA0277AE90}"/>
+              </a:ext>
+            </a:extLst>
+          </p:cNvPr>
+          <p:cNvSpPr txBox="1"/>
+          <p:nvPr/>
+        </p:nvSpPr>
+        <p:spPr>
+          <a:xfrm>
+            <a:off x="22753974" y="26087026"/>
+            <a:ext cx="18991384" cy="1938992"/>
+          </a:xfrm>
+          <a:prstGeom prst="rect">
+            <a:avLst/>
+          </a:prstGeom>
+          <a:noFill/>
+        </p:spPr>
+        <p:txBody>
+          <a:bodyPr wrap="square">
+            <a:spAutoFit/>
+          </a:bodyPr>
+          <a:lstStyle/>
+          <a:p>
+            <a:r>
+              <a:rPr lang="en-US" altLang="ko-KR" sz="12000" dirty="0"/>
+              <a:t>9%</a:t>
+            </a:r>
+          </a:p>
+        </p:txBody>
+      </p:sp>
+      <p:sp>
+        <p:nvSpPr>
+          <p:cNvPr id="43" name="TextBox 42">
+            <a:extLst>
+              <a:ext uri="{FF2B5EF4-FFF2-40B4-BE49-F238E27FC236}">
+                <a16:creationId xmlns:a16="http://schemas.microsoft.com/office/drawing/2014/main" id="{330B59B0-1855-71AC-3930-4F455184F8A8}"/>
+              </a:ext>
+            </a:extLst>
+          </p:cNvPr>
+          <p:cNvSpPr txBox="1"/>
+          <p:nvPr/>
+        </p:nvSpPr>
+        <p:spPr>
+          <a:xfrm>
+            <a:off x="22338350" y="43558982"/>
+            <a:ext cx="18991384" cy="1938992"/>
+          </a:xfrm>
+          <a:prstGeom prst="rect">
+            <a:avLst/>
+          </a:prstGeom>
+          <a:noFill/>
+        </p:spPr>
+        <p:txBody>
+          <a:bodyPr wrap="square">
+            <a:spAutoFit/>
+          </a:bodyPr>
+          <a:lstStyle/>
+          <a:p>
+            <a:r>
+              <a:rPr lang="en-US" altLang="ko-KR" sz="12000" dirty="0"/>
+              <a:t>20%</a:t>
+            </a:r>
+          </a:p>
+        </p:txBody>
+      </p:sp>
+      <p:sp>
+        <p:nvSpPr>
+          <p:cNvPr id="44" name="TextBox 43">
+            <a:extLst>
+              <a:ext uri="{FF2B5EF4-FFF2-40B4-BE49-F238E27FC236}">
+                <a16:creationId xmlns:a16="http://schemas.microsoft.com/office/drawing/2014/main" id="{97FCEF05-D582-B3D4-A7E7-DC2A97AF88B4}"/>
+              </a:ext>
+            </a:extLst>
+          </p:cNvPr>
+          <p:cNvSpPr txBox="1"/>
+          <p:nvPr/>
+        </p:nvSpPr>
+        <p:spPr>
+          <a:xfrm>
+            <a:off x="22527038" y="20168627"/>
+            <a:ext cx="18991384" cy="1938992"/>
+          </a:xfrm>
+          <a:prstGeom prst="rect">
+            <a:avLst/>
+          </a:prstGeom>
+          <a:noFill/>
+        </p:spPr>
+        <p:txBody>
+          <a:bodyPr wrap="square">
+            <a:spAutoFit/>
+          </a:bodyPr>
+          <a:lstStyle/>
+          <a:p>
+            <a:r>
+              <a:rPr lang="en-US" altLang="ko-KR" sz="12000" dirty="0"/>
+              <a:t>10%</a:t>
+            </a:r>
+          </a:p>
+        </p:txBody>
+      </p:sp>
+      <p:sp>
+        <p:nvSpPr>
+          <p:cNvPr id="45" name="TextBox 44">
+            <a:extLst>
+              <a:ext uri="{FF2B5EF4-FFF2-40B4-BE49-F238E27FC236}">
+                <a16:creationId xmlns:a16="http://schemas.microsoft.com/office/drawing/2014/main" id="{A89AD6B5-77E9-79FD-F651-020AEDADD116}"/>
+              </a:ext>
+            </a:extLst>
+          </p:cNvPr>
+          <p:cNvSpPr txBox="1"/>
+          <p:nvPr/>
+        </p:nvSpPr>
+        <p:spPr>
+          <a:xfrm>
+            <a:off x="22126368" y="33253339"/>
+            <a:ext cx="18991384" cy="1938992"/>
+          </a:xfrm>
+          <a:prstGeom prst="rect">
+            <a:avLst/>
+          </a:prstGeom>
+          <a:noFill/>
+        </p:spPr>
+        <p:txBody>
+          <a:bodyPr wrap="square">
+            <a:spAutoFit/>
+          </a:bodyPr>
+          <a:lstStyle/>
+          <a:p>
+            <a:r>
+              <a:rPr lang="en-US" altLang="ko-KR" sz="12000" dirty="0"/>
+              <a:t>0.5%</a:t>
+            </a:r>
+          </a:p>
+        </p:txBody>
+      </p:sp>
+      <p:sp>
+        <p:nvSpPr>
+          <p:cNvPr id="46" name="TextBox 45">
+            <a:extLst>
+              <a:ext uri="{FF2B5EF4-FFF2-40B4-BE49-F238E27FC236}">
+                <a16:creationId xmlns:a16="http://schemas.microsoft.com/office/drawing/2014/main" id="{C5E72FA9-1C2C-DC1A-1421-2256530811A2}"/>
+              </a:ext>
+            </a:extLst>
+          </p:cNvPr>
+          <p:cNvSpPr txBox="1"/>
+          <p:nvPr/>
+        </p:nvSpPr>
+        <p:spPr>
+          <a:xfrm>
+            <a:off x="21882544" y="39216971"/>
+            <a:ext cx="18991384" cy="1938992"/>
+          </a:xfrm>
+          <a:prstGeom prst="rect">
+            <a:avLst/>
+          </a:prstGeom>
+          <a:noFill/>
+        </p:spPr>
+        <p:txBody>
+          <a:bodyPr wrap="square">
+            <a:spAutoFit/>
+          </a:bodyPr>
+          <a:lstStyle/>
+          <a:p>
+            <a:r>
+              <a:rPr lang="en-US" altLang="ko-KR" sz="12000" dirty="0"/>
+              <a:t>0.5%</a:t>
             </a:r>
           </a:p>
         </p:txBody>
@@ -8529,7 +9672,7 @@
     </p:spTree>
     <p:extLst>
       <p:ext uri="{BB962C8B-B14F-4D97-AF65-F5344CB8AC3E}">
-        <p14:creationId xmlns:p14="http://schemas.microsoft.com/office/powerpoint/2010/main" val="2900400870"/>
+        <p14:creationId xmlns:p14="http://schemas.microsoft.com/office/powerpoint/2010/main" val="917376973"/>
       </p:ext>
     </p:extLst>
   </p:cSld>
